--- a/nosqldatabase/Presentation5.pptx
+++ b/nosqldatabase/Presentation5.pptx
@@ -14,16 +14,16 @@
     <p:sldId id="259" r:id="rId5"/>
     <p:sldId id="261" r:id="rId6"/>
     <p:sldId id="262" r:id="rId7"/>
-    <p:sldId id="275" r:id="rId8"/>
-    <p:sldId id="276" r:id="rId9"/>
+    <p:sldId id="276" r:id="rId8"/>
+    <p:sldId id="275" r:id="rId9"/>
     <p:sldId id="264" r:id="rId10"/>
-    <p:sldId id="266" r:id="rId11"/>
-    <p:sldId id="265" r:id="rId12"/>
-    <p:sldId id="268" r:id="rId13"/>
-    <p:sldId id="277" r:id="rId14"/>
-    <p:sldId id="278" r:id="rId15"/>
-    <p:sldId id="279" r:id="rId16"/>
-    <p:sldId id="273" r:id="rId17"/>
+    <p:sldId id="265" r:id="rId11"/>
+    <p:sldId id="268" r:id="rId12"/>
+    <p:sldId id="277" r:id="rId13"/>
+    <p:sldId id="278" r:id="rId14"/>
+    <p:sldId id="279" r:id="rId15"/>
+    <p:sldId id="273" r:id="rId16"/>
+    <p:sldId id="280" r:id="rId17"/>
     <p:sldId id="274" r:id="rId18"/>
   </p:sldIdLst>
   <p:sldSz cx="12192000" cy="6858000"/>
@@ -609,47 +609,7 @@
           <a:bodyPr/>
           <a:lstStyle/>
           <a:p>
-            <a:pPr marL="0" marR="0" lvl="0" indent="0" algn="l" defTabSz="914400" rtl="0" eaLnBrk="1" fontAlgn="auto" latinLnBrk="0" hangingPunct="1">
-              <a:lnSpc>
-                <a:spcPct val="100000"/>
-              </a:lnSpc>
-              <a:spcBef>
-                <a:spcPts val="0"/>
-              </a:spcBef>
-              <a:spcAft>
-                <a:spcPts val="0"/>
-              </a:spcAft>
-              <a:buClrTx/>
-              <a:buSzTx/>
-              <a:buFontTx/>
-              <a:buNone/>
-              <a:tabLst/>
-              <a:defRPr/>
-            </a:pPr>
-            <a:r>
-              <a:rPr lang="en-US" dirty="0"/>
-              <a:t>https://</a:t>
-            </a:r>
-            <a:r>
-              <a:rPr lang="en-US" dirty="0" err="1"/>
-              <a:t>www.statcan.gc.ca</a:t>
-            </a:r>
-            <a:r>
-              <a:rPr lang="en-US" dirty="0"/>
-              <a:t>/o1/</a:t>
-            </a:r>
-            <a:r>
-              <a:rPr lang="en-US" dirty="0" err="1"/>
-              <a:t>en</a:t>
-            </a:r>
-            <a:r>
-              <a:rPr lang="en-US" dirty="0"/>
-              <a:t>/plus/5847-which-canadian-businesses-are-using-generative-artificial-intelligence-and-why</a:t>
-            </a:r>
-            <a:endParaRPr lang="en-NP" dirty="0"/>
-          </a:p>
-          <a:p>
-            <a:endParaRPr lang="en-NP" dirty="0"/>
+            <a:endParaRPr lang="en-NP"/>
           </a:p>
         </p:txBody>
       </p:sp>
@@ -679,7 +639,7 @@
     </p:spTree>
     <p:extLst>
       <p:ext uri="{BB962C8B-B14F-4D97-AF65-F5344CB8AC3E}">
-        <p14:creationId xmlns:p14="http://schemas.microsoft.com/office/powerpoint/2010/main" val="3051186125"/>
+        <p14:creationId xmlns:p14="http://schemas.microsoft.com/office/powerpoint/2010/main" val="4225901050"/>
       </p:ext>
     </p:extLst>
   </p:cSld>
@@ -763,7 +723,7 @@
     </p:spTree>
     <p:extLst>
       <p:ext uri="{BB962C8B-B14F-4D97-AF65-F5344CB8AC3E}">
-        <p14:creationId xmlns:p14="http://schemas.microsoft.com/office/powerpoint/2010/main" val="4225901050"/>
+        <p14:creationId xmlns:p14="http://schemas.microsoft.com/office/powerpoint/2010/main" val="1491276983"/>
       </p:ext>
     </p:extLst>
   </p:cSld>
@@ -847,7 +807,7 @@
     </p:spTree>
     <p:extLst>
       <p:ext uri="{BB962C8B-B14F-4D97-AF65-F5344CB8AC3E}">
-        <p14:creationId xmlns:p14="http://schemas.microsoft.com/office/powerpoint/2010/main" val="1491276983"/>
+        <p14:creationId xmlns:p14="http://schemas.microsoft.com/office/powerpoint/2010/main" val="3055502801"/>
       </p:ext>
     </p:extLst>
   </p:cSld>
@@ -931,7 +891,7 @@
     </p:spTree>
     <p:extLst>
       <p:ext uri="{BB962C8B-B14F-4D97-AF65-F5344CB8AC3E}">
-        <p14:creationId xmlns:p14="http://schemas.microsoft.com/office/powerpoint/2010/main" val="3055502801"/>
+        <p14:creationId xmlns:p14="http://schemas.microsoft.com/office/powerpoint/2010/main" val="3315846453"/>
       </p:ext>
     </p:extLst>
   </p:cSld>
@@ -1015,7 +975,7 @@
     </p:spTree>
     <p:extLst>
       <p:ext uri="{BB962C8B-B14F-4D97-AF65-F5344CB8AC3E}">
-        <p14:creationId xmlns:p14="http://schemas.microsoft.com/office/powerpoint/2010/main" val="3315846453"/>
+        <p14:creationId xmlns:p14="http://schemas.microsoft.com/office/powerpoint/2010/main" val="1160097312"/>
       </p:ext>
     </p:extLst>
   </p:cSld>
@@ -1099,7 +1059,7 @@
     </p:spTree>
     <p:extLst>
       <p:ext uri="{BB962C8B-B14F-4D97-AF65-F5344CB8AC3E}">
-        <p14:creationId xmlns:p14="http://schemas.microsoft.com/office/powerpoint/2010/main" val="1160097312"/>
+        <p14:creationId xmlns:p14="http://schemas.microsoft.com/office/powerpoint/2010/main" val="3141980281"/>
       </p:ext>
     </p:extLst>
   </p:cSld>
@@ -1183,7 +1143,7 @@
     </p:spTree>
     <p:extLst>
       <p:ext uri="{BB962C8B-B14F-4D97-AF65-F5344CB8AC3E}">
-        <p14:creationId xmlns:p14="http://schemas.microsoft.com/office/powerpoint/2010/main" val="3141980281"/>
+        <p14:creationId xmlns:p14="http://schemas.microsoft.com/office/powerpoint/2010/main" val="3299046374"/>
       </p:ext>
     </p:extLst>
   </p:cSld>
@@ -1771,7 +1731,7 @@
     </p:spTree>
     <p:extLst>
       <p:ext uri="{BB962C8B-B14F-4D97-AF65-F5344CB8AC3E}">
-        <p14:creationId xmlns:p14="http://schemas.microsoft.com/office/powerpoint/2010/main" val="242117687"/>
+        <p14:creationId xmlns:p14="http://schemas.microsoft.com/office/powerpoint/2010/main" val="2241219246"/>
       </p:ext>
     </p:extLst>
   </p:cSld>
@@ -1855,7 +1815,7 @@
     </p:spTree>
     <p:extLst>
       <p:ext uri="{BB962C8B-B14F-4D97-AF65-F5344CB8AC3E}">
-        <p14:creationId xmlns:p14="http://schemas.microsoft.com/office/powerpoint/2010/main" val="2241219246"/>
+        <p14:creationId xmlns:p14="http://schemas.microsoft.com/office/powerpoint/2010/main" val="242117687"/>
       </p:ext>
     </p:extLst>
   </p:cSld>
@@ -5235,7 +5195,7 @@
               <a:rPr lang="en-US" sz="3600" dirty="0">
                 <a:latin typeface=""/>
               </a:rPr>
-              <a:t>Analyzing NOC Job title  across Canada aligning with Lambton College IT course</a:t>
+              <a:t>Analyzing NOC Job titles  across Canada with Lambton College IT course</a:t>
             </a:r>
             <a:endParaRPr lang="en-NP" sz="3600" dirty="0">
               <a:latin typeface=""/>
@@ -5323,104 +5283,6 @@
           <p:cNvPr id="7" name="TextBox 6">
             <a:extLst>
               <a:ext uri="{FF2B5EF4-FFF2-40B4-BE49-F238E27FC236}">
-                <a16:creationId xmlns:a16="http://schemas.microsoft.com/office/drawing/2014/main" id="{6723EE1A-C007-85E3-EF13-2562C394BAD7}"/>
-              </a:ext>
-            </a:extLst>
-          </p:cNvPr>
-          <p:cNvSpPr txBox="1"/>
-          <p:nvPr/>
-        </p:nvSpPr>
-        <p:spPr>
-          <a:xfrm>
-            <a:off x="891915" y="545178"/>
-            <a:ext cx="6100996" cy="369332"/>
-          </a:xfrm>
-          <a:prstGeom prst="rect">
-            <a:avLst/>
-          </a:prstGeom>
-          <a:noFill/>
-        </p:spPr>
-        <p:txBody>
-          <a:bodyPr wrap="square">
-            <a:spAutoFit/>
-          </a:bodyPr>
-          <a:lstStyle/>
-          <a:p>
-            <a:r>
-              <a:rPr lang="en-NP" sz="1800" b="1" dirty="0">
-                <a:latin typeface=""/>
-              </a:rPr>
-              <a:t>Objective 2:</a:t>
-            </a:r>
-            <a:endParaRPr lang="en-NP" dirty="0"/>
-          </a:p>
-        </p:txBody>
-      </p:sp>
-      <p:pic>
-        <p:nvPicPr>
-          <p:cNvPr id="9" name="Picture 8">
-            <a:extLst>
-              <a:ext uri="{FF2B5EF4-FFF2-40B4-BE49-F238E27FC236}">
-                <a16:creationId xmlns:a16="http://schemas.microsoft.com/office/drawing/2014/main" id="{9D31BCA1-8DB9-283C-6B9E-0D10989C20FC}"/>
-              </a:ext>
-            </a:extLst>
-          </p:cNvPr>
-          <p:cNvPicPr>
-            <a:picLocks noChangeAspect="1"/>
-          </p:cNvPicPr>
-          <p:nvPr/>
-        </p:nvPicPr>
-        <p:blipFill>
-          <a:blip r:embed="rId3"/>
-          <a:stretch>
-            <a:fillRect/>
-          </a:stretch>
-        </p:blipFill>
-        <p:spPr>
-          <a:xfrm>
-            <a:off x="1731989" y="1131222"/>
-            <a:ext cx="7772400" cy="5181600"/>
-          </a:xfrm>
-          <a:prstGeom prst="rect">
-            <a:avLst/>
-          </a:prstGeom>
-        </p:spPr>
-      </p:pic>
-    </p:spTree>
-    <p:extLst>
-      <p:ext uri="{BB962C8B-B14F-4D97-AF65-F5344CB8AC3E}">
-        <p14:creationId xmlns:p14="http://schemas.microsoft.com/office/powerpoint/2010/main" val="474578819"/>
-      </p:ext>
-    </p:extLst>
-  </p:cSld>
-  <p:clrMapOvr>
-    <a:masterClrMapping/>
-  </p:clrMapOvr>
-</p:sld>
-</file>
-
-<file path=ppt/slides/slide11.xml><?xml version="1.0" encoding="utf-8"?>
-<p:sld xmlns:a="http://schemas.openxmlformats.org/drawingml/2006/main" xmlns:r="http://schemas.openxmlformats.org/officeDocument/2006/relationships" xmlns:p="http://schemas.openxmlformats.org/presentationml/2006/main">
-  <p:cSld>
-    <p:spTree>
-      <p:nvGrpSpPr>
-        <p:cNvPr id="1" name=""/>
-        <p:cNvGrpSpPr/>
-        <p:nvPr/>
-      </p:nvGrpSpPr>
-      <p:grpSpPr>
-        <a:xfrm>
-          <a:off x="0" y="0"/>
-          <a:ext cx="0" cy="0"/>
-          <a:chOff x="0" y="0"/>
-          <a:chExt cx="0" cy="0"/>
-        </a:xfrm>
-      </p:grpSpPr>
-      <p:sp>
-        <p:nvSpPr>
-          <p:cNvPr id="7" name="TextBox 6">
-            <a:extLst>
-              <a:ext uri="{FF2B5EF4-FFF2-40B4-BE49-F238E27FC236}">
                 <a16:creationId xmlns:a16="http://schemas.microsoft.com/office/drawing/2014/main" id="{853A49A5-690D-D379-A0A5-3B3200BF7F59}"/>
               </a:ext>
             </a:extLst>
@@ -5448,54 +5310,9 @@
               <a:rPr lang="en-US" sz="2700" b="1" dirty="0">
                 <a:latin typeface=""/>
               </a:rPr>
-              <a:t>Objective 3:</a:t>
+              <a:t>Objective 2:</a:t>
             </a:r>
             <a:endParaRPr lang="en-NP" sz="1400" dirty="0"/>
-          </a:p>
-        </p:txBody>
-      </p:sp>
-      <p:sp>
-        <p:nvSpPr>
-          <p:cNvPr id="2" name="TextBox 1">
-            <a:extLst>
-              <a:ext uri="{FF2B5EF4-FFF2-40B4-BE49-F238E27FC236}">
-                <a16:creationId xmlns:a16="http://schemas.microsoft.com/office/drawing/2014/main" id="{889F050B-F40B-31BE-99BF-B940C30B5941}"/>
-              </a:ext>
-            </a:extLst>
-          </p:cNvPr>
-          <p:cNvSpPr txBox="1"/>
-          <p:nvPr/>
-        </p:nvSpPr>
-        <p:spPr>
-          <a:xfrm>
-            <a:off x="7732752" y="5851806"/>
-            <a:ext cx="5258872" cy="1138773"/>
-          </a:xfrm>
-          <a:prstGeom prst="rect">
-            <a:avLst/>
-          </a:prstGeom>
-          <a:noFill/>
-        </p:spPr>
-        <p:txBody>
-          <a:bodyPr wrap="square" rtlCol="0">
-            <a:spAutoFit/>
-          </a:bodyPr>
-          <a:lstStyle/>
-          <a:p>
-            <a:pPr algn="l"/>
-            <a:r>
-              <a:rPr lang="en-US" sz="1600" b="1" i="1" dirty="0">
-                <a:effectLst/>
-                <a:latin typeface=""/>
-              </a:rPr>
-              <a:t>Larger businesses more likely to use to use generative AI than smaller ones</a:t>
-            </a:r>
-          </a:p>
-          <a:p>
-            <a:br>
-              <a:rPr lang="en-US" dirty="0"/>
-            </a:br>
-            <a:endParaRPr lang="en-NP" dirty="0"/>
           </a:p>
         </p:txBody>
       </p:sp>
@@ -5529,6 +5346,55 @@
           </a:prstGeom>
         </p:spPr>
       </p:pic>
+      <p:sp>
+        <p:nvSpPr>
+          <p:cNvPr id="16" name="TextBox 15">
+            <a:extLst>
+              <a:ext uri="{FF2B5EF4-FFF2-40B4-BE49-F238E27FC236}">
+                <a16:creationId xmlns:a16="http://schemas.microsoft.com/office/drawing/2014/main" id="{5B6C09E3-646A-357C-B1AA-BEA7568BB21D}"/>
+              </a:ext>
+            </a:extLst>
+          </p:cNvPr>
+          <p:cNvSpPr txBox="1"/>
+          <p:nvPr/>
+        </p:nvSpPr>
+        <p:spPr>
+          <a:xfrm>
+            <a:off x="7328018" y="5671353"/>
+            <a:ext cx="5258872" cy="861774"/>
+          </a:xfrm>
+          <a:prstGeom prst="rect">
+            <a:avLst/>
+          </a:prstGeom>
+          <a:noFill/>
+        </p:spPr>
+        <p:txBody>
+          <a:bodyPr wrap="square" rtlCol="0">
+            <a:spAutoFit/>
+          </a:bodyPr>
+          <a:lstStyle/>
+          <a:p>
+            <a:pPr algn="l"/>
+            <a:r>
+              <a:rPr lang="en-US" sz="1600" b="1" i="1" dirty="0">
+                <a:effectLst/>
+                <a:latin typeface=""/>
+              </a:rPr>
+              <a:t>More no of males are there in eac</a:t>
+            </a:r>
+            <a:r>
+              <a:rPr lang="en-US" sz="1600" b="1" i="1" dirty="0">
+                <a:latin typeface=""/>
+              </a:rPr>
+              <a:t>h role as compared to females</a:t>
+            </a:r>
+            <a:br>
+              <a:rPr lang="en-US" dirty="0"/>
+            </a:br>
+            <a:endParaRPr lang="en-NP" dirty="0"/>
+          </a:p>
+        </p:txBody>
+      </p:sp>
     </p:spTree>
     <p:extLst>
       <p:ext uri="{BB962C8B-B14F-4D97-AF65-F5344CB8AC3E}">
@@ -5539,10 +5405,89 @@
   <p:clrMapOvr>
     <a:masterClrMapping/>
   </p:clrMapOvr>
+  <p:timing>
+    <p:tnLst>
+      <p:par>
+        <p:cTn id="1" dur="indefinite" restart="never" nodeType="tmRoot">
+          <p:childTnLst>
+            <p:seq concurrent="1" nextAc="seek">
+              <p:cTn id="2" dur="indefinite" nodeType="mainSeq">
+                <p:childTnLst>
+                  <p:par>
+                    <p:cTn id="3" fill="hold">
+                      <p:stCondLst>
+                        <p:cond delay="indefinite"/>
+                      </p:stCondLst>
+                      <p:childTnLst>
+                        <p:par>
+                          <p:cTn id="4" fill="hold">
+                            <p:stCondLst>
+                              <p:cond delay="0"/>
+                            </p:stCondLst>
+                            <p:childTnLst>
+                              <p:par>
+                                <p:cTn id="5" presetID="1" presetClass="entr" presetSubtype="0" fill="hold" nodeType="clickEffect">
+                                  <p:stCondLst>
+                                    <p:cond delay="0"/>
+                                  </p:stCondLst>
+                                  <p:childTnLst>
+                                    <p:set>
+                                      <p:cBhvr>
+                                        <p:cTn id="6" dur="1" fill="hold">
+                                          <p:stCondLst>
+                                            <p:cond delay="0"/>
+                                          </p:stCondLst>
+                                        </p:cTn>
+                                        <p:tgtEl>
+                                          <p:spTgt spid="16">
+                                            <p:txEl>
+                                              <p:pRg st="0" end="0"/>
+                                            </p:txEl>
+                                          </p:spTgt>
+                                        </p:tgtEl>
+                                        <p:attrNameLst>
+                                          <p:attrName>style.visibility</p:attrName>
+                                        </p:attrNameLst>
+                                      </p:cBhvr>
+                                      <p:to>
+                                        <p:strVal val="visible"/>
+                                      </p:to>
+                                    </p:set>
+                                  </p:childTnLst>
+                                </p:cTn>
+                              </p:par>
+                            </p:childTnLst>
+                          </p:cTn>
+                        </p:par>
+                      </p:childTnLst>
+                    </p:cTn>
+                  </p:par>
+                </p:childTnLst>
+              </p:cTn>
+              <p:prevCondLst>
+                <p:cond evt="onPrev" delay="0">
+                  <p:tgtEl>
+                    <p:sldTgt/>
+                  </p:tgtEl>
+                </p:cond>
+              </p:prevCondLst>
+              <p:nextCondLst>
+                <p:cond evt="onNext" delay="0">
+                  <p:tgtEl>
+                    <p:sldTgt/>
+                  </p:tgtEl>
+                </p:cond>
+              </p:nextCondLst>
+            </p:seq>
+          </p:childTnLst>
+        </p:cTn>
+      </p:par>
+    </p:tnLst>
+  </p:timing>
 </p:sld>
 </file>
 
-<file path=ppt/slides/slide12.xml><?xml version="1.0" encoding="utf-8"?>
+<file path=ppt/slides/slide11.xml><?xml version="1.0" encoding="utf-8"?>
 <p:sld xmlns:a="http://schemas.openxmlformats.org/drawingml/2006/main" xmlns:r="http://schemas.openxmlformats.org/officeDocument/2006/relationships" xmlns:p="http://schemas.openxmlformats.org/presentationml/2006/main">
   <p:cSld>
     <p:spTree>
@@ -5559,57 +5504,6 @@
           <a:chExt cx="0" cy="0"/>
         </a:xfrm>
       </p:grpSpPr>
-      <p:sp>
-        <p:nvSpPr>
-          <p:cNvPr id="9" name="TextBox 8">
-            <a:extLst>
-              <a:ext uri="{FF2B5EF4-FFF2-40B4-BE49-F238E27FC236}">
-                <a16:creationId xmlns:a16="http://schemas.microsoft.com/office/drawing/2014/main" id="{338B1538-BCCC-BB81-E9B8-0D9EB2FB3EA3}"/>
-              </a:ext>
-            </a:extLst>
-          </p:cNvPr>
-          <p:cNvSpPr txBox="1"/>
-          <p:nvPr/>
-        </p:nvSpPr>
-        <p:spPr>
-          <a:xfrm>
-            <a:off x="7011903" y="5481403"/>
-            <a:ext cx="5180097" cy="1200329"/>
-          </a:xfrm>
-          <a:prstGeom prst="rect">
-            <a:avLst/>
-          </a:prstGeom>
-          <a:noFill/>
-        </p:spPr>
-        <p:txBody>
-          <a:bodyPr wrap="square" rtlCol="0">
-            <a:spAutoFit/>
-          </a:bodyPr>
-          <a:lstStyle/>
-          <a:p>
-            <a:r>
-              <a:rPr lang="en-NP" b="1" i="1" dirty="0"/>
-              <a:t>Accelerate t</a:t>
-            </a:r>
-            <a:r>
-              <a:rPr lang="en-US" b="1" i="1" dirty="0"/>
-              <a:t>he</a:t>
-            </a:r>
-            <a:r>
-              <a:rPr lang="en-NP" b="1" i="1" dirty="0"/>
-              <a:t> development of creative content has the </a:t>
-            </a:r>
-            <a:r>
-              <a:rPr lang="en-US" b="1" i="1" dirty="0"/>
-              <a:t>M</a:t>
-            </a:r>
-            <a:r>
-              <a:rPr lang="en-NP" b="1" i="1" dirty="0"/>
-              <a:t>ost value % than Increase in automation in task, withou reducing employment in all the business sectors or characteristics.</a:t>
-            </a:r>
-          </a:p>
-        </p:txBody>
-      </p:sp>
       <p:pic>
         <p:nvPicPr>
           <p:cNvPr id="13" name="Picture 12">
@@ -5640,6 +5534,88 @@
           </a:prstGeom>
         </p:spPr>
       </p:pic>
+      <p:sp>
+        <p:nvSpPr>
+          <p:cNvPr id="16" name="TextBox 15">
+            <a:extLst>
+              <a:ext uri="{FF2B5EF4-FFF2-40B4-BE49-F238E27FC236}">
+                <a16:creationId xmlns:a16="http://schemas.microsoft.com/office/drawing/2014/main" id="{1D0DCA66-77D9-D1D7-30BC-59EF44D9940A}"/>
+              </a:ext>
+            </a:extLst>
+          </p:cNvPr>
+          <p:cNvSpPr txBox="1"/>
+          <p:nvPr/>
+        </p:nvSpPr>
+        <p:spPr>
+          <a:xfrm>
+            <a:off x="6292374" y="5781206"/>
+            <a:ext cx="5180097" cy="369332"/>
+          </a:xfrm>
+          <a:prstGeom prst="rect">
+            <a:avLst/>
+          </a:prstGeom>
+          <a:noFill/>
+        </p:spPr>
+        <p:txBody>
+          <a:bodyPr wrap="square" rtlCol="0">
+            <a:spAutoFit/>
+          </a:bodyPr>
+          <a:lstStyle/>
+          <a:p>
+            <a:r>
+              <a:rPr lang="en-US" b="1" i="1" dirty="0"/>
+              <a:t>With diploma degree or higher </a:t>
+            </a:r>
+            <a:r>
+              <a:rPr lang="en-US" b="1" i="1" dirty="0" err="1"/>
+              <a:t>eduction</a:t>
+            </a:r>
+            <a:r>
+              <a:rPr lang="en-US" b="1" i="1" dirty="0"/>
+              <a:t> degree</a:t>
+            </a:r>
+            <a:endParaRPr lang="en-NP" b="1" i="1" dirty="0"/>
+          </a:p>
+        </p:txBody>
+      </p:sp>
+      <p:sp>
+        <p:nvSpPr>
+          <p:cNvPr id="18" name="TextBox 17">
+            <a:extLst>
+              <a:ext uri="{FF2B5EF4-FFF2-40B4-BE49-F238E27FC236}">
+                <a16:creationId xmlns:a16="http://schemas.microsoft.com/office/drawing/2014/main" id="{D4562FFF-ED4F-E492-96EF-7095DA0ABB34}"/>
+              </a:ext>
+            </a:extLst>
+          </p:cNvPr>
+          <p:cNvSpPr txBox="1"/>
+          <p:nvPr/>
+        </p:nvSpPr>
+        <p:spPr>
+          <a:xfrm>
+            <a:off x="757003" y="414940"/>
+            <a:ext cx="6100996" cy="369332"/>
+          </a:xfrm>
+          <a:prstGeom prst="rect">
+            <a:avLst/>
+          </a:prstGeom>
+          <a:noFill/>
+        </p:spPr>
+        <p:txBody>
+          <a:bodyPr wrap="square">
+            <a:spAutoFit/>
+          </a:bodyPr>
+          <a:lstStyle/>
+          <a:p>
+            <a:r>
+              <a:rPr lang="en-US" sz="1800" b="1" dirty="0">
+                <a:latin typeface=""/>
+              </a:rPr>
+              <a:t>Objective 3:</a:t>
+            </a:r>
+            <a:endParaRPr lang="en-NP" sz="1050" dirty="0"/>
+          </a:p>
+        </p:txBody>
+      </p:sp>
     </p:spTree>
     <p:extLst>
       <p:ext uri="{BB962C8B-B14F-4D97-AF65-F5344CB8AC3E}">
@@ -5653,7 +5629,7 @@
 </p:sld>
 </file>
 
-<file path=ppt/slides/slide13.xml><?xml version="1.0" encoding="utf-8"?>
+<file path=ppt/slides/slide12.xml><?xml version="1.0" encoding="utf-8"?>
 <p:sld xmlns:a="http://schemas.openxmlformats.org/drawingml/2006/main" xmlns:r="http://schemas.openxmlformats.org/officeDocument/2006/relationships" xmlns:p="http://schemas.openxmlformats.org/presentationml/2006/main">
   <p:cSld>
     <p:spTree>
@@ -5693,13 +5669,113 @@
         <p:spPr>
           <a:xfrm>
             <a:off x="1085537" y="1162049"/>
-            <a:ext cx="8235489" cy="4804035"/>
+            <a:ext cx="8942883" cy="5216681"/>
           </a:xfrm>
           <a:prstGeom prst="rect">
             <a:avLst/>
           </a:prstGeom>
         </p:spPr>
       </p:pic>
+      <p:sp>
+        <p:nvSpPr>
+          <p:cNvPr id="14" name="TextBox 13">
+            <a:extLst>
+              <a:ext uri="{FF2B5EF4-FFF2-40B4-BE49-F238E27FC236}">
+                <a16:creationId xmlns:a16="http://schemas.microsoft.com/office/drawing/2014/main" id="{0EFA98EB-D5D2-AD7F-8C60-8A728EB32467}"/>
+              </a:ext>
+            </a:extLst>
+          </p:cNvPr>
+          <p:cNvSpPr txBox="1"/>
+          <p:nvPr/>
+        </p:nvSpPr>
+        <p:spPr>
+          <a:xfrm>
+            <a:off x="846944" y="479270"/>
+            <a:ext cx="6100996" cy="369332"/>
+          </a:xfrm>
+          <a:prstGeom prst="rect">
+            <a:avLst/>
+          </a:prstGeom>
+          <a:noFill/>
+        </p:spPr>
+        <p:txBody>
+          <a:bodyPr wrap="square">
+            <a:spAutoFit/>
+          </a:bodyPr>
+          <a:lstStyle/>
+          <a:p>
+            <a:r>
+              <a:rPr lang="en-US" sz="1800" b="1" dirty="0">
+                <a:latin typeface=""/>
+              </a:rPr>
+              <a:t>Objective 4:</a:t>
+            </a:r>
+            <a:endParaRPr lang="en-NP" sz="1050" dirty="0"/>
+          </a:p>
+        </p:txBody>
+      </p:sp>
+      <p:sp>
+        <p:nvSpPr>
+          <p:cNvPr id="15" name="TextBox 14">
+            <a:extLst>
+              <a:ext uri="{FF2B5EF4-FFF2-40B4-BE49-F238E27FC236}">
+                <a16:creationId xmlns:a16="http://schemas.microsoft.com/office/drawing/2014/main" id="{66D99F6F-5616-3AF2-ED9A-3321C80367C1}"/>
+              </a:ext>
+            </a:extLst>
+          </p:cNvPr>
+          <p:cNvSpPr txBox="1"/>
+          <p:nvPr/>
+        </p:nvSpPr>
+        <p:spPr>
+          <a:xfrm>
+            <a:off x="7959777" y="5695951"/>
+            <a:ext cx="4338495" cy="1200329"/>
+          </a:xfrm>
+          <a:prstGeom prst="rect">
+            <a:avLst/>
+          </a:prstGeom>
+          <a:noFill/>
+        </p:spPr>
+        <p:txBody>
+          <a:bodyPr wrap="none" rtlCol="0">
+            <a:spAutoFit/>
+          </a:bodyPr>
+          <a:lstStyle/>
+          <a:p>
+            <a:r>
+              <a:rPr lang="en-NP" dirty="0"/>
+              <a:t>Count the no of outlook category </a:t>
+            </a:r>
+            <a:br>
+              <a:rPr lang="en-NP" dirty="0"/>
+            </a:br>
+            <a:r>
+              <a:rPr lang="en-NP" dirty="0"/>
+              <a:t>computer and information system managers</a:t>
+            </a:r>
+          </a:p>
+          <a:p>
+            <a:r>
+              <a:rPr lang="en-US" dirty="0"/>
+              <a:t>T</a:t>
+            </a:r>
+            <a:r>
+              <a:rPr lang="en-NP" dirty="0"/>
+              <a:t>ops the list follwoed by sofwtare engineers</a:t>
+            </a:r>
+          </a:p>
+          <a:p>
+            <a:r>
+              <a:rPr lang="en-US" dirty="0"/>
+              <a:t>A</a:t>
+            </a:r>
+            <a:r>
+              <a:rPr lang="en-NP" dirty="0"/>
+              <a:t>nd designers</a:t>
+            </a:r>
+          </a:p>
+        </p:txBody>
+      </p:sp>
     </p:spTree>
     <p:extLst>
       <p:ext uri="{BB962C8B-B14F-4D97-AF65-F5344CB8AC3E}">
@@ -5713,7 +5789,7 @@
 </p:sld>
 </file>
 
-<file path=ppt/slides/slide14.xml><?xml version="1.0" encoding="utf-8"?>
+<file path=ppt/slides/slide13.xml><?xml version="1.0" encoding="utf-8"?>
 <p:sld xmlns:a="http://schemas.openxmlformats.org/drawingml/2006/main" xmlns:r="http://schemas.openxmlformats.org/officeDocument/2006/relationships" xmlns:p="http://schemas.openxmlformats.org/presentationml/2006/main">
   <p:cSld>
     <p:spTree>
@@ -5752,18 +5828,151 @@
         </p:blipFill>
         <p:spPr>
           <a:xfrm>
-            <a:off x="1704818" y="636332"/>
-            <a:ext cx="7772400" cy="6217920"/>
+            <a:off x="2114081" y="367009"/>
+            <a:ext cx="7963838" cy="6371070"/>
           </a:xfrm>
           <a:prstGeom prst="rect">
             <a:avLst/>
           </a:prstGeom>
         </p:spPr>
       </p:pic>
+      <p:sp>
+        <p:nvSpPr>
+          <p:cNvPr id="22" name="TextBox 21">
+            <a:extLst>
+              <a:ext uri="{FF2B5EF4-FFF2-40B4-BE49-F238E27FC236}">
+                <a16:creationId xmlns:a16="http://schemas.microsoft.com/office/drawing/2014/main" id="{4DFFEEDB-57C6-869C-B58F-870502F61E49}"/>
+              </a:ext>
+            </a:extLst>
+          </p:cNvPr>
+          <p:cNvSpPr txBox="1"/>
+          <p:nvPr/>
+        </p:nvSpPr>
+        <p:spPr>
+          <a:xfrm>
+            <a:off x="517161" y="486930"/>
+            <a:ext cx="6100996" cy="369332"/>
+          </a:xfrm>
+          <a:prstGeom prst="rect">
+            <a:avLst/>
+          </a:prstGeom>
+          <a:noFill/>
+        </p:spPr>
+        <p:txBody>
+          <a:bodyPr wrap="square">
+            <a:spAutoFit/>
+          </a:bodyPr>
+          <a:lstStyle/>
+          <a:p>
+            <a:r>
+              <a:rPr lang="en-US" sz="1800" b="1" dirty="0">
+                <a:latin typeface=""/>
+              </a:rPr>
+              <a:t>Objective 5:</a:t>
+            </a:r>
+            <a:endParaRPr lang="en-NP" sz="1050" dirty="0"/>
+          </a:p>
+        </p:txBody>
+      </p:sp>
     </p:spTree>
     <p:extLst>
       <p:ext uri="{BB962C8B-B14F-4D97-AF65-F5344CB8AC3E}">
         <p14:creationId xmlns:p14="http://schemas.microsoft.com/office/powerpoint/2010/main" val="3243627014"/>
+      </p:ext>
+    </p:extLst>
+  </p:cSld>
+  <p:clrMapOvr>
+    <a:masterClrMapping/>
+  </p:clrMapOvr>
+</p:sld>
+</file>
+
+<file path=ppt/slides/slide14.xml><?xml version="1.0" encoding="utf-8"?>
+<p:sld xmlns:a="http://schemas.openxmlformats.org/drawingml/2006/main" xmlns:r="http://schemas.openxmlformats.org/officeDocument/2006/relationships" xmlns:p="http://schemas.openxmlformats.org/presentationml/2006/main">
+  <p:cSld>
+    <p:spTree>
+      <p:nvGrpSpPr>
+        <p:cNvPr id="1" name=""/>
+        <p:cNvGrpSpPr/>
+        <p:nvPr/>
+      </p:nvGrpSpPr>
+      <p:grpSpPr>
+        <a:xfrm>
+          <a:off x="0" y="0"/>
+          <a:ext cx="0" cy="0"/>
+          <a:chOff x="0" y="0"/>
+          <a:chExt cx="0" cy="0"/>
+        </a:xfrm>
+      </p:grpSpPr>
+      <p:sp>
+        <p:nvSpPr>
+          <p:cNvPr id="6" name="TextBox 5">
+            <a:extLst>
+              <a:ext uri="{FF2B5EF4-FFF2-40B4-BE49-F238E27FC236}">
+                <a16:creationId xmlns:a16="http://schemas.microsoft.com/office/drawing/2014/main" id="{7201DBA2-FBBC-CAE0-F960-78E669EB3809}"/>
+              </a:ext>
+            </a:extLst>
+          </p:cNvPr>
+          <p:cNvSpPr txBox="1"/>
+          <p:nvPr/>
+        </p:nvSpPr>
+        <p:spPr>
+          <a:xfrm>
+            <a:off x="7521553" y="6251208"/>
+            <a:ext cx="3793090" cy="369332"/>
+          </a:xfrm>
+          <a:prstGeom prst="rect">
+            <a:avLst/>
+          </a:prstGeom>
+          <a:noFill/>
+        </p:spPr>
+        <p:txBody>
+          <a:bodyPr wrap="none" rtlCol="0">
+            <a:spAutoFit/>
+          </a:bodyPr>
+          <a:lstStyle/>
+          <a:p>
+            <a:r>
+              <a:rPr lang="en-US" dirty="0"/>
+              <a:t>Using SVR (Support Vector Regression)</a:t>
+            </a:r>
+            <a:endParaRPr lang="en-NP" dirty="0"/>
+          </a:p>
+        </p:txBody>
+      </p:sp>
+      <p:pic>
+        <p:nvPicPr>
+          <p:cNvPr id="10" name="Content Placeholder 9">
+            <a:extLst>
+              <a:ext uri="{FF2B5EF4-FFF2-40B4-BE49-F238E27FC236}">
+                <a16:creationId xmlns:a16="http://schemas.microsoft.com/office/drawing/2014/main" id="{7ECB2B4A-C95C-0282-4AFC-C4344E1D0A39}"/>
+              </a:ext>
+            </a:extLst>
+          </p:cNvPr>
+          <p:cNvPicPr>
+            <a:picLocks noGrp="1" noChangeAspect="1"/>
+          </p:cNvPicPr>
+          <p:nvPr>
+            <p:ph idx="1"/>
+          </p:nvPr>
+        </p:nvPicPr>
+        <p:blipFill>
+          <a:blip r:embed="rId3"/>
+          <a:stretch>
+            <a:fillRect/>
+          </a:stretch>
+        </p:blipFill>
+        <p:spPr>
+          <a:xfrm>
+            <a:off x="1891711" y="636927"/>
+            <a:ext cx="7817805" cy="5584146"/>
+          </a:xfrm>
+        </p:spPr>
+      </p:pic>
+    </p:spTree>
+    <p:extLst>
+      <p:ext uri="{BB962C8B-B14F-4D97-AF65-F5344CB8AC3E}">
+        <p14:creationId xmlns:p14="http://schemas.microsoft.com/office/powerpoint/2010/main" val="4274437675"/>
       </p:ext>
     </p:extLst>
   </p:cSld>
@@ -5792,10 +6001,125 @@
       </p:grpSpPr>
       <p:sp>
         <p:nvSpPr>
-          <p:cNvPr id="6" name="TextBox 5">
+          <p:cNvPr id="2" name="Title 1">
             <a:extLst>
               <a:ext uri="{FF2B5EF4-FFF2-40B4-BE49-F238E27FC236}">
-                <a16:creationId xmlns:a16="http://schemas.microsoft.com/office/drawing/2014/main" id="{7201DBA2-FBBC-CAE0-F960-78E669EB3809}"/>
+                <a16:creationId xmlns:a16="http://schemas.microsoft.com/office/drawing/2014/main" id="{359E3C4A-BC4D-9F20-4055-7625BC6F0DEE}"/>
+              </a:ext>
+            </a:extLst>
+          </p:cNvPr>
+          <p:cNvSpPr>
+            <a:spLocks noGrp="1"/>
+          </p:cNvSpPr>
+          <p:nvPr>
+            <p:ph type="title"/>
+          </p:nvPr>
+        </p:nvSpPr>
+        <p:spPr/>
+        <p:txBody>
+          <a:bodyPr>
+            <a:normAutofit/>
+          </a:bodyPr>
+          <a:lstStyle/>
+          <a:p>
+            <a:r>
+              <a:rPr lang="en-NP" sz="4000" dirty="0">
+                <a:latin typeface=""/>
+              </a:rPr>
+              <a:t>Conclusion (From Factors column)</a:t>
+            </a:r>
+            <a:r>
+              <a:rPr lang="en-NP" sz="4000" dirty="0"/>
+              <a:t> </a:t>
+            </a:r>
+          </a:p>
+        </p:txBody>
+      </p:sp>
+      <p:sp>
+        <p:nvSpPr>
+          <p:cNvPr id="3" name="Content Placeholder 2">
+            <a:extLst>
+              <a:ext uri="{FF2B5EF4-FFF2-40B4-BE49-F238E27FC236}">
+                <a16:creationId xmlns:a16="http://schemas.microsoft.com/office/drawing/2014/main" id="{04DD5202-E442-9F15-EFAB-6738B5A3C98C}"/>
+              </a:ext>
+            </a:extLst>
+          </p:cNvPr>
+          <p:cNvSpPr>
+            <a:spLocks noGrp="1"/>
+          </p:cNvSpPr>
+          <p:nvPr>
+            <p:ph idx="1"/>
+          </p:nvPr>
+        </p:nvSpPr>
+        <p:spPr>
+          <a:xfrm>
+            <a:off x="709612" y="1498600"/>
+            <a:ext cx="11049000" cy="4351338"/>
+          </a:xfrm>
+        </p:spPr>
+        <p:txBody>
+          <a:bodyPr>
+            <a:noAutofit/>
+          </a:bodyPr>
+          <a:lstStyle/>
+          <a:p>
+            <a:endParaRPr lang="en-US" sz="900" dirty="0">
+              <a:effectLst/>
+              <a:latin typeface=""/>
+              <a:cs typeface="Times New Roman" panose="02020603050405020304" pitchFamily="18" charset="0"/>
+            </a:endParaRPr>
+          </a:p>
+          <a:p>
+            <a:endParaRPr lang="en-US" sz="900" dirty="0">
+              <a:effectLst/>
+              <a:latin typeface=""/>
+              <a:cs typeface="Times New Roman" panose="02020603050405020304" pitchFamily="18" charset="0"/>
+            </a:endParaRPr>
+          </a:p>
+          <a:p>
+            <a:pPr marL="0" indent="0" algn="l">
+              <a:buNone/>
+            </a:pPr>
+            <a:endParaRPr lang="en-US" sz="900" b="0" i="0" dirty="0">
+              <a:solidFill>
+                <a:srgbClr val="FFFFFF"/>
+              </a:solidFill>
+              <a:effectLst/>
+              <a:latin typeface=""/>
+              <a:cs typeface="Times New Roman" panose="02020603050405020304" pitchFamily="18" charset="0"/>
+            </a:endParaRPr>
+          </a:p>
+          <a:p>
+            <a:pPr marL="0" indent="0" algn="l">
+              <a:buNone/>
+            </a:pPr>
+            <a:br>
+              <a:rPr lang="en-US" sz="900" b="0" i="0" dirty="0">
+                <a:solidFill>
+                  <a:srgbClr val="FFFFFF"/>
+                </a:solidFill>
+                <a:effectLst/>
+                <a:latin typeface=""/>
+                <a:cs typeface="Times New Roman" panose="02020603050405020304" pitchFamily="18" charset="0"/>
+              </a:rPr>
+            </a:br>
+            <a:endParaRPr lang="en-US" sz="900" b="0" i="0" dirty="0">
+              <a:solidFill>
+                <a:srgbClr val="FFFFFF"/>
+              </a:solidFill>
+              <a:effectLst/>
+              <a:latin typeface=""/>
+              <a:cs typeface="Times New Roman" panose="02020603050405020304" pitchFamily="18" charset="0"/>
+            </a:endParaRPr>
+          </a:p>
+        </p:txBody>
+      </p:sp>
+      <p:sp>
+        <p:nvSpPr>
+          <p:cNvPr id="4" name="TextBox 3">
+            <a:extLst>
+              <a:ext uri="{FF2B5EF4-FFF2-40B4-BE49-F238E27FC236}">
+                <a16:creationId xmlns:a16="http://schemas.microsoft.com/office/drawing/2014/main" id="{70259248-E856-AC0C-404E-78B41746DD66}"/>
               </a:ext>
             </a:extLst>
           </p:cNvPr>
@@ -5804,8 +6128,8 @@
         </p:nvSpPr>
         <p:spPr>
           <a:xfrm>
-            <a:off x="7506562" y="6139394"/>
-            <a:ext cx="3793090" cy="369332"/>
+            <a:off x="562339" y="1543890"/>
+            <a:ext cx="9188971" cy="646331"/>
           </a:xfrm>
           <a:prstGeom prst="rect">
             <a:avLst/>
@@ -5813,34 +6137,39 @@
           <a:noFill/>
         </p:spPr>
         <p:txBody>
-          <a:bodyPr wrap="none" rtlCol="0">
+          <a:bodyPr wrap="square" rtlCol="0">
             <a:spAutoFit/>
           </a:bodyPr>
           <a:lstStyle/>
           <a:p>
-            <a:r>
-              <a:rPr lang="en-US" dirty="0"/>
-              <a:t>Using SVR (Support Vector Regression)</a:t>
-            </a:r>
+            <a:pPr marL="285750" indent="-285750">
+              <a:buFont typeface="Arial" panose="020B0604020202020204" pitchFamily="34" charset="0"/>
+              <a:buChar char="•"/>
+            </a:pPr>
+            <a:endParaRPr lang="en-NP" dirty="0"/>
+          </a:p>
+          <a:p>
+            <a:pPr marL="285750" indent="-285750">
+              <a:buFont typeface="Arial" panose="020B0604020202020204" pitchFamily="34" charset="0"/>
+              <a:buChar char="•"/>
+            </a:pPr>
             <a:endParaRPr lang="en-NP" dirty="0"/>
           </a:p>
         </p:txBody>
       </p:sp>
       <p:pic>
         <p:nvPicPr>
-          <p:cNvPr id="10" name="Content Placeholder 9">
+          <p:cNvPr id="20" name="Picture 19">
             <a:extLst>
               <a:ext uri="{FF2B5EF4-FFF2-40B4-BE49-F238E27FC236}">
-                <a16:creationId xmlns:a16="http://schemas.microsoft.com/office/drawing/2014/main" id="{7ECB2B4A-C95C-0282-4AFC-C4344E1D0A39}"/>
+                <a16:creationId xmlns:a16="http://schemas.microsoft.com/office/drawing/2014/main" id="{88729EC6-E5EE-471A-8821-A749926232E9}"/>
               </a:ext>
             </a:extLst>
           </p:cNvPr>
           <p:cNvPicPr>
-            <a:picLocks noGrp="1" noChangeAspect="1"/>
+            <a:picLocks noChangeAspect="1"/>
           </p:cNvPicPr>
-          <p:nvPr>
-            <p:ph idx="1"/>
-          </p:nvPr>
+          <p:nvPr/>
         </p:nvPicPr>
         <p:blipFill>
           <a:blip r:embed="rId3"/>
@@ -5850,15 +6179,18 @@
         </p:blipFill>
         <p:spPr>
           <a:xfrm>
-            <a:off x="1730929" y="866255"/>
-            <a:ext cx="6873426" cy="4909590"/>
+            <a:off x="3111981" y="1543890"/>
+            <a:ext cx="6767917" cy="4658312"/>
           </a:xfrm>
+          <a:prstGeom prst="rect">
+            <a:avLst/>
+          </a:prstGeom>
         </p:spPr>
       </p:pic>
     </p:spTree>
     <p:extLst>
       <p:ext uri="{BB962C8B-B14F-4D97-AF65-F5344CB8AC3E}">
-        <p14:creationId xmlns:p14="http://schemas.microsoft.com/office/powerpoint/2010/main" val="4274437675"/>
+        <p14:creationId xmlns:p14="http://schemas.microsoft.com/office/powerpoint/2010/main" val="2086638876"/>
       </p:ext>
     </p:extLst>
   </p:cSld>
@@ -5887,40 +6219,6 @@
       </p:grpSpPr>
       <p:sp>
         <p:nvSpPr>
-          <p:cNvPr id="2" name="Title 1">
-            <a:extLst>
-              <a:ext uri="{FF2B5EF4-FFF2-40B4-BE49-F238E27FC236}">
-                <a16:creationId xmlns:a16="http://schemas.microsoft.com/office/drawing/2014/main" id="{359E3C4A-BC4D-9F20-4055-7625BC6F0DEE}"/>
-              </a:ext>
-            </a:extLst>
-          </p:cNvPr>
-          <p:cNvSpPr>
-            <a:spLocks noGrp="1"/>
-          </p:cNvSpPr>
-          <p:nvPr>
-            <p:ph type="title"/>
-          </p:nvPr>
-        </p:nvSpPr>
-        <p:spPr/>
-        <p:txBody>
-          <a:bodyPr/>
-          <a:lstStyle/>
-          <a:p>
-            <a:r>
-              <a:rPr lang="en-NP" dirty="0">
-                <a:latin typeface=""/>
-              </a:rPr>
-              <a:t>Conclusion (From Factors column)</a:t>
-            </a:r>
-            <a:r>
-              <a:rPr lang="en-NP" dirty="0"/>
-              <a:t> </a:t>
-            </a:r>
-          </a:p>
-        </p:txBody>
-      </p:sp>
-      <p:sp>
-        <p:nvSpPr>
           <p:cNvPr id="3" name="Content Placeholder 2">
             <a:extLst>
               <a:ext uri="{FF2B5EF4-FFF2-40B4-BE49-F238E27FC236}">
@@ -6012,8 +6310,8 @@
         </p:nvSpPr>
         <p:spPr>
           <a:xfrm>
-            <a:off x="1409075" y="2023672"/>
-            <a:ext cx="9188971" cy="5078313"/>
+            <a:off x="988388" y="-226000"/>
+            <a:ext cx="11049000" cy="3139321"/>
           </a:xfrm>
           <a:prstGeom prst="rect">
             <a:avLst/>
@@ -6026,14 +6324,6 @@
           </a:bodyPr>
           <a:lstStyle/>
           <a:p>
-            <a:pPr marL="285750" indent="-285750">
-              <a:buFont typeface="Arial" panose="020B0604020202020204" pitchFamily="34" charset="0"/>
-              <a:buChar char="•"/>
-            </a:pPr>
-            <a:r>
-              <a:rPr lang="en-NP" dirty="0"/>
-              <a:t>Demands seems to increase for these roles some factors</a:t>
-            </a:r>
             <a:br>
               <a:rPr lang="en-NP" dirty="0"/>
             </a:br>
@@ -6041,94 +6331,66 @@
               <a:rPr lang="en-NP" dirty="0"/>
             </a:br>
             <a:r>
-              <a:rPr lang="en-US" dirty="0"/>
-              <a:t>Employment growth will lead to several new positions., Several positions will become available due to retirements., There are a small number of unemployed workers with recent experience in this occupation.</a:t>
-            </a:r>
-          </a:p>
-          <a:p>
-            <a:pPr marL="285750" indent="-285750">
-              <a:buFont typeface="Arial" panose="020B0604020202020204" pitchFamily="34" charset="0"/>
-              <a:buChar char="•"/>
-            </a:pPr>
+              <a:rPr lang="en-NP" dirty="0"/>
+              <a:t>“ </a:t>
+            </a:r>
+            <a:r>
+              <a:rPr lang="en-US" i="1" dirty="0"/>
+              <a:t>Employment growth </a:t>
+            </a:r>
+            <a:r>
+              <a:rPr lang="en-US" b="1" i="1" dirty="0">
+                <a:solidFill>
+                  <a:srgbClr val="FF0000"/>
+                </a:solidFill>
+              </a:rPr>
+              <a:t>will lead to several new positions</a:t>
+            </a:r>
+            <a:r>
+              <a:rPr lang="en-US" i="1" dirty="0">
+                <a:solidFill>
+                  <a:srgbClr val="FF0000"/>
+                </a:solidFill>
+              </a:rPr>
+              <a:t>.,</a:t>
+            </a:r>
+            <a:r>
+              <a:rPr lang="en-US" i="1" dirty="0"/>
+              <a:t> </a:t>
+            </a:r>
+            <a:r>
+              <a:rPr lang="en-US" b="1" i="1" dirty="0">
+                <a:solidFill>
+                  <a:srgbClr val="FF0000"/>
+                </a:solidFill>
+              </a:rPr>
+              <a:t>Several positions will become available due to retirements</a:t>
+            </a:r>
+            <a:r>
+              <a:rPr lang="en-US" i="1" dirty="0"/>
+              <a:t>., There are </a:t>
+            </a:r>
+            <a:r>
+              <a:rPr lang="en-US" b="1" i="1" dirty="0">
+                <a:solidFill>
+                  <a:srgbClr val="FF0000"/>
+                </a:solidFill>
+              </a:rPr>
+              <a:t>a small number of unemployed workers </a:t>
+            </a:r>
+            <a:r>
+              <a:rPr lang="en-US" i="1" dirty="0"/>
+              <a:t>with recent experience in this occupation.” </a:t>
+            </a:r>
+          </a:p>
+          <a:p>
             <a:endParaRPr lang="en-US" dirty="0"/>
           </a:p>
           <a:p>
-            <a:pPr algn="l"/>
-            <a:r>
-              <a:rPr lang="en-US" dirty="0"/>
-              <a:t>QC (</a:t>
-            </a:r>
-            <a:r>
-              <a:rPr lang="en-US" b="0" i="0" dirty="0">
-                <a:solidFill>
-                  <a:srgbClr val="1F1F1F"/>
-                </a:solidFill>
-                <a:effectLst/>
-                <a:latin typeface="Google Sans"/>
-              </a:rPr>
-              <a:t>Quebec) - </a:t>
-            </a:r>
-          </a:p>
-          <a:p>
-            <a:pPr algn="l"/>
-            <a:r>
-              <a:rPr lang="en-US" b="0" i="0" dirty="0">
-                <a:solidFill>
-                  <a:srgbClr val="1F1F1F"/>
-                </a:solidFill>
-                <a:effectLst/>
-                <a:latin typeface="arial" panose="020B0604020202020204" pitchFamily="34" charset="0"/>
-              </a:rPr>
-              <a:t>Bas-Saint-Laurent,</a:t>
-            </a:r>
-          </a:p>
-          <a:p>
-            <a:pPr algn="l"/>
-            <a:r>
-              <a:rPr lang="en-US" dirty="0">
-                <a:solidFill>
-                  <a:srgbClr val="1F1F1F"/>
-                </a:solidFill>
-                <a:latin typeface="arial" panose="020B0604020202020204" pitchFamily="34" charset="0"/>
-              </a:rPr>
-              <a:t>Followed  by  </a:t>
-            </a:r>
-          </a:p>
-          <a:p>
-            <a:pPr algn="l"/>
-            <a:br>
-              <a:rPr lang="en-US" b="0" i="0" dirty="0">
-                <a:solidFill>
-                  <a:srgbClr val="1F1F1F"/>
-                </a:solidFill>
-                <a:effectLst/>
-                <a:latin typeface="arial" panose="020B0604020202020204" pitchFamily="34" charset="0"/>
-              </a:rPr>
-            </a:br>
-            <a:r>
-              <a:rPr lang="en-US" b="0" i="0" dirty="0">
-                <a:solidFill>
-                  <a:srgbClr val="1F1F1F"/>
-                </a:solidFill>
-                <a:effectLst/>
-                <a:latin typeface="arial" panose="020B0604020202020204" pitchFamily="34" charset="0"/>
-              </a:rPr>
-              <a:t>Ontario (Ottawa, Kitchener - Waterloo – Barrie),Alberta  (Calgary)(Data not available) </a:t>
-            </a:r>
-            <a:br>
-              <a:rPr lang="en-US" dirty="0"/>
-            </a:br>
             <a:endParaRPr lang="en-US" dirty="0"/>
           </a:p>
           <a:p>
-            <a:pPr algn="l"/>
-            <a:br>
-              <a:rPr lang="en-US" dirty="0"/>
-            </a:br>
-            <a:r>
-              <a:rPr lang="en-US" dirty="0"/>
-              <a:t>MB ( Southeast)and SK  - (Regina-Moose Mountain)</a:t>
-            </a:r>
+            <a:endParaRPr lang="en-US" dirty="0"/>
           </a:p>
           <a:p>
             <a:pPr algn="l"/>
@@ -6155,10 +6417,10 @@
       </p:sp>
       <p:graphicFrame>
         <p:nvGraphicFramePr>
-          <p:cNvPr id="8" name="Table 7">
+          <p:cNvPr id="6" name="Table 6">
             <a:extLst>
               <a:ext uri="{FF2B5EF4-FFF2-40B4-BE49-F238E27FC236}">
-                <a16:creationId xmlns:a16="http://schemas.microsoft.com/office/drawing/2014/main" id="{000FA3FA-4357-D400-3C06-93F064459A97}"/>
+                <a16:creationId xmlns:a16="http://schemas.microsoft.com/office/drawing/2014/main" id="{E622C3E2-7FED-34B2-AB35-CF91941BB513}"/>
               </a:ext>
             </a:extLst>
           </p:cNvPr>
@@ -6168,379 +6430,523 @@
           <p:nvPr>
             <p:extLst>
               <p:ext uri="{D42A27DB-BD31-4B8C-83A1-F6EECF244321}">
-                <p14:modId xmlns:p14="http://schemas.microsoft.com/office/powerpoint/2010/main" val="3292163856"/>
+                <p14:modId xmlns:p14="http://schemas.microsoft.com/office/powerpoint/2010/main" val="894601949"/>
               </p:ext>
             </p:extLst>
           </p:nvPr>
         </p:nvGraphicFramePr>
         <p:xfrm>
-          <a:off x="3006360" y="3704249"/>
-          <a:ext cx="2997200" cy="190500"/>
+          <a:off x="1396452" y="1008061"/>
+          <a:ext cx="9807159" cy="5677552"/>
         </p:xfrm>
         <a:graphic>
           <a:graphicData uri="http://schemas.openxmlformats.org/drawingml/2006/table">
             <a:tbl>
-              <a:tblPr>
+              <a:tblPr firstRow="1" bandRow="1">
                 <a:tableStyleId>{5C22544A-7EE6-4342-B048-85BDC9FD1C3A}</a:tableStyleId>
               </a:tblPr>
               <a:tblGrid>
-                <a:gridCol w="2997200">
+                <a:gridCol w="2051286">
                   <a:extLst>
                     <a:ext uri="{9D8B030D-6E8A-4147-A177-3AD203B41FA5}">
-                      <a16:colId xmlns:a16="http://schemas.microsoft.com/office/drawing/2014/main" val="3896417979"/>
+                      <a16:colId xmlns:a16="http://schemas.microsoft.com/office/drawing/2014/main" val="1593874169"/>
+                    </a:ext>
+                  </a:extLst>
+                </a:gridCol>
+                <a:gridCol w="3417757">
+                  <a:extLst>
+                    <a:ext uri="{9D8B030D-6E8A-4147-A177-3AD203B41FA5}">
+                      <a16:colId xmlns:a16="http://schemas.microsoft.com/office/drawing/2014/main" val="3695449344"/>
+                    </a:ext>
+                  </a:extLst>
+                </a:gridCol>
+                <a:gridCol w="4338116">
+                  <a:extLst>
+                    <a:ext uri="{9D8B030D-6E8A-4147-A177-3AD203B41FA5}">
+                      <a16:colId xmlns:a16="http://schemas.microsoft.com/office/drawing/2014/main" val="2814851881"/>
                     </a:ext>
                   </a:extLst>
                 </a:gridCol>
               </a:tblGrid>
-              <a:tr h="190500">
+              <a:tr h="366294">
                 <a:tc>
                   <a:txBody>
                     <a:bodyPr/>
                     <a:lstStyle/>
                     <a:p>
-                      <a:pPr algn="l" fontAlgn="b"/>
+                      <a:pPr algn="ctr"/>
                       <a:r>
-                        <a:rPr lang="en-US" sz="1100" u="none" strike="noStrike" dirty="0">
-                          <a:effectLst/>
-                        </a:rPr>
-                        <a:t>Computer and information systems managers</a:t>
+                        <a:rPr lang="en-NP" dirty="0"/>
+                        <a:t>   Province</a:t>
                       </a:r>
-                      <a:endParaRPr lang="en-US" sz="1100" b="0" i="0" u="none" strike="noStrike" dirty="0">
-                        <a:solidFill>
-                          <a:srgbClr val="000000"/>
-                        </a:solidFill>
-                        <a:effectLst/>
-                        <a:latin typeface="Calibri" panose="020F0502020204030204" pitchFamily="34" charset="0"/>
-                      </a:endParaRPr>
                     </a:p>
                   </a:txBody>
-                  <a:tcPr marL="9525" marR="9525" marT="9525" marB="0" anchor="b"/>
+                  <a:tcPr/>
                 </a:tc>
-                <a:extLst>
-                  <a:ext uri="{0D108BD9-81ED-4DB2-BD59-A6C34878D82A}">
-                    <a16:rowId xmlns:a16="http://schemas.microsoft.com/office/drawing/2014/main" val="913185008"/>
-                  </a:ext>
-                </a:extLst>
-              </a:tr>
-            </a:tbl>
-          </a:graphicData>
-        </a:graphic>
-      </p:graphicFrame>
-      <p:graphicFrame>
-        <p:nvGraphicFramePr>
-          <p:cNvPr id="9" name="Table 8">
-            <a:extLst>
-              <a:ext uri="{FF2B5EF4-FFF2-40B4-BE49-F238E27FC236}">
-                <a16:creationId xmlns:a16="http://schemas.microsoft.com/office/drawing/2014/main" id="{413EE69A-5E8F-F9D3-2652-2F23CF745338}"/>
-              </a:ext>
-            </a:extLst>
-          </p:cNvPr>
-          <p:cNvGraphicFramePr>
-            <a:graphicFrameLocks noGrp="1"/>
-          </p:cNvGraphicFramePr>
-          <p:nvPr>
-            <p:extLst>
-              <p:ext uri="{D42A27DB-BD31-4B8C-83A1-F6EECF244321}">
-                <p14:modId xmlns:p14="http://schemas.microsoft.com/office/powerpoint/2010/main" val="1771364506"/>
-              </p:ext>
-            </p:extLst>
-          </p:nvPr>
-        </p:nvGraphicFramePr>
-        <p:xfrm>
-          <a:off x="6234112" y="3799499"/>
-          <a:ext cx="2997200" cy="190500"/>
-        </p:xfrm>
-        <a:graphic>
-          <a:graphicData uri="http://schemas.openxmlformats.org/drawingml/2006/table">
-            <a:tbl>
-              <a:tblPr>
-                <a:tableStyleId>{5C22544A-7EE6-4342-B048-85BDC9FD1C3A}</a:tableStyleId>
-              </a:tblPr>
-              <a:tblGrid>
-                <a:gridCol w="2997200">
-                  <a:extLst>
-                    <a:ext uri="{9D8B030D-6E8A-4147-A177-3AD203B41FA5}">
-                      <a16:colId xmlns:a16="http://schemas.microsoft.com/office/drawing/2014/main" val="98128545"/>
-                    </a:ext>
-                  </a:extLst>
-                </a:gridCol>
-              </a:tblGrid>
-              <a:tr h="190500">
                 <a:tc>
                   <a:txBody>
                     <a:bodyPr/>
                     <a:lstStyle/>
                     <a:p>
-                      <a:pPr algn="l" fontAlgn="b"/>
+                      <a:pPr algn="ctr"/>
                       <a:r>
-                        <a:rPr lang="en-US" sz="1100" u="none" strike="noStrike" dirty="0">
-                          <a:effectLst/>
-                        </a:rPr>
-                        <a:t>Database analysts and data administrators</a:t>
+                        <a:rPr lang="en-NP" dirty="0"/>
+                        <a:t>City Names</a:t>
                       </a:r>
-                      <a:endParaRPr lang="en-US" sz="1100" b="0" i="0" u="none" strike="noStrike" dirty="0">
-                        <a:solidFill>
-                          <a:srgbClr val="000000"/>
-                        </a:solidFill>
-                        <a:effectLst/>
-                        <a:latin typeface="Calibri" panose="020F0502020204030204" pitchFamily="34" charset="0"/>
-                      </a:endParaRPr>
                     </a:p>
                   </a:txBody>
-                  <a:tcPr marL="9525" marR="9525" marT="9525" marB="0" anchor="b"/>
+                  <a:tcPr/>
                 </a:tc>
-                <a:extLst>
-                  <a:ext uri="{0D108BD9-81ED-4DB2-BD59-A6C34878D82A}">
-                    <a16:rowId xmlns:a16="http://schemas.microsoft.com/office/drawing/2014/main" val="46873289"/>
-                  </a:ext>
-                </a:extLst>
-              </a:tr>
-            </a:tbl>
-          </a:graphicData>
-        </a:graphic>
-      </p:graphicFrame>
-      <p:graphicFrame>
-        <p:nvGraphicFramePr>
-          <p:cNvPr id="10" name="Table 9">
-            <a:extLst>
-              <a:ext uri="{FF2B5EF4-FFF2-40B4-BE49-F238E27FC236}">
-                <a16:creationId xmlns:a16="http://schemas.microsoft.com/office/drawing/2014/main" id="{CAAFACD8-D558-641D-C17C-7DE3FB1D9D66}"/>
-              </a:ext>
-            </a:extLst>
-          </p:cNvPr>
-          <p:cNvGraphicFramePr>
-            <a:graphicFrameLocks noGrp="1"/>
-          </p:cNvGraphicFramePr>
-          <p:nvPr>
-            <p:extLst>
-              <p:ext uri="{D42A27DB-BD31-4B8C-83A1-F6EECF244321}">
-                <p14:modId xmlns:p14="http://schemas.microsoft.com/office/powerpoint/2010/main" val="486718562"/>
-              </p:ext>
-            </p:extLst>
-          </p:nvPr>
-        </p:nvGraphicFramePr>
-        <p:xfrm>
-          <a:off x="8252710" y="3558071"/>
-          <a:ext cx="2997200" cy="177165"/>
-        </p:xfrm>
-        <a:graphic>
-          <a:graphicData uri="http://schemas.openxmlformats.org/drawingml/2006/table">
-            <a:tbl>
-              <a:tblPr>
-                <a:tableStyleId>{5C22544A-7EE6-4342-B048-85BDC9FD1C3A}</a:tableStyleId>
-              </a:tblPr>
-              <a:tblGrid>
-                <a:gridCol w="2997200">
-                  <a:extLst>
-                    <a:ext uri="{9D8B030D-6E8A-4147-A177-3AD203B41FA5}">
-                      <a16:colId xmlns:a16="http://schemas.microsoft.com/office/drawing/2014/main" val="1691840976"/>
-                    </a:ext>
-                  </a:extLst>
-                </a:gridCol>
-              </a:tblGrid>
-              <a:tr h="0">
                 <a:tc>
                   <a:txBody>
                     <a:bodyPr/>
                     <a:lstStyle/>
                     <a:p>
-                      <a:pPr algn="l" fontAlgn="b"/>
+                      <a:pPr algn="ctr"/>
                       <a:r>
-                        <a:rPr lang="en-US" sz="1100" u="none" strike="noStrike" dirty="0">
-                          <a:effectLst/>
-                        </a:rPr>
-                        <a:t>Software engineers and designers</a:t>
+                        <a:rPr lang="en-NP" dirty="0"/>
+                        <a:t>NOC Titles</a:t>
                       </a:r>
-                      <a:endParaRPr lang="en-US" sz="1100" b="0" i="0" u="none" strike="noStrike" dirty="0">
-                        <a:solidFill>
-                          <a:srgbClr val="000000"/>
-                        </a:solidFill>
-                        <a:effectLst/>
-                        <a:latin typeface="Calibri" panose="020F0502020204030204" pitchFamily="34" charset="0"/>
-                      </a:endParaRPr>
                     </a:p>
                   </a:txBody>
-                  <a:tcPr marL="9525" marR="9525" marT="9525" marB="0" anchor="b"/>
+                  <a:tcPr/>
                 </a:tc>
                 <a:extLst>
                   <a:ext uri="{0D108BD9-81ED-4DB2-BD59-A6C34878D82A}">
-                    <a16:rowId xmlns:a16="http://schemas.microsoft.com/office/drawing/2014/main" val="2983632009"/>
+                    <a16:rowId xmlns:a16="http://schemas.microsoft.com/office/drawing/2014/main" val="3121763423"/>
                   </a:ext>
                 </a:extLst>
               </a:tr>
-            </a:tbl>
-          </a:graphicData>
-        </a:graphic>
-      </p:graphicFrame>
-      <p:graphicFrame>
-        <p:nvGraphicFramePr>
-          <p:cNvPr id="11" name="Table 10">
-            <a:extLst>
-              <a:ext uri="{FF2B5EF4-FFF2-40B4-BE49-F238E27FC236}">
-                <a16:creationId xmlns:a16="http://schemas.microsoft.com/office/drawing/2014/main" id="{DFC60DFF-6B41-06C5-39B0-C031AB079D02}"/>
-              </a:ext>
-            </a:extLst>
-          </p:cNvPr>
-          <p:cNvGraphicFramePr>
-            <a:graphicFrameLocks noGrp="1"/>
-          </p:cNvGraphicFramePr>
-          <p:nvPr>
-            <p:extLst>
-              <p:ext uri="{D42A27DB-BD31-4B8C-83A1-F6EECF244321}">
-                <p14:modId xmlns:p14="http://schemas.microsoft.com/office/powerpoint/2010/main" val="2052751166"/>
-              </p:ext>
-            </p:extLst>
-          </p:nvPr>
-        </p:nvGraphicFramePr>
-        <p:xfrm>
-          <a:off x="8761412" y="5123474"/>
-          <a:ext cx="2997200" cy="381000"/>
-        </p:xfrm>
-        <a:graphic>
-          <a:graphicData uri="http://schemas.openxmlformats.org/drawingml/2006/table">
-            <a:tbl>
-              <a:tblPr>
-                <a:tableStyleId>{5C22544A-7EE6-4342-B048-85BDC9FD1C3A}</a:tableStyleId>
-              </a:tblPr>
-              <a:tblGrid>
-                <a:gridCol w="2997200">
-                  <a:extLst>
-                    <a:ext uri="{9D8B030D-6E8A-4147-A177-3AD203B41FA5}">
-                      <a16:colId xmlns:a16="http://schemas.microsoft.com/office/drawing/2014/main" val="2724650199"/>
-                    </a:ext>
-                  </a:extLst>
-                </a:gridCol>
-              </a:tblGrid>
-              <a:tr h="190500">
+              <a:tr h="2838776">
                 <a:tc>
                   <a:txBody>
                     <a:bodyPr/>
                     <a:lstStyle/>
                     <a:p>
-                      <a:pPr algn="l" fontAlgn="b"/>
+                      <a:pPr algn="ctr"/>
                       <a:r>
-                        <a:rPr lang="en-US" sz="1100" u="none" strike="noStrike" dirty="0">
+                        <a:rPr lang="en-US" dirty="0"/>
+                        <a:t>QC (</a:t>
+                      </a:r>
+                      <a:r>
+                        <a:rPr lang="en-US" b="0" i="0" dirty="0">
+                          <a:solidFill>
+                            <a:srgbClr val="1F1F1F"/>
+                          </a:solidFill>
                           <a:effectLst/>
+                          <a:latin typeface="Google Sans"/>
                         </a:rPr>
-                        <a:t>Computer and information systems managers</a:t>
+                        <a:t>Quebec) </a:t>
                       </a:r>
-                      <a:endParaRPr lang="en-US" sz="1100" b="0" i="0" u="none" strike="noStrike" dirty="0">
-                        <a:solidFill>
-                          <a:srgbClr val="000000"/>
-                        </a:solidFill>
-                        <a:effectLst/>
-                        <a:latin typeface="Calibri" panose="020F0502020204030204" pitchFamily="34" charset="0"/>
-                      </a:endParaRPr>
+                      <a:endParaRPr lang="en-NP" dirty="0"/>
                     </a:p>
                   </a:txBody>
-                  <a:tcPr marL="9525" marR="9525" marT="9525" marB="0" anchor="b"/>
+                  <a:tcPr/>
                 </a:tc>
-                <a:extLst>
-                  <a:ext uri="{0D108BD9-81ED-4DB2-BD59-A6C34878D82A}">
-                    <a16:rowId xmlns:a16="http://schemas.microsoft.com/office/drawing/2014/main" val="3275606219"/>
-                  </a:ext>
-                </a:extLst>
-              </a:tr>
-              <a:tr h="190500">
                 <a:tc>
                   <a:txBody>
                     <a:bodyPr/>
                     <a:lstStyle/>
                     <a:p>
-                      <a:pPr algn="l" fontAlgn="b"/>
+                      <a:pPr marL="285750" marR="0" lvl="0" indent="-285750" algn="ctr" defTabSz="914400" rtl="0" eaLnBrk="1" fontAlgn="auto" latinLnBrk="0" hangingPunct="1">
+                        <a:lnSpc>
+                          <a:spcPct val="100000"/>
+                        </a:lnSpc>
+                        <a:spcBef>
+                          <a:spcPts val="0"/>
+                        </a:spcBef>
+                        <a:spcAft>
+                          <a:spcPts val="0"/>
+                        </a:spcAft>
+                        <a:buClrTx/>
+                        <a:buSzTx/>
+                        <a:buFont typeface="Arial" panose="020B0604020202020204" pitchFamily="34" charset="0"/>
+                        <a:buChar char="•"/>
+                        <a:tabLst/>
+                        <a:defRPr/>
+                      </a:pPr>
                       <a:r>
-                        <a:rPr lang="en-US" sz="1100" u="none" strike="noStrike" dirty="0">
+                        <a:rPr lang="en-US" b="0" i="0" dirty="0">
+                          <a:solidFill>
+                            <a:srgbClr val="1F1F1F"/>
+                          </a:solidFill>
                           <a:effectLst/>
+                          <a:latin typeface="arial" panose="020B0604020202020204" pitchFamily="34" charset="0"/>
                         </a:rPr>
-                        <a:t>Data scientists</a:t>
+                        <a:t>Bas-Saint-Laurent,</a:t>
                       </a:r>
-                      <a:endParaRPr lang="en-US" sz="1100" b="0" i="0" u="none" strike="noStrike" dirty="0">
-                        <a:solidFill>
-                          <a:srgbClr val="000000"/>
-                        </a:solidFill>
-                        <a:effectLst/>
-                        <a:latin typeface="Calibri" panose="020F0502020204030204" pitchFamily="34" charset="0"/>
-                      </a:endParaRPr>
+                    </a:p>
+                    <a:p>
+                      <a:pPr marL="285750" indent="-285750" algn="ctr">
+                        <a:buFont typeface="Arial" panose="020B0604020202020204" pitchFamily="34" charset="0"/>
+                        <a:buChar char="•"/>
+                      </a:pPr>
+                      <a:r>
+                        <a:rPr lang="en-NP" dirty="0"/>
+                        <a:t>Qubec, </a:t>
+                      </a:r>
+                    </a:p>
+                    <a:p>
+                      <a:pPr marL="285750" indent="-285750" algn="ctr">
+                        <a:buFont typeface="Arial" panose="020B0604020202020204" pitchFamily="34" charset="0"/>
+                        <a:buChar char="•"/>
+                      </a:pPr>
+                      <a:r>
+                        <a:rPr lang="en-NP" dirty="0"/>
+                        <a:t>Capitale-nationale</a:t>
+                      </a:r>
+                    </a:p>
+                    <a:p>
+                      <a:pPr marL="285750" indent="-285750" algn="ctr">
+                        <a:buFont typeface="Arial" panose="020B0604020202020204" pitchFamily="34" charset="0"/>
+                        <a:buChar char="•"/>
+                      </a:pPr>
+                      <a:r>
+                        <a:rPr lang="en-NP" dirty="0"/>
+                        <a:t>Chaduere-Appalaches</a:t>
+                      </a:r>
+                    </a:p>
+                    <a:p>
+                      <a:pPr marL="285750" indent="-285750" algn="ctr">
+                        <a:buFont typeface="Arial" panose="020B0604020202020204" pitchFamily="34" charset="0"/>
+                        <a:buChar char="•"/>
+                      </a:pPr>
+                      <a:r>
+                        <a:rPr lang="en-NP" dirty="0"/>
+                        <a:t>Estire</a:t>
+                      </a:r>
+                    </a:p>
+                    <a:p>
+                      <a:pPr marL="285750" indent="-285750" algn="ctr">
+                        <a:buFont typeface="Arial" panose="020B0604020202020204" pitchFamily="34" charset="0"/>
+                        <a:buChar char="•"/>
+                      </a:pPr>
+                      <a:r>
+                        <a:rPr lang="en-NP" dirty="0"/>
+                        <a:t>Monteregie</a:t>
+                      </a:r>
+                    </a:p>
+                    <a:p>
+                      <a:pPr marL="285750" indent="-285750" algn="ctr">
+                        <a:buFont typeface="Arial" panose="020B0604020202020204" pitchFamily="34" charset="0"/>
+                        <a:buChar char="•"/>
+                      </a:pPr>
+                      <a:r>
+                        <a:rPr lang="en-NP" dirty="0"/>
+                        <a:t>Lanaudiere</a:t>
+                      </a:r>
+                    </a:p>
+                    <a:p>
+                      <a:pPr marL="285750" indent="-285750" algn="ctr">
+                        <a:buFont typeface="Arial" panose="020B0604020202020204" pitchFamily="34" charset="0"/>
+                        <a:buChar char="•"/>
+                      </a:pPr>
+                      <a:r>
+                        <a:rPr lang="en-NP" dirty="0"/>
+                        <a:t>Laurentides,</a:t>
+                      </a:r>
+                    </a:p>
+                    <a:p>
+                      <a:pPr marL="285750" indent="-285750" algn="ctr">
+                        <a:buFont typeface="Arial" panose="020B0604020202020204" pitchFamily="34" charset="0"/>
+                        <a:buChar char="•"/>
+                      </a:pPr>
+                      <a:r>
+                        <a:rPr lang="en-NP" dirty="0"/>
+                        <a:t>Saguenay-lac-Saint-Jean</a:t>
+                      </a:r>
+                    </a:p>
+                    <a:p>
+                      <a:pPr marL="285750" indent="-285750" algn="ctr">
+                        <a:buFont typeface="Arial" panose="020B0604020202020204" pitchFamily="34" charset="0"/>
+                        <a:buChar char="•"/>
+                      </a:pPr>
+                      <a:r>
+                        <a:rPr lang="en-NP" dirty="0"/>
+                        <a:t>Mauricie</a:t>
+                      </a:r>
                     </a:p>
                   </a:txBody>
-                  <a:tcPr marL="9525" marR="9525" marT="9525" marB="0" anchor="b"/>
+                  <a:tcPr/>
                 </a:tc>
-                <a:extLst>
-                  <a:ext uri="{0D108BD9-81ED-4DB2-BD59-A6C34878D82A}">
-                    <a16:rowId xmlns:a16="http://schemas.microsoft.com/office/drawing/2014/main" val="2984103748"/>
-                  </a:ext>
-                </a:extLst>
-              </a:tr>
-            </a:tbl>
-          </a:graphicData>
-        </a:graphic>
-      </p:graphicFrame>
-      <p:graphicFrame>
-        <p:nvGraphicFramePr>
-          <p:cNvPr id="14" name="Table 13">
-            <a:extLst>
-              <a:ext uri="{FF2B5EF4-FFF2-40B4-BE49-F238E27FC236}">
-                <a16:creationId xmlns:a16="http://schemas.microsoft.com/office/drawing/2014/main" id="{73B6E2DA-4881-813B-03A5-F9E4E7DED5A8}"/>
-              </a:ext>
-            </a:extLst>
-          </p:cNvPr>
-          <p:cNvGraphicFramePr>
-            <a:graphicFrameLocks noGrp="1"/>
-          </p:cNvGraphicFramePr>
-          <p:nvPr>
-            <p:extLst>
-              <p:ext uri="{D42A27DB-BD31-4B8C-83A1-F6EECF244321}">
-                <p14:modId xmlns:p14="http://schemas.microsoft.com/office/powerpoint/2010/main" val="2558968245"/>
-              </p:ext>
-            </p:extLst>
-          </p:nvPr>
-        </p:nvGraphicFramePr>
-        <p:xfrm>
-          <a:off x="6455946" y="5765826"/>
-          <a:ext cx="2997200" cy="190500"/>
-        </p:xfrm>
-        <a:graphic>
-          <a:graphicData uri="http://schemas.openxmlformats.org/drawingml/2006/table">
-            <a:tbl>
-              <a:tblPr>
-                <a:tableStyleId>{5C22544A-7EE6-4342-B048-85BDC9FD1C3A}</a:tableStyleId>
-              </a:tblPr>
-              <a:tblGrid>
-                <a:gridCol w="2997200">
-                  <a:extLst>
-                    <a:ext uri="{9D8B030D-6E8A-4147-A177-3AD203B41FA5}">
-                      <a16:colId xmlns:a16="http://schemas.microsoft.com/office/drawing/2014/main" val="2537420067"/>
-                    </a:ext>
-                  </a:extLst>
-                </a:gridCol>
-              </a:tblGrid>
-              <a:tr h="190500">
                 <a:tc>
                   <a:txBody>
                     <a:bodyPr/>
                     <a:lstStyle/>
                     <a:p>
-                      <a:pPr algn="l" fontAlgn="b"/>
+                      <a:pPr marL="285750" indent="-285750" algn="ctr">
+                        <a:buFont typeface="Arial" panose="020B0604020202020204" pitchFamily="34" charset="0"/>
+                        <a:buChar char="•"/>
+                      </a:pPr>
                       <a:r>
-                        <a:rPr lang="en-US" sz="1100" u="none" strike="noStrike" dirty="0">
-                          <a:effectLst/>
+                        <a:rPr lang="en-NP" dirty="0"/>
+                        <a:t>Computer and Information system managers</a:t>
+                      </a:r>
+                    </a:p>
+                    <a:p>
+                      <a:pPr marL="285750" indent="-285750" algn="ctr">
+                        <a:buFont typeface="Arial" panose="020B0604020202020204" pitchFamily="34" charset="0"/>
+                        <a:buChar char="•"/>
+                      </a:pPr>
+                      <a:r>
+                        <a:rPr lang="en-NP" dirty="0"/>
+                        <a:t>Software engineers and designers</a:t>
+                      </a:r>
+                    </a:p>
+                    <a:p>
+                      <a:pPr marL="285750" indent="-285750" algn="ctr">
+                        <a:buFont typeface="Arial" panose="020B0604020202020204" pitchFamily="34" charset="0"/>
+                        <a:buChar char="•"/>
+                      </a:pPr>
+                      <a:r>
+                        <a:rPr lang="en-NP" dirty="0">
+                          <a:solidFill>
+                            <a:srgbClr val="FF0000"/>
+                          </a:solidFill>
                         </a:rPr>
-                        <a:t>Software developers and programmers</a:t>
+                        <a:t>Database analysts and data administrators</a:t>
                       </a:r>
-                      <a:endParaRPr lang="en-US" sz="1100" b="0" i="0" u="none" strike="noStrike" dirty="0">
-                        <a:solidFill>
-                          <a:srgbClr val="000000"/>
-                        </a:solidFill>
-                        <a:effectLst/>
-                        <a:latin typeface="Calibri" panose="020F0502020204030204" pitchFamily="34" charset="0"/>
-                      </a:endParaRPr>
                     </a:p>
                   </a:txBody>
-                  <a:tcPr marL="9525" marR="9525" marT="9525" marB="0" anchor="b"/>
+                  <a:tcPr/>
                 </a:tc>
                 <a:extLst>
                   <a:ext uri="{0D108BD9-81ED-4DB2-BD59-A6C34878D82A}">
-                    <a16:rowId xmlns:a16="http://schemas.microsoft.com/office/drawing/2014/main" val="1044549515"/>
+                    <a16:rowId xmlns:a16="http://schemas.microsoft.com/office/drawing/2014/main" val="1960332520"/>
+                  </a:ext>
+                </a:extLst>
+              </a:tr>
+              <a:tr h="915734">
+                <a:tc>
+                  <a:txBody>
+                    <a:bodyPr/>
+                    <a:lstStyle/>
+                    <a:p>
+                      <a:pPr algn="ctr"/>
+                      <a:r>
+                        <a:rPr lang="en-NP" dirty="0"/>
+                        <a:t>ON (Onatrio)</a:t>
+                      </a:r>
+                    </a:p>
+                  </a:txBody>
+                  <a:tcPr/>
+                </a:tc>
+                <a:tc>
+                  <a:txBody>
+                    <a:bodyPr/>
+                    <a:lstStyle/>
+                    <a:p>
+                      <a:pPr marL="285750" indent="-285750" algn="ctr">
+                        <a:buFont typeface="Arial" panose="020B0604020202020204" pitchFamily="34" charset="0"/>
+                        <a:buChar char="•"/>
+                      </a:pPr>
+                      <a:r>
+                        <a:rPr lang="en-NP" dirty="0"/>
+                        <a:t>Ottawa</a:t>
+                      </a:r>
+                    </a:p>
+                    <a:p>
+                      <a:pPr marL="285750" indent="-285750" algn="ctr">
+                        <a:buFont typeface="Arial" panose="020B0604020202020204" pitchFamily="34" charset="0"/>
+                        <a:buChar char="•"/>
+                      </a:pPr>
+                      <a:r>
+                        <a:rPr lang="en-NP" dirty="0"/>
+                        <a:t>Kitchener –Waterloo-Barrie</a:t>
+                      </a:r>
+                    </a:p>
+                  </a:txBody>
+                  <a:tcPr/>
+                </a:tc>
+                <a:tc>
+                  <a:txBody>
+                    <a:bodyPr/>
+                    <a:lstStyle/>
+                    <a:p>
+                      <a:pPr marL="285750" marR="0" lvl="0" indent="-285750" algn="ctr" defTabSz="914400" rtl="0" eaLnBrk="1" fontAlgn="auto" latinLnBrk="0" hangingPunct="1">
+                        <a:lnSpc>
+                          <a:spcPct val="100000"/>
+                        </a:lnSpc>
+                        <a:spcBef>
+                          <a:spcPts val="0"/>
+                        </a:spcBef>
+                        <a:spcAft>
+                          <a:spcPts val="0"/>
+                        </a:spcAft>
+                        <a:buClrTx/>
+                        <a:buSzTx/>
+                        <a:buFont typeface="Arial" panose="020B0604020202020204" pitchFamily="34" charset="0"/>
+                        <a:buChar char="•"/>
+                        <a:tabLst/>
+                        <a:defRPr/>
+                      </a:pPr>
+                      <a:r>
+                        <a:rPr lang="en-NP" dirty="0"/>
+                        <a:t>Computer and Information system managers</a:t>
+                      </a:r>
+                    </a:p>
+                    <a:p>
+                      <a:pPr marL="285750" indent="-285750" algn="ctr">
+                        <a:buFont typeface="Arial" panose="020B0604020202020204" pitchFamily="34" charset="0"/>
+                        <a:buChar char="•"/>
+                      </a:pPr>
+                      <a:r>
+                        <a:rPr lang="en-NP" dirty="0">
+                          <a:solidFill>
+                            <a:srgbClr val="FF0000"/>
+                          </a:solidFill>
+                        </a:rPr>
+                        <a:t>Data scientists</a:t>
+                      </a:r>
+                    </a:p>
+                  </a:txBody>
+                  <a:tcPr/>
+                </a:tc>
+                <a:extLst>
+                  <a:ext uri="{0D108BD9-81ED-4DB2-BD59-A6C34878D82A}">
+                    <a16:rowId xmlns:a16="http://schemas.microsoft.com/office/drawing/2014/main" val="4095480828"/>
+                  </a:ext>
+                </a:extLst>
+              </a:tr>
+              <a:tr h="641014">
+                <a:tc>
+                  <a:txBody>
+                    <a:bodyPr/>
+                    <a:lstStyle/>
+                    <a:p>
+                      <a:pPr algn="ctr"/>
+                      <a:r>
+                        <a:rPr lang="en-NP" dirty="0"/>
+                        <a:t>MB (Mantioba)</a:t>
+                      </a:r>
+                    </a:p>
+                  </a:txBody>
+                  <a:tcPr/>
+                </a:tc>
+                <a:tc>
+                  <a:txBody>
+                    <a:bodyPr/>
+                    <a:lstStyle/>
+                    <a:p>
+                      <a:pPr marL="285750" indent="-285750" algn="ctr">
+                        <a:buFont typeface="Arial" panose="020B0604020202020204" pitchFamily="34" charset="0"/>
+                        <a:buChar char="•"/>
+                      </a:pPr>
+                      <a:r>
+                        <a:rPr lang="en-US" dirty="0"/>
+                        <a:t>Southeast</a:t>
+                      </a:r>
+                      <a:endParaRPr lang="en-NP" dirty="0"/>
+                    </a:p>
+                  </a:txBody>
+                  <a:tcPr/>
+                </a:tc>
+                <a:tc>
+                  <a:txBody>
+                    <a:bodyPr/>
+                    <a:lstStyle/>
+                    <a:p>
+                      <a:pPr marL="285750" indent="-285750" algn="ctr">
+                        <a:buFont typeface="Arial" panose="020B0604020202020204" pitchFamily="34" charset="0"/>
+                        <a:buChar char="•"/>
+                      </a:pPr>
+                      <a:r>
+                        <a:rPr lang="en-NP" dirty="0"/>
+                        <a:t>Software developers and programmers</a:t>
+                      </a:r>
+                    </a:p>
+                  </a:txBody>
+                  <a:tcPr/>
+                </a:tc>
+                <a:extLst>
+                  <a:ext uri="{0D108BD9-81ED-4DB2-BD59-A6C34878D82A}">
+                    <a16:rowId xmlns:a16="http://schemas.microsoft.com/office/drawing/2014/main" val="1153233894"/>
+                  </a:ext>
+                </a:extLst>
+              </a:tr>
+              <a:tr h="915734">
+                <a:tc>
+                  <a:txBody>
+                    <a:bodyPr/>
+                    <a:lstStyle/>
+                    <a:p>
+                      <a:pPr algn="ctr"/>
+                      <a:r>
+                        <a:rPr lang="en-NP" dirty="0"/>
+                        <a:t>SK (</a:t>
+                      </a:r>
+                      <a:r>
+                        <a:rPr lang="en-US" sz="1800" b="0" i="0" kern="1200" dirty="0">
+                          <a:solidFill>
+                            <a:schemeClr val="dk1"/>
+                          </a:solidFill>
+                          <a:effectLst/>
+                          <a:latin typeface="+mn-lt"/>
+                          <a:ea typeface="+mn-ea"/>
+                          <a:cs typeface="+mn-cs"/>
+                        </a:rPr>
+                        <a:t>Saskatchewan)</a:t>
+                      </a:r>
+                      <a:endParaRPr lang="en-NP" dirty="0"/>
+                    </a:p>
+                  </a:txBody>
+                  <a:tcPr/>
+                </a:tc>
+                <a:tc>
+                  <a:txBody>
+                    <a:bodyPr/>
+                    <a:lstStyle/>
+                    <a:p>
+                      <a:pPr marL="285750" indent="-285750" algn="ctr">
+                        <a:buFont typeface="Arial" panose="020B0604020202020204" pitchFamily="34" charset="0"/>
+                        <a:buChar char="•"/>
+                      </a:pPr>
+                      <a:r>
+                        <a:rPr lang="en-US" dirty="0"/>
+                        <a:t>Regina-Moose Mountain</a:t>
+                      </a:r>
+                      <a:endParaRPr lang="en-NP" dirty="0"/>
+                    </a:p>
+                  </a:txBody>
+                  <a:tcPr/>
+                </a:tc>
+                <a:tc>
+                  <a:txBody>
+                    <a:bodyPr/>
+                    <a:lstStyle/>
+                    <a:p>
+                      <a:pPr marL="0" marR="0" lvl="0" indent="0" algn="ctr" defTabSz="914400" rtl="0" eaLnBrk="1" fontAlgn="auto" latinLnBrk="0" hangingPunct="1">
+                        <a:lnSpc>
+                          <a:spcPct val="100000"/>
+                        </a:lnSpc>
+                        <a:spcBef>
+                          <a:spcPts val="0"/>
+                        </a:spcBef>
+                        <a:spcAft>
+                          <a:spcPts val="0"/>
+                        </a:spcAft>
+                        <a:buClrTx/>
+                        <a:buSzTx/>
+                        <a:buFontTx/>
+                        <a:buNone/>
+                        <a:tabLst/>
+                        <a:defRPr/>
+                      </a:pPr>
+                      <a:r>
+                        <a:rPr lang="en-NP" dirty="0"/>
+                        <a:t>Software developers and programmers</a:t>
+                      </a:r>
+                    </a:p>
+                    <a:p>
+                      <a:pPr algn="ctr"/>
+                      <a:endParaRPr lang="en-NP" dirty="0"/>
+                    </a:p>
+                  </a:txBody>
+                  <a:tcPr/>
+                </a:tc>
+                <a:extLst>
+                  <a:ext uri="{0D108BD9-81ED-4DB2-BD59-A6C34878D82A}">
+                    <a16:rowId xmlns:a16="http://schemas.microsoft.com/office/drawing/2014/main" val="3489730393"/>
                   </a:ext>
                 </a:extLst>
               </a:tr>
@@ -6551,13 +6957,137 @@
     </p:spTree>
     <p:extLst>
       <p:ext uri="{BB962C8B-B14F-4D97-AF65-F5344CB8AC3E}">
-        <p14:creationId xmlns:p14="http://schemas.microsoft.com/office/powerpoint/2010/main" val="2086638876"/>
+        <p14:creationId xmlns:p14="http://schemas.microsoft.com/office/powerpoint/2010/main" val="2414597641"/>
       </p:ext>
     </p:extLst>
   </p:cSld>
   <p:clrMapOvr>
     <a:masterClrMapping/>
   </p:clrMapOvr>
+  <p:timing>
+    <p:tnLst>
+      <p:par>
+        <p:cTn id="1" dur="indefinite" restart="never" nodeType="tmRoot">
+          <p:childTnLst>
+            <p:seq concurrent="1" nextAc="seek">
+              <p:cTn id="2" dur="indefinite" nodeType="mainSeq">
+                <p:childTnLst>
+                  <p:par>
+                    <p:cTn id="3" fill="hold">
+                      <p:stCondLst>
+                        <p:cond delay="indefinite"/>
+                      </p:stCondLst>
+                      <p:childTnLst>
+                        <p:par>
+                          <p:cTn id="4" fill="hold">
+                            <p:stCondLst>
+                              <p:cond delay="0"/>
+                            </p:stCondLst>
+                            <p:childTnLst>
+                              <p:par>
+                                <p:cTn id="5" presetID="1" presetClass="entr" presetSubtype="0" fill="hold" nodeType="clickEffect">
+                                  <p:stCondLst>
+                                    <p:cond delay="0"/>
+                                  </p:stCondLst>
+                                  <p:childTnLst>
+                                    <p:set>
+                                      <p:cBhvr>
+                                        <p:cTn id="6" dur="1" fill="hold">
+                                          <p:stCondLst>
+                                            <p:cond delay="0"/>
+                                          </p:stCondLst>
+                                        </p:cTn>
+                                        <p:tgtEl>
+                                          <p:spTgt spid="4">
+                                            <p:txEl>
+                                              <p:pRg st="0" end="0"/>
+                                            </p:txEl>
+                                          </p:spTgt>
+                                        </p:tgtEl>
+                                        <p:attrNameLst>
+                                          <p:attrName>style.visibility</p:attrName>
+                                        </p:attrNameLst>
+                                      </p:cBhvr>
+                                      <p:to>
+                                        <p:strVal val="visible"/>
+                                      </p:to>
+                                    </p:set>
+                                  </p:childTnLst>
+                                </p:cTn>
+                              </p:par>
+                            </p:childTnLst>
+                          </p:cTn>
+                        </p:par>
+                      </p:childTnLst>
+                    </p:cTn>
+                  </p:par>
+                  <p:par>
+                    <p:cTn id="7" fill="hold">
+                      <p:stCondLst>
+                        <p:cond delay="indefinite"/>
+                      </p:stCondLst>
+                      <p:childTnLst>
+                        <p:par>
+                          <p:cTn id="8" fill="hold">
+                            <p:stCondLst>
+                              <p:cond delay="0"/>
+                            </p:stCondLst>
+                            <p:childTnLst>
+                              <p:par>
+                                <p:cTn id="9" presetID="1" presetClass="entr" presetSubtype="0" fill="hold" nodeType="clickEffect">
+                                  <p:stCondLst>
+                                    <p:cond delay="0"/>
+                                  </p:stCondLst>
+                                  <p:childTnLst>
+                                    <p:set>
+                                      <p:cBhvr>
+                                        <p:cTn id="10" dur="1" fill="hold">
+                                          <p:stCondLst>
+                                            <p:cond delay="0"/>
+                                          </p:stCondLst>
+                                        </p:cTn>
+                                        <p:tgtEl>
+                                          <p:spTgt spid="6"/>
+                                        </p:tgtEl>
+                                        <p:attrNameLst>
+                                          <p:attrName>style.visibility</p:attrName>
+                                        </p:attrNameLst>
+                                      </p:cBhvr>
+                                      <p:to>
+                                        <p:strVal val="visible"/>
+                                      </p:to>
+                                    </p:set>
+                                  </p:childTnLst>
+                                </p:cTn>
+                              </p:par>
+                            </p:childTnLst>
+                          </p:cTn>
+                        </p:par>
+                      </p:childTnLst>
+                    </p:cTn>
+                  </p:par>
+                </p:childTnLst>
+              </p:cTn>
+              <p:prevCondLst>
+                <p:cond evt="onPrev" delay="0">
+                  <p:tgtEl>
+                    <p:sldTgt/>
+                  </p:tgtEl>
+                </p:cond>
+              </p:prevCondLst>
+              <p:nextCondLst>
+                <p:cond evt="onNext" delay="0">
+                  <p:tgtEl>
+                    <p:sldTgt/>
+                  </p:tgtEl>
+                </p:cond>
+              </p:nextCondLst>
+            </p:seq>
+          </p:childTnLst>
+        </p:cTn>
+      </p:par>
+    </p:tnLst>
+  </p:timing>
 </p:sld>
 </file>
 
@@ -6630,7 +7160,7 @@
                 <a:effectLst/>
                 <a:latin typeface="Raleway" panose="020F0502020204030204" pitchFamily="34" charset="0"/>
               </a:rPr>
-              <a:t>Thank you. </a:t>
+              <a:t>Thanks for listening  </a:t>
             </a:r>
             <a:r>
               <a:rPr lang="en-NP" b="1" i="0" u="none" strike="noStrike" dirty="0">
@@ -6640,7 +7170,7 @@
                 <a:effectLst/>
                 <a:latin typeface="Raleway" panose="020F0502020204030204" pitchFamily="34" charset="0"/>
               </a:rPr>
-              <a:t>😄</a:t>
+              <a:t>😄 </a:t>
             </a:r>
             <a:endParaRPr lang="en-NP" sz="2400" b="0" dirty="0">
               <a:effectLst/>
@@ -6882,16 +7412,18 @@
         </p:nvSpPr>
         <p:spPr>
           <a:xfrm>
-            <a:off x="838200" y="192316"/>
+            <a:off x="553386" y="72394"/>
             <a:ext cx="10515600" cy="1325563"/>
           </a:xfrm>
         </p:spPr>
         <p:txBody>
-          <a:bodyPr/>
-          <a:lstStyle/>
-          <a:p>
-            <a:r>
-              <a:rPr lang="en-NP" dirty="0">
+          <a:bodyPr>
+            <a:normAutofit/>
+          </a:bodyPr>
+          <a:lstStyle/>
+          <a:p>
+            <a:r>
+              <a:rPr lang="en-NP" sz="4000" dirty="0">
                 <a:latin typeface=""/>
               </a:rPr>
               <a:t>Objectives</a:t>
@@ -6917,8 +7449,8 @@
         </p:nvSpPr>
         <p:spPr>
           <a:xfrm>
-            <a:off x="673308" y="1517879"/>
-            <a:ext cx="10515600" cy="4351338"/>
+            <a:off x="553386" y="1397957"/>
+            <a:ext cx="11348803" cy="4351338"/>
           </a:xfrm>
         </p:spPr>
         <p:txBody>
@@ -6931,13 +7463,13 @@
               <a:buNone/>
             </a:pPr>
             <a:r>
-              <a:rPr lang="en-US" b="1" dirty="0">
+              <a:rPr lang="en-US" sz="2200" b="1" dirty="0">
                 <a:latin typeface=""/>
               </a:rPr>
               <a:t>Objective 1: </a:t>
             </a:r>
             <a:r>
-              <a:rPr lang="en-US" dirty="0">
+              <a:rPr lang="en-US" sz="2200" dirty="0">
                 <a:latin typeface=""/>
               </a:rPr>
               <a:t>Number of people employed in these NOC titles all over Canada in May 2023.</a:t>
@@ -6948,13 +7480,13 @@
               <a:buNone/>
             </a:pPr>
             <a:r>
-              <a:rPr lang="en-US" b="1" dirty="0">
+              <a:rPr lang="en-US" sz="2200" b="1" dirty="0">
                 <a:latin typeface=""/>
               </a:rPr>
               <a:t>Objective 2: Compare </a:t>
             </a:r>
             <a:r>
-              <a:rPr lang="en-US" dirty="0">
+              <a:rPr lang="en-US" sz="2200" dirty="0">
                 <a:latin typeface=""/>
               </a:rPr>
               <a:t>Number of part-time and full time workers in these NOC titles all over Canada in May 2023.</a:t>
@@ -6965,33 +7497,80 @@
               <a:buNone/>
             </a:pPr>
             <a:r>
-              <a:rPr lang="en-US" b="1" dirty="0">
+              <a:rPr lang="en-US" sz="2200" b="1" dirty="0">
                 <a:latin typeface=""/>
               </a:rPr>
               <a:t>Objective 3: Compare </a:t>
             </a:r>
             <a:r>
-              <a:rPr lang="en-US" dirty="0">
+              <a:rPr lang="en-US" sz="2200" dirty="0">
                 <a:latin typeface=""/>
               </a:rPr>
               <a:t>Number of male and female in these NOC titles all over Canada in May 2023</a:t>
             </a:r>
-            <a:endParaRPr lang="en-NP" dirty="0">
+          </a:p>
+          <a:p>
+            <a:pPr marL="0" indent="0">
+              <a:buNone/>
+            </a:pPr>
+            <a:r>
+              <a:rPr lang="en-US" sz="2200" b="1" dirty="0">
+                <a:latin typeface=""/>
+              </a:rPr>
+              <a:t>Objective 4: Count no </a:t>
+            </a:r>
+            <a:r>
+              <a:rPr lang="en-US" sz="2200" dirty="0">
+                <a:latin typeface=""/>
+              </a:rPr>
+              <a:t>of each outlook in these NOC titles all over Canada in May 2023</a:t>
+            </a:r>
+          </a:p>
+          <a:p>
+            <a:pPr marL="0" indent="0">
+              <a:buNone/>
+            </a:pPr>
+            <a:r>
+              <a:rPr lang="en-US" sz="2200" b="1" dirty="0">
+                <a:latin typeface=""/>
+              </a:rPr>
+              <a:t>Objective 5: </a:t>
+            </a:r>
+            <a:r>
+              <a:rPr lang="en-US" sz="2200" dirty="0">
+                <a:latin typeface=""/>
+              </a:rPr>
+              <a:t>Plot the November 2023 data NOC title software developer and predict the next month December 2023 using SVR.   </a:t>
+            </a:r>
+          </a:p>
+          <a:p>
+            <a:pPr marL="0" indent="0">
+              <a:buNone/>
+            </a:pPr>
+            <a:endParaRPr lang="en-US" sz="2000" dirty="0">
               <a:latin typeface=""/>
             </a:endParaRPr>
           </a:p>
           <a:p>
-            <a:endParaRPr lang="en-NP" dirty="0">
+            <a:pPr marL="0" indent="0">
+              <a:buNone/>
+            </a:pPr>
+            <a:endParaRPr lang="en-NP" sz="2000" dirty="0">
               <a:latin typeface=""/>
             </a:endParaRPr>
           </a:p>
           <a:p>
-            <a:endParaRPr lang="en-NP" dirty="0">
+            <a:endParaRPr lang="en-NP" sz="2000" dirty="0">
               <a:latin typeface=""/>
             </a:endParaRPr>
           </a:p>
           <a:p>
-            <a:endParaRPr lang="en-NP" dirty="0">
+            <a:endParaRPr lang="en-NP" sz="2000" dirty="0">
+              <a:latin typeface=""/>
+            </a:endParaRPr>
+          </a:p>
+          <a:p>
+            <a:endParaRPr lang="en-NP" sz="2000" dirty="0">
               <a:latin typeface=""/>
             </a:endParaRPr>
           </a:p>
@@ -7019,8 +7598,8 @@
         </p:blipFill>
         <p:spPr>
           <a:xfrm>
-            <a:off x="7044855" y="4337841"/>
-            <a:ext cx="4928537" cy="2520159"/>
+            <a:off x="6743699" y="4416354"/>
+            <a:ext cx="4774994" cy="2441646"/>
           </a:xfrm>
           <a:prstGeom prst="rect">
             <a:avLst/>
@@ -7120,11 +7699,7 @@
                                           </p:stCondLst>
                                         </p:cTn>
                                         <p:tgtEl>
-                                          <p:spTgt spid="3">
-                                            <p:txEl>
-                                              <p:pRg st="1" end="1"/>
-                                            </p:txEl>
-                                          </p:spTgt>
+                                          <p:spTgt spid="4"/>
                                         </p:tgtEl>
                                         <p:attrNameLst>
                                           <p:attrName>style.visibility</p:attrName>
@@ -7171,7 +7746,203 @@
                                         <p:tgtEl>
                                           <p:spTgt spid="3">
                                             <p:txEl>
+                                              <p:pRg st="1" end="1"/>
+                                            </p:txEl>
+                                          </p:spTgt>
+                                        </p:tgtEl>
+                                        <p:attrNameLst>
+                                          <p:attrName>style.visibility</p:attrName>
+                                        </p:attrNameLst>
+                                      </p:cBhvr>
+                                      <p:to>
+                                        <p:strVal val="visible"/>
+                                      </p:to>
+                                    </p:set>
+                                  </p:childTnLst>
+                                </p:cTn>
+                              </p:par>
+                            </p:childTnLst>
+                          </p:cTn>
+                        </p:par>
+                      </p:childTnLst>
+                    </p:cTn>
+                  </p:par>
+                  <p:par>
+                    <p:cTn id="15" fill="hold">
+                      <p:stCondLst>
+                        <p:cond delay="indefinite"/>
+                      </p:stCondLst>
+                      <p:childTnLst>
+                        <p:par>
+                          <p:cTn id="16" fill="hold">
+                            <p:stCondLst>
+                              <p:cond delay="0"/>
+                            </p:stCondLst>
+                            <p:childTnLst>
+                              <p:par>
+                                <p:cTn id="17" presetID="1" presetClass="entr" presetSubtype="0" fill="hold" nodeType="clickEffect">
+                                  <p:stCondLst>
+                                    <p:cond delay="0"/>
+                                  </p:stCondLst>
+                                  <p:childTnLst>
+                                    <p:set>
+                                      <p:cBhvr>
+                                        <p:cTn id="18" dur="1" fill="hold">
+                                          <p:stCondLst>
+                                            <p:cond delay="0"/>
+                                          </p:stCondLst>
+                                        </p:cTn>
+                                        <p:tgtEl>
+                                          <p:spTgt spid="3">
+                                            <p:txEl>
                                               <p:pRg st="2" end="2"/>
+                                            </p:txEl>
+                                          </p:spTgt>
+                                        </p:tgtEl>
+                                        <p:attrNameLst>
+                                          <p:attrName>style.visibility</p:attrName>
+                                        </p:attrNameLst>
+                                      </p:cBhvr>
+                                      <p:to>
+                                        <p:strVal val="visible"/>
+                                      </p:to>
+                                    </p:set>
+                                  </p:childTnLst>
+                                </p:cTn>
+                              </p:par>
+                            </p:childTnLst>
+                          </p:cTn>
+                        </p:par>
+                      </p:childTnLst>
+                    </p:cTn>
+                  </p:par>
+                  <p:par>
+                    <p:cTn id="19" fill="hold">
+                      <p:stCondLst>
+                        <p:cond delay="indefinite"/>
+                      </p:stCondLst>
+                      <p:childTnLst>
+                        <p:par>
+                          <p:cTn id="20" fill="hold">
+                            <p:stCondLst>
+                              <p:cond delay="0"/>
+                            </p:stCondLst>
+                            <p:childTnLst>
+                              <p:par>
+                                <p:cTn id="21" presetID="1" presetClass="entr" presetSubtype="0" fill="hold" nodeType="clickEffect">
+                                  <p:stCondLst>
+                                    <p:cond delay="0"/>
+                                  </p:stCondLst>
+                                  <p:childTnLst>
+                                    <p:set>
+                                      <p:cBhvr>
+                                        <p:cTn id="22" dur="1" fill="hold">
+                                          <p:stCondLst>
+                                            <p:cond delay="0"/>
+                                          </p:stCondLst>
+                                        </p:cTn>
+                                        <p:tgtEl>
+                                          <p:spTgt spid="3">
+                                            <p:txEl>
+                                              <p:pRg st="3" end="3"/>
+                                            </p:txEl>
+                                          </p:spTgt>
+                                        </p:tgtEl>
+                                        <p:attrNameLst>
+                                          <p:attrName>style.visibility</p:attrName>
+                                        </p:attrNameLst>
+                                      </p:cBhvr>
+                                      <p:to>
+                                        <p:strVal val="visible"/>
+                                      </p:to>
+                                    </p:set>
+                                  </p:childTnLst>
+                                </p:cTn>
+                              </p:par>
+                            </p:childTnLst>
+                          </p:cTn>
+                        </p:par>
+                      </p:childTnLst>
+                    </p:cTn>
+                  </p:par>
+                  <p:par>
+                    <p:cTn id="23" fill="hold">
+                      <p:stCondLst>
+                        <p:cond delay="indefinite"/>
+                      </p:stCondLst>
+                      <p:childTnLst>
+                        <p:par>
+                          <p:cTn id="24" fill="hold">
+                            <p:stCondLst>
+                              <p:cond delay="0"/>
+                            </p:stCondLst>
+                            <p:childTnLst>
+                              <p:par>
+                                <p:cTn id="25" presetID="1" presetClass="entr" presetSubtype="0" fill="hold" nodeType="clickEffect">
+                                  <p:stCondLst>
+                                    <p:cond delay="0"/>
+                                  </p:stCondLst>
+                                  <p:childTnLst>
+                                    <p:set>
+                                      <p:cBhvr>
+                                        <p:cTn id="26" dur="1" fill="hold">
+                                          <p:stCondLst>
+                                            <p:cond delay="0"/>
+                                          </p:stCondLst>
+                                        </p:cTn>
+                                        <p:tgtEl>
+                                          <p:spTgt spid="3">
+                                            <p:txEl>
+                                              <p:pRg st="4" end="4"/>
+                                            </p:txEl>
+                                          </p:spTgt>
+                                        </p:tgtEl>
+                                        <p:attrNameLst>
+                                          <p:attrName>style.visibility</p:attrName>
+                                        </p:attrNameLst>
+                                      </p:cBhvr>
+                                      <p:to>
+                                        <p:strVal val="visible"/>
+                                      </p:to>
+                                    </p:set>
+                                  </p:childTnLst>
+                                </p:cTn>
+                              </p:par>
+                            </p:childTnLst>
+                          </p:cTn>
+                        </p:par>
+                      </p:childTnLst>
+                    </p:cTn>
+                  </p:par>
+                  <p:par>
+                    <p:cTn id="27" fill="hold">
+                      <p:stCondLst>
+                        <p:cond delay="indefinite"/>
+                      </p:stCondLst>
+                      <p:childTnLst>
+                        <p:par>
+                          <p:cTn id="28" fill="hold">
+                            <p:stCondLst>
+                              <p:cond delay="0"/>
+                            </p:stCondLst>
+                            <p:childTnLst>
+                              <p:par>
+                                <p:cTn id="29" presetID="1" presetClass="entr" presetSubtype="0" fill="hold" nodeType="clickEffect">
+                                  <p:stCondLst>
+                                    <p:cond delay="0"/>
+                                  </p:stCondLst>
+                                  <p:childTnLst>
+                                    <p:set>
+                                      <p:cBhvr>
+                                        <p:cTn id="30" dur="1" fill="hold">
+                                          <p:stCondLst>
+                                            <p:cond delay="0"/>
+                                          </p:stCondLst>
+                                        </p:cTn>
+                                        <p:tgtEl>
+                                          <p:spTgt spid="3">
+                                            <p:txEl>
+                                              <p:pRg st="0" end="0"/>
                                             </p:txEl>
                                           </p:spTgt>
                                         </p:tgtEl>
@@ -8203,7 +8974,7 @@
         <p:spPr>
           <a:xfrm>
             <a:off x="284370" y="1650566"/>
-            <a:ext cx="11623260" cy="5632311"/>
+            <a:ext cx="11623260" cy="6463308"/>
           </a:xfrm>
           <a:prstGeom prst="rect">
             <a:avLst/>
@@ -8225,27 +8996,15 @@
             </a:r>
           </a:p>
           <a:p>
+            <a:pPr marL="342900" indent="-342900">
+              <a:buAutoNum type="arabicPeriod"/>
+            </a:pPr>
             <a:r>
               <a:rPr lang="en-US" dirty="0">
                 <a:latin typeface=""/>
                 <a:cs typeface="Times New Roman" panose="02020603050405020304" pitchFamily="18" charset="0"/>
               </a:rPr>
-              <a:t>1. Removed unnecessary columns from both datasets according to the objectives: "REF_DATE", "DGUID", "UOM", "UOM_ID", "SCALAR_FACTOR", "SCALAR_ID", "VECTOR", "STATUS", "SYMBOL", "TERMINATED", "DECIMALS".</a:t>
-            </a:r>
-          </a:p>
-          <a:p>
-            <a:endParaRPr lang="en-US" dirty="0">
-              <a:latin typeface=""/>
-              <a:cs typeface="Times New Roman" panose="02020603050405020304" pitchFamily="18" charset="0"/>
-            </a:endParaRPr>
-          </a:p>
-          <a:p>
-            <a:r>
-              <a:rPr lang="en-US" dirty="0">
-                <a:latin typeface=""/>
-                <a:cs typeface="Times New Roman" panose="02020603050405020304" pitchFamily="18" charset="0"/>
-              </a:rPr>
-              <a:t>2. Checked for and replaced all blanks and NULL values in </a:t>
+              <a:t>Removed unnecessary columns from dataset according to the objectives: ”</a:t>
             </a:r>
             <a:r>
               <a:rPr lang="en-US" dirty="0">
@@ -8255,14 +9014,14 @@
                 <a:latin typeface=""/>
                 <a:cs typeface="Times New Roman" panose="02020603050405020304" pitchFamily="18" charset="0"/>
               </a:rPr>
-              <a:t>VALUE</a:t>
+              <a:t>LANG</a:t>
             </a:r>
             <a:r>
               <a:rPr lang="en-US" dirty="0">
                 <a:latin typeface=""/>
                 <a:cs typeface="Times New Roman" panose="02020603050405020304" pitchFamily="18" charset="0"/>
               </a:rPr>
-              <a:t> column with 0 .</a:t>
+              <a:t>”. </a:t>
             </a:r>
           </a:p>
           <a:p>
@@ -8270,15 +9029,6 @@
               <a:latin typeface=""/>
               <a:cs typeface="Times New Roman" panose="02020603050405020304" pitchFamily="18" charset="0"/>
             </a:endParaRPr>
-          </a:p>
-          <a:p>
-            <a:r>
-              <a:rPr lang="en-US" dirty="0">
-                <a:latin typeface=""/>
-                <a:cs typeface="Times New Roman" panose="02020603050405020304" pitchFamily="18" charset="0"/>
-              </a:rPr>
-              <a:t>3. Removed rows where the GEO column value contains "CANADA" and eliminated certain business characteristics (such as North American Industry Classification System - NAICS) from the "Business characteristics" column.</a:t>
-            </a:r>
           </a:p>
           <a:p>
             <a:endParaRPr lang="en-US" dirty="0">
@@ -8296,12 +9046,105 @@
             </a:r>
           </a:p>
           <a:p>
+            <a:pPr marL="342900" indent="-342900">
+              <a:buAutoNum type="arabicPeriod"/>
+            </a:pPr>
+            <a:r>
+              <a:rPr lang="en-US" b="1" dirty="0">
+                <a:latin typeface=""/>
+                <a:cs typeface="Times New Roman" panose="02020603050405020304" pitchFamily="18" charset="0"/>
+              </a:rPr>
+              <a:t>Extracted the numerical data from Employment Trends column using Beautiful soup and Python Regex and added the the following new columns:</a:t>
+            </a:r>
+          </a:p>
+          <a:p>
+            <a:pPr marL="1200150" lvl="2" indent="-285750">
+              <a:buFont typeface="Arial" panose="020B0604020202020204" pitchFamily="34" charset="0"/>
+              <a:buChar char="•"/>
+            </a:pPr>
+            <a:r>
+              <a:rPr lang="en-US" dirty="0" err="1"/>
+              <a:t>no_of_people_worked</a:t>
+            </a:r>
+            <a:endParaRPr lang="en-US" dirty="0"/>
+          </a:p>
+          <a:p>
+            <a:pPr marL="1200150" lvl="2" indent="-285750">
+              <a:buFont typeface="Arial" panose="020B0604020202020204" pitchFamily="34" charset="0"/>
+              <a:buChar char="•"/>
+            </a:pPr>
+            <a:r>
+              <a:rPr lang="en-US" dirty="0"/>
+              <a:t>factors</a:t>
+            </a:r>
+          </a:p>
+          <a:p>
+            <a:pPr marL="1200150" lvl="2" indent="-285750">
+              <a:buFont typeface="Arial" panose="020B0604020202020204" pitchFamily="34" charset="0"/>
+              <a:buChar char="•"/>
+            </a:pPr>
+            <a:r>
+              <a:rPr lang="en-US" dirty="0"/>
+              <a:t>no_of_University_certificate_degree_or_diploma_above_bachelor_level</a:t>
+            </a:r>
+          </a:p>
+          <a:p>
+            <a:pPr marL="1200150" lvl="2" indent="-285750">
+              <a:buFont typeface="Arial" panose="020B0604020202020204" pitchFamily="34" charset="0"/>
+              <a:buChar char="•"/>
+            </a:pPr>
+            <a:r>
+              <a:rPr lang="en-US" dirty="0" err="1"/>
+              <a:t>no_of_men</a:t>
+            </a:r>
+            <a:endParaRPr lang="en-US" dirty="0"/>
+          </a:p>
+          <a:p>
+            <a:pPr marL="1200150" lvl="2" indent="-285750">
+              <a:buFont typeface="Arial" panose="020B0604020202020204" pitchFamily="34" charset="0"/>
+              <a:buChar char="•"/>
+            </a:pPr>
+            <a:r>
+              <a:rPr lang="en-US" dirty="0" err="1"/>
+              <a:t>no_of_women</a:t>
+            </a:r>
+            <a:endParaRPr lang="en-US" dirty="0"/>
+          </a:p>
+          <a:p>
+            <a:pPr marL="1200150" lvl="2" indent="-285750">
+              <a:buFont typeface="Arial" panose="020B0604020202020204" pitchFamily="34" charset="0"/>
+              <a:buChar char="•"/>
+            </a:pPr>
+            <a:r>
+              <a:rPr lang="en-US" dirty="0" err="1"/>
+              <a:t>no_of_part_time_workers</a:t>
+            </a:r>
+            <a:endParaRPr lang="en-US" dirty="0"/>
+          </a:p>
+          <a:p>
+            <a:pPr marL="1200150" lvl="2" indent="-285750">
+              <a:buFont typeface="Arial" panose="020B0604020202020204" pitchFamily="34" charset="0"/>
+              <a:buChar char="•"/>
+            </a:pPr>
+            <a:r>
+              <a:rPr lang="en-US" dirty="0" err="1"/>
+              <a:t>no_of_full_time_workers</a:t>
+            </a:r>
+            <a:endParaRPr lang="en-US" dirty="0"/>
+          </a:p>
+          <a:p>
+            <a:endParaRPr lang="en-US" b="1" dirty="0">
+              <a:latin typeface=""/>
+              <a:cs typeface="Times New Roman" panose="02020603050405020304" pitchFamily="18" charset="0"/>
+            </a:endParaRPr>
+          </a:p>
+          <a:p>
             <a:r>
               <a:rPr lang="en-US" dirty="0">
                 <a:latin typeface=""/>
                 <a:cs typeface="Times New Roman" panose="02020603050405020304" pitchFamily="18" charset="0"/>
               </a:rPr>
-              <a:t>1. Transformed the "Business characteristics" column values to contain only string values, removing unwanted characters such as numeric ranges (e.g., [31-33]), retaining only the descriptive string (e.g., "Agriculture, forestry, fishing and hunting").</a:t>
+              <a:t>2. Filtered out the NOC titles that aligns with the Lambton College IT course.</a:t>
             </a:r>
           </a:p>
           <a:p>
@@ -8316,8 +9159,23 @@
                 <a:latin typeface=""/>
                 <a:cs typeface="Times New Roman" panose="02020603050405020304" pitchFamily="18" charset="0"/>
               </a:rPr>
-              <a:t>2. Merged the two datasets using the COORDINATE value as a primary key for easier analysis.</a:t>
-            </a:r>
+              <a:t>Finally, new excel file was created. </a:t>
+            </a:r>
+          </a:p>
+          <a:p>
+            <a:r>
+              <a:rPr lang="en-US" dirty="0">
+                <a:latin typeface=""/>
+                <a:cs typeface="Times New Roman" panose="02020603050405020304" pitchFamily="18" charset="0"/>
+              </a:rPr>
+              <a:t> </a:t>
+            </a:r>
+          </a:p>
+          <a:p>
+            <a:endParaRPr lang="en-US" dirty="0">
+              <a:latin typeface=""/>
+              <a:cs typeface="Times New Roman" panose="02020603050405020304" pitchFamily="18" charset="0"/>
+            </a:endParaRPr>
           </a:p>
           <a:p>
             <a:endParaRPr lang="en-US" dirty="0">
@@ -8343,6 +9201,36 @@
           </a:p>
         </p:txBody>
       </p:sp>
+      <p:pic>
+        <p:nvPicPr>
+          <p:cNvPr id="3" name="Picture 2">
+            <a:extLst>
+              <a:ext uri="{FF2B5EF4-FFF2-40B4-BE49-F238E27FC236}">
+                <a16:creationId xmlns:a16="http://schemas.microsoft.com/office/drawing/2014/main" id="{896538E9-3B4E-BEBC-20C3-EB0F3BB612D2}"/>
+              </a:ext>
+            </a:extLst>
+          </p:cNvPr>
+          <p:cNvPicPr>
+            <a:picLocks noChangeAspect="1"/>
+          </p:cNvPicPr>
+          <p:nvPr/>
+        </p:nvPicPr>
+        <p:blipFill>
+          <a:blip r:embed="rId3"/>
+          <a:stretch>
+            <a:fillRect/>
+          </a:stretch>
+        </p:blipFill>
+        <p:spPr>
+          <a:xfrm>
+            <a:off x="8102495" y="4766872"/>
+            <a:ext cx="4089505" cy="2091128"/>
+          </a:xfrm>
+          <a:prstGeom prst="rect">
+            <a:avLst/>
+          </a:prstGeom>
+        </p:spPr>
+      </p:pic>
     </p:spTree>
     <p:extLst>
       <p:ext uri="{BB962C8B-B14F-4D97-AF65-F5344CB8AC3E}">
@@ -8469,7 +9357,7 @@
                                         <p:tgtEl>
                                           <p:spTgt spid="5">
                                             <p:txEl>
-                                              <p:pRg st="3" end="3"/>
+                                              <p:pRg st="4" end="4"/>
                                             </p:txEl>
                                           </p:spTgt>
                                         </p:tgtEl>
@@ -8567,6 +9455,55 @@
                                         <p:tgtEl>
                                           <p:spTgt spid="5">
                                             <p:txEl>
+                                              <p:pRg st="6" end="6"/>
+                                            </p:txEl>
+                                          </p:spTgt>
+                                        </p:tgtEl>
+                                        <p:attrNameLst>
+                                          <p:attrName>style.visibility</p:attrName>
+                                        </p:attrNameLst>
+                                      </p:cBhvr>
+                                      <p:to>
+                                        <p:strVal val="visible"/>
+                                      </p:to>
+                                    </p:set>
+                                  </p:childTnLst>
+                                </p:cTn>
+                              </p:par>
+                            </p:childTnLst>
+                          </p:cTn>
+                        </p:par>
+                      </p:childTnLst>
+                    </p:cTn>
+                  </p:par>
+                  <p:par>
+                    <p:cTn id="21" fill="hold">
+                      <p:stCondLst>
+                        <p:cond delay="indefinite"/>
+                      </p:stCondLst>
+                      <p:childTnLst>
+                        <p:par>
+                          <p:cTn id="22" fill="hold">
+                            <p:stCondLst>
+                              <p:cond delay="0"/>
+                            </p:stCondLst>
+                            <p:childTnLst>
+                              <p:par>
+                                <p:cTn id="23" presetID="1" presetClass="entr" presetSubtype="0" fill="hold" nodeType="clickEffect">
+                                  <p:stCondLst>
+                                    <p:cond delay="0"/>
+                                  </p:stCondLst>
+                                  <p:childTnLst>
+                                    <p:set>
+                                      <p:cBhvr>
+                                        <p:cTn id="24" dur="1" fill="hold">
+                                          <p:stCondLst>
+                                            <p:cond delay="0"/>
+                                          </p:stCondLst>
+                                        </p:cTn>
+                                        <p:tgtEl>
+                                          <p:spTgt spid="5">
+                                            <p:txEl>
                                               <p:pRg st="7" end="7"/>
                                             </p:txEl>
                                           </p:spTgt>
@@ -8582,15 +9519,33 @@
                                   </p:childTnLst>
                                 </p:cTn>
                               </p:par>
+                            </p:childTnLst>
+                          </p:cTn>
+                        </p:par>
+                      </p:childTnLst>
+                    </p:cTn>
+                  </p:par>
+                  <p:par>
+                    <p:cTn id="25" fill="hold">
+                      <p:stCondLst>
+                        <p:cond delay="indefinite"/>
+                      </p:stCondLst>
+                      <p:childTnLst>
+                        <p:par>
+                          <p:cTn id="26" fill="hold">
+                            <p:stCondLst>
+                              <p:cond delay="0"/>
+                            </p:stCondLst>
+                            <p:childTnLst>
                               <p:par>
-                                <p:cTn id="21" presetID="1" presetClass="entr" presetSubtype="0" fill="hold" nodeType="withEffect">
+                                <p:cTn id="27" presetID="1" presetClass="entr" presetSubtype="0" fill="hold" nodeType="clickEffect">
                                   <p:stCondLst>
                                     <p:cond delay="0"/>
                                   </p:stCondLst>
                                   <p:childTnLst>
                                     <p:set>
                                       <p:cBhvr>
-                                        <p:cTn id="22" dur="1" fill="hold">
+                                        <p:cTn id="28" dur="1" fill="hold">
                                           <p:stCondLst>
                                             <p:cond delay="0"/>
                                           </p:stCondLst>
@@ -8620,26 +9575,75 @@
                     </p:cTn>
                   </p:par>
                   <p:par>
-                    <p:cTn id="23" fill="hold">
+                    <p:cTn id="29" fill="hold">
                       <p:stCondLst>
                         <p:cond delay="indefinite"/>
                       </p:stCondLst>
                       <p:childTnLst>
                         <p:par>
-                          <p:cTn id="24" fill="hold">
+                          <p:cTn id="30" fill="hold">
                             <p:stCondLst>
                               <p:cond delay="0"/>
                             </p:stCondLst>
                             <p:childTnLst>
                               <p:par>
-                                <p:cTn id="25" presetID="1" presetClass="entr" presetSubtype="0" fill="hold" nodeType="clickEffect">
+                                <p:cTn id="31" presetID="1" presetClass="entr" presetSubtype="0" fill="hold" nodeType="clickEffect">
                                   <p:stCondLst>
                                     <p:cond delay="0"/>
                                   </p:stCondLst>
                                   <p:childTnLst>
                                     <p:set>
                                       <p:cBhvr>
-                                        <p:cTn id="26" dur="1" fill="hold">
+                                        <p:cTn id="32" dur="1" fill="hold">
+                                          <p:stCondLst>
+                                            <p:cond delay="0"/>
+                                          </p:stCondLst>
+                                        </p:cTn>
+                                        <p:tgtEl>
+                                          <p:spTgt spid="5">
+                                            <p:txEl>
+                                              <p:pRg st="9" end="9"/>
+                                            </p:txEl>
+                                          </p:spTgt>
+                                        </p:tgtEl>
+                                        <p:attrNameLst>
+                                          <p:attrName>style.visibility</p:attrName>
+                                        </p:attrNameLst>
+                                      </p:cBhvr>
+                                      <p:to>
+                                        <p:strVal val="visible"/>
+                                      </p:to>
+                                    </p:set>
+                                  </p:childTnLst>
+                                </p:cTn>
+                              </p:par>
+                            </p:childTnLst>
+                          </p:cTn>
+                        </p:par>
+                      </p:childTnLst>
+                    </p:cTn>
+                  </p:par>
+                  <p:par>
+                    <p:cTn id="33" fill="hold">
+                      <p:stCondLst>
+                        <p:cond delay="indefinite"/>
+                      </p:stCondLst>
+                      <p:childTnLst>
+                        <p:par>
+                          <p:cTn id="34" fill="hold">
+                            <p:stCondLst>
+                              <p:cond delay="0"/>
+                            </p:stCondLst>
+                            <p:childTnLst>
+                              <p:par>
+                                <p:cTn id="35" presetID="1" presetClass="entr" presetSubtype="0" fill="hold" nodeType="clickEffect">
+                                  <p:stCondLst>
+                                    <p:cond delay="0"/>
+                                  </p:stCondLst>
+                                  <p:childTnLst>
+                                    <p:set>
+                                      <p:cBhvr>
+                                        <p:cTn id="36" dur="1" fill="hold">
                                           <p:stCondLst>
                                             <p:cond delay="0"/>
                                           </p:stCondLst>
@@ -8650,6 +9654,224 @@
                                               <p:pRg st="10" end="10"/>
                                             </p:txEl>
                                           </p:spTgt>
+                                        </p:tgtEl>
+                                        <p:attrNameLst>
+                                          <p:attrName>style.visibility</p:attrName>
+                                        </p:attrNameLst>
+                                      </p:cBhvr>
+                                      <p:to>
+                                        <p:strVal val="visible"/>
+                                      </p:to>
+                                    </p:set>
+                                  </p:childTnLst>
+                                </p:cTn>
+                              </p:par>
+                            </p:childTnLst>
+                          </p:cTn>
+                        </p:par>
+                      </p:childTnLst>
+                    </p:cTn>
+                  </p:par>
+                  <p:par>
+                    <p:cTn id="37" fill="hold">
+                      <p:stCondLst>
+                        <p:cond delay="indefinite"/>
+                      </p:stCondLst>
+                      <p:childTnLst>
+                        <p:par>
+                          <p:cTn id="38" fill="hold">
+                            <p:stCondLst>
+                              <p:cond delay="0"/>
+                            </p:stCondLst>
+                            <p:childTnLst>
+                              <p:par>
+                                <p:cTn id="39" presetID="1" presetClass="entr" presetSubtype="0" fill="hold" nodeType="clickEffect">
+                                  <p:stCondLst>
+                                    <p:cond delay="0"/>
+                                  </p:stCondLst>
+                                  <p:childTnLst>
+                                    <p:set>
+                                      <p:cBhvr>
+                                        <p:cTn id="40" dur="1" fill="hold">
+                                          <p:stCondLst>
+                                            <p:cond delay="0"/>
+                                          </p:stCondLst>
+                                        </p:cTn>
+                                        <p:tgtEl>
+                                          <p:spTgt spid="5">
+                                            <p:txEl>
+                                              <p:pRg st="11" end="11"/>
+                                            </p:txEl>
+                                          </p:spTgt>
+                                        </p:tgtEl>
+                                        <p:attrNameLst>
+                                          <p:attrName>style.visibility</p:attrName>
+                                        </p:attrNameLst>
+                                      </p:cBhvr>
+                                      <p:to>
+                                        <p:strVal val="visible"/>
+                                      </p:to>
+                                    </p:set>
+                                  </p:childTnLst>
+                                </p:cTn>
+                              </p:par>
+                            </p:childTnLst>
+                          </p:cTn>
+                        </p:par>
+                      </p:childTnLst>
+                    </p:cTn>
+                  </p:par>
+                  <p:par>
+                    <p:cTn id="41" fill="hold">
+                      <p:stCondLst>
+                        <p:cond delay="indefinite"/>
+                      </p:stCondLst>
+                      <p:childTnLst>
+                        <p:par>
+                          <p:cTn id="42" fill="hold">
+                            <p:stCondLst>
+                              <p:cond delay="0"/>
+                            </p:stCondLst>
+                            <p:childTnLst>
+                              <p:par>
+                                <p:cTn id="43" presetID="1" presetClass="entr" presetSubtype="0" fill="hold" nodeType="clickEffect">
+                                  <p:stCondLst>
+                                    <p:cond delay="0"/>
+                                  </p:stCondLst>
+                                  <p:childTnLst>
+                                    <p:set>
+                                      <p:cBhvr>
+                                        <p:cTn id="44" dur="1" fill="hold">
+                                          <p:stCondLst>
+                                            <p:cond delay="0"/>
+                                          </p:stCondLst>
+                                        </p:cTn>
+                                        <p:tgtEl>
+                                          <p:spTgt spid="5">
+                                            <p:txEl>
+                                              <p:pRg st="12" end="12"/>
+                                            </p:txEl>
+                                          </p:spTgt>
+                                        </p:tgtEl>
+                                        <p:attrNameLst>
+                                          <p:attrName>style.visibility</p:attrName>
+                                        </p:attrNameLst>
+                                      </p:cBhvr>
+                                      <p:to>
+                                        <p:strVal val="visible"/>
+                                      </p:to>
+                                    </p:set>
+                                  </p:childTnLst>
+                                </p:cTn>
+                              </p:par>
+                              <p:par>
+                                <p:cTn id="45" presetID="1" presetClass="entr" presetSubtype="0" fill="hold" nodeType="withEffect">
+                                  <p:stCondLst>
+                                    <p:cond delay="0"/>
+                                  </p:stCondLst>
+                                  <p:childTnLst>
+                                    <p:set>
+                                      <p:cBhvr>
+                                        <p:cTn id="46" dur="1" fill="hold">
+                                          <p:stCondLst>
+                                            <p:cond delay="0"/>
+                                          </p:stCondLst>
+                                        </p:cTn>
+                                        <p:tgtEl>
+                                          <p:spTgt spid="5">
+                                            <p:txEl>
+                                              <p:pRg st="14" end="14"/>
+                                            </p:txEl>
+                                          </p:spTgt>
+                                        </p:tgtEl>
+                                        <p:attrNameLst>
+                                          <p:attrName>style.visibility</p:attrName>
+                                        </p:attrNameLst>
+                                      </p:cBhvr>
+                                      <p:to>
+                                        <p:strVal val="visible"/>
+                                      </p:to>
+                                    </p:set>
+                                  </p:childTnLst>
+                                </p:cTn>
+                              </p:par>
+                              <p:par>
+                                <p:cTn id="47" presetID="1" presetClass="entr" presetSubtype="0" fill="hold" nodeType="withEffect">
+                                  <p:stCondLst>
+                                    <p:cond delay="0"/>
+                                  </p:stCondLst>
+                                  <p:childTnLst>
+                                    <p:set>
+                                      <p:cBhvr>
+                                        <p:cTn id="48" dur="1" fill="hold">
+                                          <p:stCondLst>
+                                            <p:cond delay="0"/>
+                                          </p:stCondLst>
+                                        </p:cTn>
+                                        <p:tgtEl>
+                                          <p:spTgt spid="5">
+                                            <p:txEl>
+                                              <p:pRg st="16" end="16"/>
+                                            </p:txEl>
+                                          </p:spTgt>
+                                        </p:tgtEl>
+                                        <p:attrNameLst>
+                                          <p:attrName>style.visibility</p:attrName>
+                                        </p:attrNameLst>
+                                      </p:cBhvr>
+                                      <p:to>
+                                        <p:strVal val="visible"/>
+                                      </p:to>
+                                    </p:set>
+                                  </p:childTnLst>
+                                </p:cTn>
+                              </p:par>
+                              <p:par>
+                                <p:cTn id="49" presetID="1" presetClass="entr" presetSubtype="0" fill="hold" nodeType="withEffect">
+                                  <p:stCondLst>
+                                    <p:cond delay="0"/>
+                                  </p:stCondLst>
+                                  <p:childTnLst>
+                                    <p:set>
+                                      <p:cBhvr>
+                                        <p:cTn id="50" dur="1" fill="hold">
+                                          <p:stCondLst>
+                                            <p:cond delay="0"/>
+                                          </p:stCondLst>
+                                        </p:cTn>
+                                        <p:tgtEl>
+                                          <p:spTgt spid="5">
+                                            <p:txEl>
+                                              <p:pRg st="17" end="17"/>
+                                            </p:txEl>
+                                          </p:spTgt>
+                                        </p:tgtEl>
+                                        <p:attrNameLst>
+                                          <p:attrName>style.visibility</p:attrName>
+                                        </p:attrNameLst>
+                                      </p:cBhvr>
+                                      <p:to>
+                                        <p:strVal val="visible"/>
+                                      </p:to>
+                                    </p:set>
+                                  </p:childTnLst>
+                                </p:cTn>
+                              </p:par>
+                              <p:par>
+                                <p:cTn id="51" presetID="1" presetClass="entr" presetSubtype="0" fill="hold" nodeType="withEffect">
+                                  <p:stCondLst>
+                                    <p:cond delay="0"/>
+                                  </p:stCondLst>
+                                  <p:childTnLst>
+                                    <p:set>
+                                      <p:cBhvr>
+                                        <p:cTn id="52" dur="1" fill="hold">
+                                          <p:stCondLst>
+                                            <p:cond delay="0"/>
+                                          </p:stCondLst>
+                                        </p:cTn>
+                                        <p:tgtEl>
+                                          <p:spTgt spid="3"/>
                                         </p:tgtEl>
                                         <p:attrNameLst>
                                           <p:attrName>style.visibility</p:attrName>
@@ -8710,6 +9932,534 @@
           <a:chExt cx="0" cy="0"/>
         </a:xfrm>
       </p:grpSpPr>
+      <p:pic>
+        <p:nvPicPr>
+          <p:cNvPr id="10" name="Picture 9">
+            <a:extLst>
+              <a:ext uri="{FF2B5EF4-FFF2-40B4-BE49-F238E27FC236}">
+                <a16:creationId xmlns:a16="http://schemas.microsoft.com/office/drawing/2014/main" id="{B016E482-D566-60EC-61CB-84BC767911EB}"/>
+              </a:ext>
+            </a:extLst>
+          </p:cNvPr>
+          <p:cNvPicPr>
+            <a:picLocks noChangeAspect="1"/>
+          </p:cNvPicPr>
+          <p:nvPr/>
+        </p:nvPicPr>
+        <p:blipFill>
+          <a:blip r:embed="rId3"/>
+          <a:stretch>
+            <a:fillRect/>
+          </a:stretch>
+        </p:blipFill>
+        <p:spPr>
+          <a:xfrm>
+            <a:off x="477599" y="596051"/>
+            <a:ext cx="8934750" cy="5760132"/>
+          </a:xfrm>
+          <a:prstGeom prst="rect">
+            <a:avLst/>
+          </a:prstGeom>
+        </p:spPr>
+      </p:pic>
+      <p:sp>
+        <p:nvSpPr>
+          <p:cNvPr id="12" name="TextBox 11">
+            <a:extLst>
+              <a:ext uri="{FF2B5EF4-FFF2-40B4-BE49-F238E27FC236}">
+                <a16:creationId xmlns:a16="http://schemas.microsoft.com/office/drawing/2014/main" id="{BB407DA2-EF39-A98D-3103-F10DC7A3E165}"/>
+              </a:ext>
+            </a:extLst>
+          </p:cNvPr>
+          <p:cNvSpPr txBox="1"/>
+          <p:nvPr/>
+        </p:nvSpPr>
+        <p:spPr>
+          <a:xfrm>
+            <a:off x="1085222" y="4446234"/>
+            <a:ext cx="2902162" cy="371789"/>
+          </a:xfrm>
+          <a:prstGeom prst="rect">
+            <a:avLst/>
+          </a:prstGeom>
+          <a:noFill/>
+          <a:ln w="19050">
+            <a:solidFill>
+              <a:srgbClr val="FF0000"/>
+            </a:solidFill>
+          </a:ln>
+        </p:spPr>
+        <p:txBody>
+          <a:bodyPr wrap="square" rtlCol="0">
+            <a:spAutoFit/>
+          </a:bodyPr>
+          <a:lstStyle/>
+          <a:p>
+            <a:endParaRPr lang="en-NP" dirty="0"/>
+          </a:p>
+        </p:txBody>
+      </p:sp>
+      <p:sp>
+        <p:nvSpPr>
+          <p:cNvPr id="13" name="TextBox 12">
+            <a:extLst>
+              <a:ext uri="{FF2B5EF4-FFF2-40B4-BE49-F238E27FC236}">
+                <a16:creationId xmlns:a16="http://schemas.microsoft.com/office/drawing/2014/main" id="{6D87FAD6-4B38-E636-BB7B-533D470892CF}"/>
+              </a:ext>
+            </a:extLst>
+          </p:cNvPr>
+          <p:cNvSpPr txBox="1"/>
+          <p:nvPr/>
+        </p:nvSpPr>
+        <p:spPr>
+          <a:xfrm>
+            <a:off x="1085222" y="5797969"/>
+            <a:ext cx="4923694" cy="155680"/>
+          </a:xfrm>
+          <a:prstGeom prst="rect">
+            <a:avLst/>
+          </a:prstGeom>
+          <a:noFill/>
+          <a:ln w="19050">
+            <a:solidFill>
+              <a:srgbClr val="FF0000"/>
+            </a:solidFill>
+          </a:ln>
+        </p:spPr>
+        <p:txBody>
+          <a:bodyPr wrap="square" rtlCol="0">
+            <a:spAutoFit/>
+          </a:bodyPr>
+          <a:lstStyle/>
+          <a:p>
+            <a:endParaRPr lang="en-NP" dirty="0"/>
+          </a:p>
+        </p:txBody>
+      </p:sp>
+      <p:sp>
+        <p:nvSpPr>
+          <p:cNvPr id="14" name="TextBox 13">
+            <a:extLst>
+              <a:ext uri="{FF2B5EF4-FFF2-40B4-BE49-F238E27FC236}">
+                <a16:creationId xmlns:a16="http://schemas.microsoft.com/office/drawing/2014/main" id="{2AA03CB2-CA0B-FCFE-D793-1B8203A0E06E}"/>
+              </a:ext>
+            </a:extLst>
+          </p:cNvPr>
+          <p:cNvSpPr txBox="1"/>
+          <p:nvPr/>
+        </p:nvSpPr>
+        <p:spPr>
+          <a:xfrm>
+            <a:off x="899410" y="2619270"/>
+            <a:ext cx="3087974" cy="216108"/>
+          </a:xfrm>
+          <a:prstGeom prst="rect">
+            <a:avLst/>
+          </a:prstGeom>
+          <a:noFill/>
+          <a:ln w="19050">
+            <a:solidFill>
+              <a:srgbClr val="FF0000"/>
+            </a:solidFill>
+          </a:ln>
+        </p:spPr>
+        <p:txBody>
+          <a:bodyPr wrap="square" rtlCol="0">
+            <a:spAutoFit/>
+          </a:bodyPr>
+          <a:lstStyle/>
+          <a:p>
+            <a:endParaRPr lang="en-NP" dirty="0"/>
+          </a:p>
+        </p:txBody>
+      </p:sp>
+      <p:sp>
+        <p:nvSpPr>
+          <p:cNvPr id="15" name="TextBox 14">
+            <a:extLst>
+              <a:ext uri="{FF2B5EF4-FFF2-40B4-BE49-F238E27FC236}">
+                <a16:creationId xmlns:a16="http://schemas.microsoft.com/office/drawing/2014/main" id="{2B89BA01-290D-638C-CFC6-51EA53199BDB}"/>
+              </a:ext>
+            </a:extLst>
+          </p:cNvPr>
+          <p:cNvSpPr txBox="1"/>
+          <p:nvPr/>
+        </p:nvSpPr>
+        <p:spPr>
+          <a:xfrm>
+            <a:off x="477598" y="845088"/>
+            <a:ext cx="5188683" cy="880341"/>
+          </a:xfrm>
+          <a:prstGeom prst="rect">
+            <a:avLst/>
+          </a:prstGeom>
+          <a:noFill/>
+          <a:ln w="19050">
+            <a:solidFill>
+              <a:srgbClr val="FF0000"/>
+            </a:solidFill>
+          </a:ln>
+        </p:spPr>
+        <p:txBody>
+          <a:bodyPr wrap="square" rtlCol="0">
+            <a:spAutoFit/>
+          </a:bodyPr>
+          <a:lstStyle/>
+          <a:p>
+            <a:endParaRPr lang="en-NP" dirty="0"/>
+          </a:p>
+        </p:txBody>
+      </p:sp>
+      <p:sp>
+        <p:nvSpPr>
+          <p:cNvPr id="16" name="TextBox 15">
+            <a:extLst>
+              <a:ext uri="{FF2B5EF4-FFF2-40B4-BE49-F238E27FC236}">
+                <a16:creationId xmlns:a16="http://schemas.microsoft.com/office/drawing/2014/main" id="{941A5DFF-36AA-75FE-E856-53F02EE81054}"/>
+              </a:ext>
+            </a:extLst>
+          </p:cNvPr>
+          <p:cNvSpPr txBox="1"/>
+          <p:nvPr/>
+        </p:nvSpPr>
+        <p:spPr>
+          <a:xfrm>
+            <a:off x="7269535" y="3167390"/>
+            <a:ext cx="3404778" cy="461665"/>
+          </a:xfrm>
+          <a:prstGeom prst="rect">
+            <a:avLst/>
+          </a:prstGeom>
+          <a:noFill/>
+        </p:spPr>
+        <p:txBody>
+          <a:bodyPr wrap="none" rtlCol="0">
+            <a:spAutoFit/>
+          </a:bodyPr>
+          <a:lstStyle/>
+          <a:p>
+            <a:r>
+              <a:rPr lang="en-US" sz="2400" b="1" i="1" dirty="0">
+                <a:solidFill>
+                  <a:srgbClr val="0070C0"/>
+                </a:solidFill>
+              </a:rPr>
+              <a:t>R</a:t>
+            </a:r>
+            <a:r>
+              <a:rPr lang="en-NP" sz="2400" b="1" i="1" dirty="0">
+                <a:solidFill>
+                  <a:srgbClr val="0070C0"/>
+                </a:solidFill>
+              </a:rPr>
+              <a:t>egex and beautiful soup</a:t>
+            </a:r>
+          </a:p>
+        </p:txBody>
+      </p:sp>
+      <p:sp>
+        <p:nvSpPr>
+          <p:cNvPr id="17" name="TextBox 16">
+            <a:extLst>
+              <a:ext uri="{FF2B5EF4-FFF2-40B4-BE49-F238E27FC236}">
+                <a16:creationId xmlns:a16="http://schemas.microsoft.com/office/drawing/2014/main" id="{2827956E-880A-67FB-DEAB-7E9950DA1238}"/>
+              </a:ext>
+            </a:extLst>
+          </p:cNvPr>
+          <p:cNvSpPr txBox="1"/>
+          <p:nvPr/>
+        </p:nvSpPr>
+        <p:spPr>
+          <a:xfrm>
+            <a:off x="4379953" y="73222"/>
+            <a:ext cx="6624955" cy="461665"/>
+          </a:xfrm>
+          <a:prstGeom prst="rect">
+            <a:avLst/>
+          </a:prstGeom>
+          <a:noFill/>
+        </p:spPr>
+        <p:txBody>
+          <a:bodyPr wrap="none" rtlCol="0">
+            <a:spAutoFit/>
+          </a:bodyPr>
+          <a:lstStyle/>
+          <a:p>
+            <a:r>
+              <a:rPr lang="en-NP" sz="2400" u="sng" dirty="0"/>
+              <a:t>Narritive Textual Data in Employment Trend column</a:t>
+            </a:r>
+          </a:p>
+        </p:txBody>
+      </p:sp>
+    </p:spTree>
+    <p:extLst>
+      <p:ext uri="{BB962C8B-B14F-4D97-AF65-F5344CB8AC3E}">
+        <p14:creationId xmlns:p14="http://schemas.microsoft.com/office/powerpoint/2010/main" val="1253374824"/>
+      </p:ext>
+    </p:extLst>
+  </p:cSld>
+  <p:clrMapOvr>
+    <a:masterClrMapping/>
+  </p:clrMapOvr>
+  <p:timing>
+    <p:tnLst>
+      <p:par>
+        <p:cTn id="1" dur="indefinite" restart="never" nodeType="tmRoot">
+          <p:childTnLst>
+            <p:seq concurrent="1" nextAc="seek">
+              <p:cTn id="2" dur="indefinite" nodeType="mainSeq">
+                <p:childTnLst>
+                  <p:par>
+                    <p:cTn id="3" fill="hold">
+                      <p:stCondLst>
+                        <p:cond delay="indefinite"/>
+                      </p:stCondLst>
+                      <p:childTnLst>
+                        <p:par>
+                          <p:cTn id="4" fill="hold">
+                            <p:stCondLst>
+                              <p:cond delay="0"/>
+                            </p:stCondLst>
+                            <p:childTnLst>
+                              <p:par>
+                                <p:cTn id="5" presetID="1" presetClass="entr" presetSubtype="0" fill="hold" grpId="0" nodeType="clickEffect">
+                                  <p:stCondLst>
+                                    <p:cond delay="0"/>
+                                  </p:stCondLst>
+                                  <p:childTnLst>
+                                    <p:set>
+                                      <p:cBhvr>
+                                        <p:cTn id="6" dur="1" fill="hold">
+                                          <p:stCondLst>
+                                            <p:cond delay="0"/>
+                                          </p:stCondLst>
+                                        </p:cTn>
+                                        <p:tgtEl>
+                                          <p:spTgt spid="15"/>
+                                        </p:tgtEl>
+                                        <p:attrNameLst>
+                                          <p:attrName>style.visibility</p:attrName>
+                                        </p:attrNameLst>
+                                      </p:cBhvr>
+                                      <p:to>
+                                        <p:strVal val="visible"/>
+                                      </p:to>
+                                    </p:set>
+                                  </p:childTnLst>
+                                </p:cTn>
+                              </p:par>
+                              <p:par>
+                                <p:cTn id="7" presetID="1" presetClass="entr" presetSubtype="0" fill="hold" grpId="0" nodeType="withEffect">
+                                  <p:stCondLst>
+                                    <p:cond delay="0"/>
+                                  </p:stCondLst>
+                                  <p:childTnLst>
+                                    <p:set>
+                                      <p:cBhvr>
+                                        <p:cTn id="8" dur="1" fill="hold">
+                                          <p:stCondLst>
+                                            <p:cond delay="0"/>
+                                          </p:stCondLst>
+                                        </p:cTn>
+                                        <p:tgtEl>
+                                          <p:spTgt spid="14"/>
+                                        </p:tgtEl>
+                                        <p:attrNameLst>
+                                          <p:attrName>style.visibility</p:attrName>
+                                        </p:attrNameLst>
+                                      </p:cBhvr>
+                                      <p:to>
+                                        <p:strVal val="visible"/>
+                                      </p:to>
+                                    </p:set>
+                                  </p:childTnLst>
+                                </p:cTn>
+                              </p:par>
+                              <p:par>
+                                <p:cTn id="9" presetID="1" presetClass="entr" presetSubtype="0" fill="hold" nodeType="withEffect">
+                                  <p:stCondLst>
+                                    <p:cond delay="0"/>
+                                  </p:stCondLst>
+                                  <p:childTnLst>
+                                    <p:set>
+                                      <p:cBhvr>
+                                        <p:cTn id="10" dur="1" fill="hold">
+                                          <p:stCondLst>
+                                            <p:cond delay="0"/>
+                                          </p:stCondLst>
+                                        </p:cTn>
+                                        <p:tgtEl>
+                                          <p:spTgt spid="10"/>
+                                        </p:tgtEl>
+                                        <p:attrNameLst>
+                                          <p:attrName>style.visibility</p:attrName>
+                                        </p:attrNameLst>
+                                      </p:cBhvr>
+                                      <p:to>
+                                        <p:strVal val="visible"/>
+                                      </p:to>
+                                    </p:set>
+                                  </p:childTnLst>
+                                </p:cTn>
+                              </p:par>
+                              <p:par>
+                                <p:cTn id="11" presetID="1" presetClass="entr" presetSubtype="0" fill="hold" grpId="0" nodeType="withEffect">
+                                  <p:stCondLst>
+                                    <p:cond delay="0"/>
+                                  </p:stCondLst>
+                                  <p:childTnLst>
+                                    <p:set>
+                                      <p:cBhvr>
+                                        <p:cTn id="12" dur="1" fill="hold">
+                                          <p:stCondLst>
+                                            <p:cond delay="0"/>
+                                          </p:stCondLst>
+                                        </p:cTn>
+                                        <p:tgtEl>
+                                          <p:spTgt spid="12"/>
+                                        </p:tgtEl>
+                                        <p:attrNameLst>
+                                          <p:attrName>style.visibility</p:attrName>
+                                        </p:attrNameLst>
+                                      </p:cBhvr>
+                                      <p:to>
+                                        <p:strVal val="visible"/>
+                                      </p:to>
+                                    </p:set>
+                                  </p:childTnLst>
+                                </p:cTn>
+                              </p:par>
+                              <p:par>
+                                <p:cTn id="13" presetID="1" presetClass="entr" presetSubtype="0" fill="hold" grpId="0" nodeType="withEffect">
+                                  <p:stCondLst>
+                                    <p:cond delay="0"/>
+                                  </p:stCondLst>
+                                  <p:childTnLst>
+                                    <p:set>
+                                      <p:cBhvr>
+                                        <p:cTn id="14" dur="1" fill="hold">
+                                          <p:stCondLst>
+                                            <p:cond delay="0"/>
+                                          </p:stCondLst>
+                                        </p:cTn>
+                                        <p:tgtEl>
+                                          <p:spTgt spid="13"/>
+                                        </p:tgtEl>
+                                        <p:attrNameLst>
+                                          <p:attrName>style.visibility</p:attrName>
+                                        </p:attrNameLst>
+                                      </p:cBhvr>
+                                      <p:to>
+                                        <p:strVal val="visible"/>
+                                      </p:to>
+                                    </p:set>
+                                  </p:childTnLst>
+                                </p:cTn>
+                              </p:par>
+                            </p:childTnLst>
+                          </p:cTn>
+                        </p:par>
+                      </p:childTnLst>
+                    </p:cTn>
+                  </p:par>
+                  <p:par>
+                    <p:cTn id="15" fill="hold">
+                      <p:stCondLst>
+                        <p:cond delay="indefinite"/>
+                      </p:stCondLst>
+                      <p:childTnLst>
+                        <p:par>
+                          <p:cTn id="16" fill="hold">
+                            <p:stCondLst>
+                              <p:cond delay="0"/>
+                            </p:stCondLst>
+                            <p:childTnLst>
+                              <p:par>
+                                <p:cTn id="17" presetID="1" presetClass="entr" presetSubtype="0" fill="hold" nodeType="clickEffect">
+                                  <p:stCondLst>
+                                    <p:cond delay="0"/>
+                                  </p:stCondLst>
+                                  <p:childTnLst>
+                                    <p:set>
+                                      <p:cBhvr>
+                                        <p:cTn id="18" dur="1" fill="hold">
+                                          <p:stCondLst>
+                                            <p:cond delay="0"/>
+                                          </p:stCondLst>
+                                        </p:cTn>
+                                        <p:tgtEl>
+                                          <p:spTgt spid="16">
+                                            <p:txEl>
+                                              <p:pRg st="0" end="0"/>
+                                            </p:txEl>
+                                          </p:spTgt>
+                                        </p:tgtEl>
+                                        <p:attrNameLst>
+                                          <p:attrName>style.visibility</p:attrName>
+                                        </p:attrNameLst>
+                                      </p:cBhvr>
+                                      <p:to>
+                                        <p:strVal val="visible"/>
+                                      </p:to>
+                                    </p:set>
+                                  </p:childTnLst>
+                                </p:cTn>
+                              </p:par>
+                            </p:childTnLst>
+                          </p:cTn>
+                        </p:par>
+                      </p:childTnLst>
+                    </p:cTn>
+                  </p:par>
+                </p:childTnLst>
+              </p:cTn>
+              <p:prevCondLst>
+                <p:cond evt="onPrev" delay="0">
+                  <p:tgtEl>
+                    <p:sldTgt/>
+                  </p:tgtEl>
+                </p:cond>
+              </p:prevCondLst>
+              <p:nextCondLst>
+                <p:cond evt="onNext" delay="0">
+                  <p:tgtEl>
+                    <p:sldTgt/>
+                  </p:tgtEl>
+                </p:cond>
+              </p:nextCondLst>
+            </p:seq>
+          </p:childTnLst>
+        </p:cTn>
+      </p:par>
+    </p:tnLst>
+    <p:bldLst>
+      <p:bldP spid="12" grpId="0" animBg="1"/>
+      <p:bldP spid="13" grpId="0" animBg="1"/>
+      <p:bldP spid="14" grpId="0" animBg="1"/>
+      <p:bldP spid="15" grpId="0" animBg="1"/>
+    </p:bldLst>
+  </p:timing>
+</p:sld>
+</file>
+
+<file path=ppt/slides/slide8.xml><?xml version="1.0" encoding="utf-8"?>
+<p:sld xmlns:a="http://schemas.openxmlformats.org/drawingml/2006/main" xmlns:r="http://schemas.openxmlformats.org/officeDocument/2006/relationships" xmlns:p="http://schemas.openxmlformats.org/presentationml/2006/main">
+  <p:cSld>
+    <p:spTree>
+      <p:nvGrpSpPr>
+        <p:cNvPr id="1" name=""/>
+        <p:cNvGrpSpPr/>
+        <p:nvPr/>
+      </p:nvGrpSpPr>
+      <p:grpSpPr>
+        <a:xfrm>
+          <a:off x="0" y="0"/>
+          <a:ext cx="0" cy="0"/>
+          <a:chOff x="0" y="0"/>
+          <a:chExt cx="0" cy="0"/>
+        </a:xfrm>
+      </p:grpSpPr>
       <p:sp>
         <p:nvSpPr>
           <p:cNvPr id="2" name="Title 1">
@@ -8742,7 +10492,7 @@
               <a:rPr lang="en-NP" sz="3600" dirty="0">
                 <a:latin typeface=""/>
               </a:rPr>
-              <a:t>Data cleaning and transformation </a:t>
+              <a:t>Cleaned Dataset used for analysis</a:t>
             </a:r>
           </a:p>
         </p:txBody>
@@ -8842,7 +10592,7 @@
         </p:nvSpPr>
         <p:spPr>
           <a:xfrm>
-            <a:off x="813571" y="4970868"/>
+            <a:off x="284370" y="4802387"/>
             <a:ext cx="6854779" cy="1200329"/>
           </a:xfrm>
           <a:prstGeom prst="rect">
@@ -8948,253 +10698,174 @@
   <p:clrMapOvr>
     <a:masterClrMapping/>
   </p:clrMapOvr>
-</p:sld>
-</file>
-
-<file path=ppt/slides/slide8.xml><?xml version="1.0" encoding="utf-8"?>
-<p:sld xmlns:a="http://schemas.openxmlformats.org/drawingml/2006/main" xmlns:r="http://schemas.openxmlformats.org/officeDocument/2006/relationships" xmlns:p="http://schemas.openxmlformats.org/presentationml/2006/main">
-  <p:cSld>
-    <p:spTree>
-      <p:nvGrpSpPr>
-        <p:cNvPr id="1" name=""/>
-        <p:cNvGrpSpPr/>
-        <p:nvPr/>
-      </p:nvGrpSpPr>
-      <p:grpSpPr>
-        <a:xfrm>
-          <a:off x="0" y="0"/>
-          <a:ext cx="0" cy="0"/>
-          <a:chOff x="0" y="0"/>
-          <a:chExt cx="0" cy="0"/>
-        </a:xfrm>
-      </p:grpSpPr>
-      <p:pic>
-        <p:nvPicPr>
-          <p:cNvPr id="10" name="Picture 9">
-            <a:extLst>
-              <a:ext uri="{FF2B5EF4-FFF2-40B4-BE49-F238E27FC236}">
-                <a16:creationId xmlns:a16="http://schemas.microsoft.com/office/drawing/2014/main" id="{B016E482-D566-60EC-61CB-84BC767911EB}"/>
-              </a:ext>
-            </a:extLst>
-          </p:cNvPr>
-          <p:cNvPicPr>
-            <a:picLocks noChangeAspect="1"/>
-          </p:cNvPicPr>
-          <p:nvPr/>
-        </p:nvPicPr>
-        <p:blipFill>
-          <a:blip r:embed="rId3"/>
-          <a:stretch>
-            <a:fillRect/>
-          </a:stretch>
-        </p:blipFill>
-        <p:spPr>
-          <a:xfrm>
-            <a:off x="477599" y="596051"/>
-            <a:ext cx="8934750" cy="5760132"/>
-          </a:xfrm>
-          <a:prstGeom prst="rect">
-            <a:avLst/>
-          </a:prstGeom>
-        </p:spPr>
-      </p:pic>
-      <p:sp>
-        <p:nvSpPr>
-          <p:cNvPr id="12" name="TextBox 11">
-            <a:extLst>
-              <a:ext uri="{FF2B5EF4-FFF2-40B4-BE49-F238E27FC236}">
-                <a16:creationId xmlns:a16="http://schemas.microsoft.com/office/drawing/2014/main" id="{BB407DA2-EF39-A98D-3103-F10DC7A3E165}"/>
-              </a:ext>
-            </a:extLst>
-          </p:cNvPr>
-          <p:cNvSpPr txBox="1"/>
-          <p:nvPr/>
-        </p:nvSpPr>
-        <p:spPr>
-          <a:xfrm>
-            <a:off x="1085222" y="4446234"/>
-            <a:ext cx="2902162" cy="371789"/>
-          </a:xfrm>
-          <a:prstGeom prst="rect">
-            <a:avLst/>
-          </a:prstGeom>
-          <a:noFill/>
-          <a:ln w="19050">
-            <a:solidFill>
-              <a:srgbClr val="FF0000"/>
-            </a:solidFill>
-          </a:ln>
-        </p:spPr>
-        <p:txBody>
-          <a:bodyPr wrap="square" rtlCol="0">
-            <a:spAutoFit/>
-          </a:bodyPr>
-          <a:lstStyle/>
-          <a:p>
-            <a:endParaRPr lang="en-NP" dirty="0"/>
-          </a:p>
-        </p:txBody>
-      </p:sp>
-      <p:sp>
-        <p:nvSpPr>
-          <p:cNvPr id="13" name="TextBox 12">
-            <a:extLst>
-              <a:ext uri="{FF2B5EF4-FFF2-40B4-BE49-F238E27FC236}">
-                <a16:creationId xmlns:a16="http://schemas.microsoft.com/office/drawing/2014/main" id="{6D87FAD6-4B38-E636-BB7B-533D470892CF}"/>
-              </a:ext>
-            </a:extLst>
-          </p:cNvPr>
-          <p:cNvSpPr txBox="1"/>
-          <p:nvPr/>
-        </p:nvSpPr>
-        <p:spPr>
-          <a:xfrm>
-            <a:off x="1085222" y="5797969"/>
-            <a:ext cx="4923694" cy="155680"/>
-          </a:xfrm>
-          <a:prstGeom prst="rect">
-            <a:avLst/>
-          </a:prstGeom>
-          <a:noFill/>
-          <a:ln w="19050">
-            <a:solidFill>
-              <a:srgbClr val="FF0000"/>
-            </a:solidFill>
-          </a:ln>
-        </p:spPr>
-        <p:txBody>
-          <a:bodyPr wrap="square" rtlCol="0">
-            <a:spAutoFit/>
-          </a:bodyPr>
-          <a:lstStyle/>
-          <a:p>
-            <a:endParaRPr lang="en-NP" dirty="0"/>
-          </a:p>
-        </p:txBody>
-      </p:sp>
-      <p:sp>
-        <p:nvSpPr>
-          <p:cNvPr id="14" name="TextBox 13">
-            <a:extLst>
-              <a:ext uri="{FF2B5EF4-FFF2-40B4-BE49-F238E27FC236}">
-                <a16:creationId xmlns:a16="http://schemas.microsoft.com/office/drawing/2014/main" id="{2AA03CB2-CA0B-FCFE-D793-1B8203A0E06E}"/>
-              </a:ext>
-            </a:extLst>
-          </p:cNvPr>
-          <p:cNvSpPr txBox="1"/>
-          <p:nvPr/>
-        </p:nvSpPr>
-        <p:spPr>
-          <a:xfrm>
-            <a:off x="1415005" y="2632124"/>
-            <a:ext cx="874207" cy="203254"/>
-          </a:xfrm>
-          <a:prstGeom prst="rect">
-            <a:avLst/>
-          </a:prstGeom>
-          <a:noFill/>
-          <a:ln w="19050">
-            <a:solidFill>
-              <a:srgbClr val="FF0000"/>
-            </a:solidFill>
-          </a:ln>
-        </p:spPr>
-        <p:txBody>
-          <a:bodyPr wrap="square" rtlCol="0">
-            <a:spAutoFit/>
-          </a:bodyPr>
-          <a:lstStyle/>
-          <a:p>
-            <a:endParaRPr lang="en-NP" dirty="0"/>
-          </a:p>
-        </p:txBody>
-      </p:sp>
-      <p:sp>
-        <p:nvSpPr>
-          <p:cNvPr id="15" name="TextBox 14">
-            <a:extLst>
-              <a:ext uri="{FF2B5EF4-FFF2-40B4-BE49-F238E27FC236}">
-                <a16:creationId xmlns:a16="http://schemas.microsoft.com/office/drawing/2014/main" id="{2B89BA01-290D-638C-CFC6-51EA53199BDB}"/>
-              </a:ext>
-            </a:extLst>
-          </p:cNvPr>
-          <p:cNvSpPr txBox="1"/>
-          <p:nvPr/>
-        </p:nvSpPr>
-        <p:spPr>
-          <a:xfrm>
-            <a:off x="477598" y="845088"/>
-            <a:ext cx="5188683" cy="880341"/>
-          </a:xfrm>
-          <a:prstGeom prst="rect">
-            <a:avLst/>
-          </a:prstGeom>
-          <a:noFill/>
-          <a:ln w="19050">
-            <a:solidFill>
-              <a:srgbClr val="FF0000"/>
-            </a:solidFill>
-          </a:ln>
-        </p:spPr>
-        <p:txBody>
-          <a:bodyPr wrap="square" rtlCol="0">
-            <a:spAutoFit/>
-          </a:bodyPr>
-          <a:lstStyle/>
-          <a:p>
-            <a:endParaRPr lang="en-NP" dirty="0"/>
-          </a:p>
-        </p:txBody>
-      </p:sp>
-      <p:sp>
-        <p:nvSpPr>
-          <p:cNvPr id="16" name="TextBox 15">
-            <a:extLst>
-              <a:ext uri="{FF2B5EF4-FFF2-40B4-BE49-F238E27FC236}">
-                <a16:creationId xmlns:a16="http://schemas.microsoft.com/office/drawing/2014/main" id="{941A5DFF-36AA-75FE-E856-53F02EE81054}"/>
-              </a:ext>
-            </a:extLst>
-          </p:cNvPr>
-          <p:cNvSpPr txBox="1"/>
-          <p:nvPr/>
-        </p:nvSpPr>
-        <p:spPr>
-          <a:xfrm>
-            <a:off x="7704250" y="4632128"/>
-            <a:ext cx="3326103" cy="461665"/>
-          </a:xfrm>
-          <a:prstGeom prst="rect">
-            <a:avLst/>
-          </a:prstGeom>
-          <a:noFill/>
-        </p:spPr>
-        <p:txBody>
-          <a:bodyPr wrap="none" rtlCol="0">
-            <a:spAutoFit/>
-          </a:bodyPr>
-          <a:lstStyle/>
-          <a:p>
-            <a:r>
-              <a:rPr lang="en-US" sz="2400" i="1" dirty="0"/>
-              <a:t>R</a:t>
-            </a:r>
-            <a:r>
-              <a:rPr lang="en-NP" sz="2400" i="1" dirty="0"/>
-              <a:t>egex and beautiful soup</a:t>
-            </a:r>
-          </a:p>
-        </p:txBody>
-      </p:sp>
-    </p:spTree>
-    <p:extLst>
-      <p:ext uri="{BB962C8B-B14F-4D97-AF65-F5344CB8AC3E}">
-        <p14:creationId xmlns:p14="http://schemas.microsoft.com/office/powerpoint/2010/main" val="1253374824"/>
-      </p:ext>
-    </p:extLst>
-  </p:cSld>
-  <p:clrMapOvr>
-    <a:masterClrMapping/>
-  </p:clrMapOvr>
+  <p:timing>
+    <p:tnLst>
+      <p:par>
+        <p:cTn id="1" dur="indefinite" restart="never" nodeType="tmRoot">
+          <p:childTnLst>
+            <p:seq concurrent="1" nextAc="seek">
+              <p:cTn id="2" dur="indefinite" nodeType="mainSeq">
+                <p:childTnLst>
+                  <p:par>
+                    <p:cTn id="3" fill="hold">
+                      <p:stCondLst>
+                        <p:cond delay="indefinite"/>
+                      </p:stCondLst>
+                      <p:childTnLst>
+                        <p:par>
+                          <p:cTn id="4" fill="hold">
+                            <p:stCondLst>
+                              <p:cond delay="0"/>
+                            </p:stCondLst>
+                            <p:childTnLst>
+                              <p:par>
+                                <p:cTn id="5" presetID="1" presetClass="entr" presetSubtype="0" fill="hold" nodeType="clickEffect">
+                                  <p:stCondLst>
+                                    <p:cond delay="0"/>
+                                  </p:stCondLst>
+                                  <p:childTnLst>
+                                    <p:set>
+                                      <p:cBhvr>
+                                        <p:cTn id="6" dur="1" fill="hold">
+                                          <p:stCondLst>
+                                            <p:cond delay="0"/>
+                                          </p:stCondLst>
+                                        </p:cTn>
+                                        <p:tgtEl>
+                                          <p:spTgt spid="11"/>
+                                        </p:tgtEl>
+                                        <p:attrNameLst>
+                                          <p:attrName>style.visibility</p:attrName>
+                                        </p:attrNameLst>
+                                      </p:cBhvr>
+                                      <p:to>
+                                        <p:strVal val="visible"/>
+                                      </p:to>
+                                    </p:set>
+                                  </p:childTnLst>
+                                </p:cTn>
+                              </p:par>
+                            </p:childTnLst>
+                          </p:cTn>
+                        </p:par>
+                      </p:childTnLst>
+                    </p:cTn>
+                  </p:par>
+                  <p:par>
+                    <p:cTn id="7" fill="hold">
+                      <p:stCondLst>
+                        <p:cond delay="indefinite"/>
+                      </p:stCondLst>
+                      <p:childTnLst>
+                        <p:par>
+                          <p:cTn id="8" fill="hold">
+                            <p:stCondLst>
+                              <p:cond delay="0"/>
+                            </p:stCondLst>
+                            <p:childTnLst>
+                              <p:par>
+                                <p:cTn id="9" presetID="1" presetClass="entr" presetSubtype="0" fill="hold" grpId="0" nodeType="clickEffect">
+                                  <p:stCondLst>
+                                    <p:cond delay="0"/>
+                                  </p:stCondLst>
+                                  <p:childTnLst>
+                                    <p:set>
+                                      <p:cBhvr>
+                                        <p:cTn id="10" dur="1" fill="hold">
+                                          <p:stCondLst>
+                                            <p:cond delay="0"/>
+                                          </p:stCondLst>
+                                        </p:cTn>
+                                        <p:tgtEl>
+                                          <p:spTgt spid="13"/>
+                                        </p:tgtEl>
+                                        <p:attrNameLst>
+                                          <p:attrName>style.visibility</p:attrName>
+                                        </p:attrNameLst>
+                                      </p:cBhvr>
+                                      <p:to>
+                                        <p:strVal val="visible"/>
+                                      </p:to>
+                                    </p:set>
+                                  </p:childTnLst>
+                                </p:cTn>
+                              </p:par>
+                            </p:childTnLst>
+                          </p:cTn>
+                        </p:par>
+                      </p:childTnLst>
+                    </p:cTn>
+                  </p:par>
+                  <p:par>
+                    <p:cTn id="11" fill="hold">
+                      <p:stCondLst>
+                        <p:cond delay="indefinite"/>
+                      </p:stCondLst>
+                      <p:childTnLst>
+                        <p:par>
+                          <p:cTn id="12" fill="hold">
+                            <p:stCondLst>
+                              <p:cond delay="0"/>
+                            </p:stCondLst>
+                            <p:childTnLst>
+                              <p:par>
+                                <p:cTn id="13" presetID="1" presetClass="entr" presetSubtype="0" fill="hold" nodeType="clickEffect">
+                                  <p:stCondLst>
+                                    <p:cond delay="0"/>
+                                  </p:stCondLst>
+                                  <p:childTnLst>
+                                    <p:set>
+                                      <p:cBhvr>
+                                        <p:cTn id="14" dur="1" fill="hold">
+                                          <p:stCondLst>
+                                            <p:cond delay="0"/>
+                                          </p:stCondLst>
+                                        </p:cTn>
+                                        <p:tgtEl>
+                                          <p:spTgt spid="18"/>
+                                        </p:tgtEl>
+                                        <p:attrNameLst>
+                                          <p:attrName>style.visibility</p:attrName>
+                                        </p:attrNameLst>
+                                      </p:cBhvr>
+                                      <p:to>
+                                        <p:strVal val="visible"/>
+                                      </p:to>
+                                    </p:set>
+                                  </p:childTnLst>
+                                </p:cTn>
+                              </p:par>
+                            </p:childTnLst>
+                          </p:cTn>
+                        </p:par>
+                      </p:childTnLst>
+                    </p:cTn>
+                  </p:par>
+                </p:childTnLst>
+              </p:cTn>
+              <p:prevCondLst>
+                <p:cond evt="onPrev" delay="0">
+                  <p:tgtEl>
+                    <p:sldTgt/>
+                  </p:tgtEl>
+                </p:cond>
+              </p:prevCondLst>
+              <p:nextCondLst>
+                <p:cond evt="onNext" delay="0">
+                  <p:tgtEl>
+                    <p:sldTgt/>
+                  </p:tgtEl>
+                </p:cond>
+              </p:nextCondLst>
+            </p:seq>
+          </p:childTnLst>
+        </p:cTn>
+      </p:par>
+    </p:tnLst>
+    <p:bldLst>
+      <p:bldP spid="13" grpId="0"/>
+    </p:bldLst>
+  </p:timing>
 </p:sld>
 </file>
 
@@ -9277,7 +10948,7 @@
         </p:blipFill>
         <p:spPr>
           <a:xfrm>
-            <a:off x="2001810" y="809469"/>
+            <a:off x="1342243" y="899410"/>
             <a:ext cx="8671185" cy="5780790"/>
           </a:xfrm>
           <a:prstGeom prst="rect">
@@ -9285,6 +10956,75 @@
           </a:prstGeom>
         </p:spPr>
       </p:pic>
+      <p:sp>
+        <p:nvSpPr>
+          <p:cNvPr id="9" name="TextBox 8">
+            <a:extLst>
+              <a:ext uri="{FF2B5EF4-FFF2-40B4-BE49-F238E27FC236}">
+                <a16:creationId xmlns:a16="http://schemas.microsoft.com/office/drawing/2014/main" id="{FB274F62-1972-0FFB-28CA-0DF40F1D600F}"/>
+              </a:ext>
+            </a:extLst>
+          </p:cNvPr>
+          <p:cNvSpPr txBox="1"/>
+          <p:nvPr/>
+        </p:nvSpPr>
+        <p:spPr>
+          <a:xfrm>
+            <a:off x="7423570" y="5842337"/>
+            <a:ext cx="4520148" cy="1015663"/>
+          </a:xfrm>
+          <a:prstGeom prst="rect">
+            <a:avLst/>
+          </a:prstGeom>
+          <a:noFill/>
+        </p:spPr>
+        <p:txBody>
+          <a:bodyPr wrap="none" rtlCol="0">
+            <a:spAutoFit/>
+          </a:bodyPr>
+          <a:lstStyle/>
+          <a:p>
+            <a:r>
+              <a:rPr lang="en-NP" sz="1400" i="1" dirty="0"/>
+              <a:t>Computer network and</a:t>
+            </a:r>
+          </a:p>
+          <a:p>
+            <a:r>
+              <a:rPr lang="en-US" sz="1400" i="1" dirty="0"/>
+              <a:t>T</a:t>
+            </a:r>
+            <a:r>
+              <a:rPr lang="en-NP" sz="1400" i="1" dirty="0"/>
+              <a:t>echnicians has highest</a:t>
+            </a:r>
+          </a:p>
+          <a:p>
+            <a:r>
+              <a:rPr lang="en-US" sz="1400" i="1" dirty="0"/>
+              <a:t>N</a:t>
+            </a:r>
+            <a:r>
+              <a:rPr lang="en-NP" sz="1400" i="1" dirty="0"/>
+              <a:t>umber of people employed</a:t>
+            </a:r>
+          </a:p>
+          <a:p>
+            <a:r>
+              <a:rPr lang="en-US" sz="1400" i="1" dirty="0"/>
+              <a:t>F</a:t>
+            </a:r>
+            <a:r>
+              <a:rPr lang="en-NP" sz="1400" i="1" dirty="0"/>
+              <a:t>ollowed by computer and information systems </a:t>
+            </a:r>
+            <a:r>
+              <a:rPr lang="en-NP" i="1" dirty="0"/>
+              <a:t>manager</a:t>
+            </a:r>
+          </a:p>
+        </p:txBody>
+      </p:sp>
     </p:spTree>
     <p:extLst>
       <p:ext uri="{BB962C8B-B14F-4D97-AF65-F5344CB8AC3E}">

--- a/nosqldatabase/Presentation5.pptx
+++ b/nosqldatabase/Presentation5.pptx
@@ -5,7 +5,7 @@
     <p:sldMasterId id="2147483823" r:id="rId1"/>
   </p:sldMasterIdLst>
   <p:notesMasterIdLst>
-    <p:notesMasterId r:id="rId19"/>
+    <p:notesMasterId r:id="rId18"/>
   </p:notesMasterIdLst>
   <p:sldIdLst>
     <p:sldId id="256" r:id="rId2"/>
@@ -21,10 +21,9 @@
     <p:sldId id="268" r:id="rId12"/>
     <p:sldId id="277" r:id="rId13"/>
     <p:sldId id="278" r:id="rId14"/>
-    <p:sldId id="279" r:id="rId15"/>
-    <p:sldId id="273" r:id="rId16"/>
-    <p:sldId id="280" r:id="rId17"/>
-    <p:sldId id="274" r:id="rId18"/>
+    <p:sldId id="273" r:id="rId15"/>
+    <p:sldId id="280" r:id="rId16"/>
+    <p:sldId id="274" r:id="rId17"/>
   </p:sldIdLst>
   <p:sldSz cx="12192000" cy="6858000"/>
   <p:notesSz cx="6858000" cy="9144000"/>
@@ -213,7 +212,7 @@
           <a:p>
             <a:fld id="{00C34A7A-E1FA-414D-9580-422F17FC2C32}" type="datetimeFigureOut">
               <a:rPr lang="en-NP" smtClean="0"/>
-              <a:t>14/04/2024</a:t>
+              <a:t>17/04/2024</a:t>
             </a:fld>
             <a:endParaRPr lang="en-NP"/>
           </a:p>
@@ -975,7 +974,7 @@
     </p:spTree>
     <p:extLst>
       <p:ext uri="{BB962C8B-B14F-4D97-AF65-F5344CB8AC3E}">
-        <p14:creationId xmlns:p14="http://schemas.microsoft.com/office/powerpoint/2010/main" val="1160097312"/>
+        <p14:creationId xmlns:p14="http://schemas.microsoft.com/office/powerpoint/2010/main" val="3141980281"/>
       </p:ext>
     </p:extLst>
   </p:cSld>
@@ -1059,7 +1058,7 @@
     </p:spTree>
     <p:extLst>
       <p:ext uri="{BB962C8B-B14F-4D97-AF65-F5344CB8AC3E}">
-        <p14:creationId xmlns:p14="http://schemas.microsoft.com/office/powerpoint/2010/main" val="3141980281"/>
+        <p14:creationId xmlns:p14="http://schemas.microsoft.com/office/powerpoint/2010/main" val="3299046374"/>
       </p:ext>
     </p:extLst>
   </p:cSld>
@@ -1135,90 +1134,6 @@
             <a:fld id="{23000FB0-6FB3-AD4B-9B14-44125821A656}" type="slidenum">
               <a:rPr lang="en-NP" smtClean="0"/>
               <a:t>16</a:t>
-            </a:fld>
-            <a:endParaRPr lang="en-NP"/>
-          </a:p>
-        </p:txBody>
-      </p:sp>
-    </p:spTree>
-    <p:extLst>
-      <p:ext uri="{BB962C8B-B14F-4D97-AF65-F5344CB8AC3E}">
-        <p14:creationId xmlns:p14="http://schemas.microsoft.com/office/powerpoint/2010/main" val="3299046374"/>
-      </p:ext>
-    </p:extLst>
-  </p:cSld>
-  <p:clrMapOvr>
-    <a:masterClrMapping/>
-  </p:clrMapOvr>
-</p:notes>
-</file>
-
-<file path=ppt/notesSlides/notesSlide17.xml><?xml version="1.0" encoding="utf-8"?>
-<p:notes xmlns:a="http://schemas.openxmlformats.org/drawingml/2006/main" xmlns:r="http://schemas.openxmlformats.org/officeDocument/2006/relationships" xmlns:p="http://schemas.openxmlformats.org/presentationml/2006/main">
-  <p:cSld>
-    <p:spTree>
-      <p:nvGrpSpPr>
-        <p:cNvPr id="1" name=""/>
-        <p:cNvGrpSpPr/>
-        <p:nvPr/>
-      </p:nvGrpSpPr>
-      <p:grpSpPr>
-        <a:xfrm>
-          <a:off x="0" y="0"/>
-          <a:ext cx="0" cy="0"/>
-          <a:chOff x="0" y="0"/>
-          <a:chExt cx="0" cy="0"/>
-        </a:xfrm>
-      </p:grpSpPr>
-      <p:sp>
-        <p:nvSpPr>
-          <p:cNvPr id="2" name="Slide Image Placeholder 1"/>
-          <p:cNvSpPr>
-            <a:spLocks noGrp="1" noRot="1" noChangeAspect="1"/>
-          </p:cNvSpPr>
-          <p:nvPr>
-            <p:ph type="sldImg"/>
-          </p:nvPr>
-        </p:nvSpPr>
-        <p:spPr/>
-      </p:sp>
-      <p:sp>
-        <p:nvSpPr>
-          <p:cNvPr id="3" name="Notes Placeholder 2"/>
-          <p:cNvSpPr>
-            <a:spLocks noGrp="1"/>
-          </p:cNvSpPr>
-          <p:nvPr>
-            <p:ph type="body" idx="1"/>
-          </p:nvPr>
-        </p:nvSpPr>
-        <p:spPr/>
-        <p:txBody>
-          <a:bodyPr/>
-          <a:lstStyle/>
-          <a:p>
-            <a:endParaRPr lang="en-NP"/>
-          </a:p>
-        </p:txBody>
-      </p:sp>
-      <p:sp>
-        <p:nvSpPr>
-          <p:cNvPr id="4" name="Slide Number Placeholder 3"/>
-          <p:cNvSpPr>
-            <a:spLocks noGrp="1"/>
-          </p:cNvSpPr>
-          <p:nvPr>
-            <p:ph type="sldNum" sz="quarter" idx="5"/>
-          </p:nvPr>
-        </p:nvSpPr>
-        <p:spPr/>
-        <p:txBody>
-          <a:bodyPr/>
-          <a:lstStyle/>
-          <a:p>
-            <a:fld id="{23000FB0-6FB3-AD4B-9B14-44125821A656}" type="slidenum">
-              <a:rPr lang="en-NP" smtClean="0"/>
-              <a:t>17</a:t>
             </a:fld>
             <a:endParaRPr lang="en-NP"/>
           </a:p>
@@ -2082,7 +1997,7 @@
           <a:p>
             <a:fld id="{A4BF3450-BA41-5048-8667-1F61E2E0538F}" type="datetimeFigureOut">
               <a:rPr lang="en-NP" smtClean="0"/>
-              <a:t>14/04/2024</a:t>
+              <a:t>17/04/2024</a:t>
             </a:fld>
             <a:endParaRPr lang="en-NP"/>
           </a:p>
@@ -2282,7 +2197,7 @@
           <a:p>
             <a:fld id="{A4BF3450-BA41-5048-8667-1F61E2E0538F}" type="datetimeFigureOut">
               <a:rPr lang="en-NP" smtClean="0"/>
-              <a:t>14/04/2024</a:t>
+              <a:t>17/04/2024</a:t>
             </a:fld>
             <a:endParaRPr lang="en-NP"/>
           </a:p>
@@ -2492,7 +2407,7 @@
           <a:p>
             <a:fld id="{A4BF3450-BA41-5048-8667-1F61E2E0538F}" type="datetimeFigureOut">
               <a:rPr lang="en-NP" smtClean="0"/>
-              <a:t>14/04/2024</a:t>
+              <a:t>17/04/2024</a:t>
             </a:fld>
             <a:endParaRPr lang="en-NP"/>
           </a:p>
@@ -2692,7 +2607,7 @@
           <a:p>
             <a:fld id="{A4BF3450-BA41-5048-8667-1F61E2E0538F}" type="datetimeFigureOut">
               <a:rPr lang="en-NP" smtClean="0"/>
-              <a:t>14/04/2024</a:t>
+              <a:t>17/04/2024</a:t>
             </a:fld>
             <a:endParaRPr lang="en-NP"/>
           </a:p>
@@ -2968,7 +2883,7 @@
           <a:p>
             <a:fld id="{A4BF3450-BA41-5048-8667-1F61E2E0538F}" type="datetimeFigureOut">
               <a:rPr lang="en-NP" smtClean="0"/>
-              <a:t>14/04/2024</a:t>
+              <a:t>17/04/2024</a:t>
             </a:fld>
             <a:endParaRPr lang="en-NP"/>
           </a:p>
@@ -3236,7 +3151,7 @@
           <a:p>
             <a:fld id="{A4BF3450-BA41-5048-8667-1F61E2E0538F}" type="datetimeFigureOut">
               <a:rPr lang="en-NP" smtClean="0"/>
-              <a:t>14/04/2024</a:t>
+              <a:t>17/04/2024</a:t>
             </a:fld>
             <a:endParaRPr lang="en-NP"/>
           </a:p>
@@ -3651,7 +3566,7 @@
           <a:p>
             <a:fld id="{A4BF3450-BA41-5048-8667-1F61E2E0538F}" type="datetimeFigureOut">
               <a:rPr lang="en-NP" smtClean="0"/>
-              <a:t>14/04/2024</a:t>
+              <a:t>17/04/2024</a:t>
             </a:fld>
             <a:endParaRPr lang="en-NP"/>
           </a:p>
@@ -3793,7 +3708,7 @@
           <a:p>
             <a:fld id="{A4BF3450-BA41-5048-8667-1F61E2E0538F}" type="datetimeFigureOut">
               <a:rPr lang="en-NP" smtClean="0"/>
-              <a:t>14/04/2024</a:t>
+              <a:t>17/04/2024</a:t>
             </a:fld>
             <a:endParaRPr lang="en-NP"/>
           </a:p>
@@ -3906,7 +3821,7 @@
           <a:p>
             <a:fld id="{A4BF3450-BA41-5048-8667-1F61E2E0538F}" type="datetimeFigureOut">
               <a:rPr lang="en-NP" smtClean="0"/>
-              <a:t>14/04/2024</a:t>
+              <a:t>17/04/2024</a:t>
             </a:fld>
             <a:endParaRPr lang="en-NP"/>
           </a:p>
@@ -4219,7 +4134,7 @@
           <a:p>
             <a:fld id="{A4BF3450-BA41-5048-8667-1F61E2E0538F}" type="datetimeFigureOut">
               <a:rPr lang="en-NP" smtClean="0"/>
-              <a:t>14/04/2024</a:t>
+              <a:t>17/04/2024</a:t>
             </a:fld>
             <a:endParaRPr lang="en-NP"/>
           </a:p>
@@ -4508,7 +4423,7 @@
           <a:p>
             <a:fld id="{A4BF3450-BA41-5048-8667-1F61E2E0538F}" type="datetimeFigureOut">
               <a:rPr lang="en-NP" smtClean="0"/>
-              <a:t>14/04/2024</a:t>
+              <a:t>17/04/2024</a:t>
             </a:fld>
             <a:endParaRPr lang="en-NP"/>
           </a:p>
@@ -4751,7 +4666,7 @@
           <a:p>
             <a:fld id="{A4BF3450-BA41-5048-8667-1F61E2E0538F}" type="datetimeFigureOut">
               <a:rPr lang="en-NP" smtClean="0"/>
-              <a:t>14/04/2024</a:t>
+              <a:t>17/04/2024</a:t>
             </a:fld>
             <a:endParaRPr lang="en-NP"/>
           </a:p>
@@ -5195,7 +5110,7 @@
               <a:rPr lang="en-US" sz="3600" dirty="0">
                 <a:latin typeface=""/>
               </a:rPr>
-              <a:t>Analyzing NOC Job titles  across Canada with Lambton College IT course</a:t>
+              <a:t>Analyzing NOC Job titles across Canada</a:t>
             </a:r>
             <a:endParaRPr lang="en-NP" sz="3600" dirty="0">
               <a:latin typeface=""/>
@@ -5360,8 +5275,8 @@
         </p:nvSpPr>
         <p:spPr>
           <a:xfrm>
-            <a:off x="7328018" y="5671353"/>
-            <a:ext cx="5258872" cy="861774"/>
+            <a:off x="6768343" y="5903893"/>
+            <a:ext cx="5423657" cy="954107"/>
           </a:xfrm>
           <a:prstGeom prst="rect">
             <a:avLst/>
@@ -5374,24 +5289,28 @@
           </a:bodyPr>
           <a:lstStyle/>
           <a:p>
-            <a:pPr algn="l"/>
-            <a:r>
-              <a:rPr lang="en-US" sz="1600" b="1" i="1" dirty="0">
-                <a:effectLst/>
-                <a:latin typeface=""/>
+            <a:r>
+              <a:rPr lang="en-US" sz="2000" dirty="0"/>
+              <a:t>In each role, there </a:t>
+            </a:r>
+            <a:r>
+              <a:rPr lang="en-US" sz="2000" dirty="0">
+                <a:solidFill>
+                  <a:srgbClr val="FF0000"/>
+                </a:solidFill>
               </a:rPr>
-              <a:t>More no of males are there in eac</a:t>
-            </a:r>
-            <a:r>
-              <a:rPr lang="en-US" sz="1600" b="1" i="1" dirty="0">
-                <a:latin typeface=""/>
-              </a:rPr>
-              <a:t>h role as compared to females</a:t>
-            </a:r>
+              <a:t>are more males than females</a:t>
+            </a:r>
+            <a:r>
+              <a:rPr lang="en-US" sz="2000" dirty="0"/>
+              <a:t>.</a:t>
+            </a:r>
+          </a:p>
+          <a:p>
             <a:br>
               <a:rPr lang="en-US" dirty="0"/>
             </a:br>
-            <a:endParaRPr lang="en-NP" dirty="0"/>
+            <a:endParaRPr lang="en-US" dirty="0"/>
           </a:p>
         </p:txBody>
       </p:sp>
@@ -5405,85 +5324,6 @@
   <p:clrMapOvr>
     <a:masterClrMapping/>
   </p:clrMapOvr>
-  <p:timing>
-    <p:tnLst>
-      <p:par>
-        <p:cTn id="1" dur="indefinite" restart="never" nodeType="tmRoot">
-          <p:childTnLst>
-            <p:seq concurrent="1" nextAc="seek">
-              <p:cTn id="2" dur="indefinite" nodeType="mainSeq">
-                <p:childTnLst>
-                  <p:par>
-                    <p:cTn id="3" fill="hold">
-                      <p:stCondLst>
-                        <p:cond delay="indefinite"/>
-                      </p:stCondLst>
-                      <p:childTnLst>
-                        <p:par>
-                          <p:cTn id="4" fill="hold">
-                            <p:stCondLst>
-                              <p:cond delay="0"/>
-                            </p:stCondLst>
-                            <p:childTnLst>
-                              <p:par>
-                                <p:cTn id="5" presetID="1" presetClass="entr" presetSubtype="0" fill="hold" nodeType="clickEffect">
-                                  <p:stCondLst>
-                                    <p:cond delay="0"/>
-                                  </p:stCondLst>
-                                  <p:childTnLst>
-                                    <p:set>
-                                      <p:cBhvr>
-                                        <p:cTn id="6" dur="1" fill="hold">
-                                          <p:stCondLst>
-                                            <p:cond delay="0"/>
-                                          </p:stCondLst>
-                                        </p:cTn>
-                                        <p:tgtEl>
-                                          <p:spTgt spid="16">
-                                            <p:txEl>
-                                              <p:pRg st="0" end="0"/>
-                                            </p:txEl>
-                                          </p:spTgt>
-                                        </p:tgtEl>
-                                        <p:attrNameLst>
-                                          <p:attrName>style.visibility</p:attrName>
-                                        </p:attrNameLst>
-                                      </p:cBhvr>
-                                      <p:to>
-                                        <p:strVal val="visible"/>
-                                      </p:to>
-                                    </p:set>
-                                  </p:childTnLst>
-                                </p:cTn>
-                              </p:par>
-                            </p:childTnLst>
-                          </p:cTn>
-                        </p:par>
-                      </p:childTnLst>
-                    </p:cTn>
-                  </p:par>
-                </p:childTnLst>
-              </p:cTn>
-              <p:prevCondLst>
-                <p:cond evt="onPrev" delay="0">
-                  <p:tgtEl>
-                    <p:sldTgt/>
-                  </p:tgtEl>
-                </p:cond>
-              </p:prevCondLst>
-              <p:nextCondLst>
-                <p:cond evt="onNext" delay="0">
-                  <p:tgtEl>
-                    <p:sldTgt/>
-                  </p:tgtEl>
-                </p:cond>
-              </p:nextCondLst>
-            </p:seq>
-          </p:childTnLst>
-        </p:cTn>
-      </p:par>
-    </p:tnLst>
-  </p:timing>
 </p:sld>
 </file>
 
@@ -5548,8 +5388,8 @@
         </p:nvSpPr>
         <p:spPr>
           <a:xfrm>
-            <a:off x="6292374" y="5781206"/>
-            <a:ext cx="5180097" cy="369332"/>
+            <a:off x="5918243" y="5904451"/>
+            <a:ext cx="5928360" cy="707886"/>
           </a:xfrm>
           <a:prstGeom prst="rect">
             <a:avLst/>
@@ -5563,18 +5403,18 @@
           <a:lstStyle/>
           <a:p>
             <a:r>
-              <a:rPr lang="en-US" b="1" i="1" dirty="0"/>
-              <a:t>With diploma degree or higher </a:t>
-            </a:r>
-            <a:r>
-              <a:rPr lang="en-US" b="1" i="1" dirty="0" err="1"/>
-              <a:t>eduction</a:t>
-            </a:r>
-            <a:r>
-              <a:rPr lang="en-US" b="1" i="1" dirty="0"/>
-              <a:t> degree</a:t>
-            </a:r>
-            <a:endParaRPr lang="en-NP" b="1" i="1" dirty="0"/>
+              <a:rPr lang="en-US" sz="2000" b="1" i="1" dirty="0">
+                <a:solidFill>
+                  <a:srgbClr val="FF0000"/>
+                </a:solidFill>
+              </a:rPr>
+              <a:t>Web developers and programmers </a:t>
+            </a:r>
+            <a:r>
+              <a:rPr lang="en-US" sz="2000" b="1" i="1" dirty="0"/>
+              <a:t>typically have at least a diploma or a higher education degree.</a:t>
+            </a:r>
+            <a:endParaRPr lang="en-NP" sz="2000" b="1" i="1" dirty="0"/>
           </a:p>
         </p:txBody>
       </p:sp>
@@ -5728,8 +5568,8 @@
         </p:nvSpPr>
         <p:spPr>
           <a:xfrm>
-            <a:off x="7959777" y="5695951"/>
-            <a:ext cx="4338495" cy="1200329"/>
+            <a:off x="7117080" y="5695951"/>
+            <a:ext cx="5074920" cy="1846659"/>
           </a:xfrm>
           <a:prstGeom prst="rect">
             <a:avLst/>
@@ -5737,42 +5577,57 @@
           <a:noFill/>
         </p:spPr>
         <p:txBody>
-          <a:bodyPr wrap="none" rtlCol="0">
+          <a:bodyPr wrap="square" rtlCol="0">
             <a:spAutoFit/>
           </a:bodyPr>
           <a:lstStyle/>
           <a:p>
             <a:r>
-              <a:rPr lang="en-NP" dirty="0"/>
-              <a:t>Count the no of outlook category </a:t>
-            </a:r>
+              <a:rPr lang="en-US" sz="2000" dirty="0">
+                <a:solidFill>
+                  <a:srgbClr val="FF0000"/>
+                </a:solidFill>
+                <a:effectLst/>
+              </a:rPr>
+              <a:t>Computer and information system managers </a:t>
+            </a:r>
+            <a:r>
+              <a:rPr lang="en-US" sz="2000" dirty="0">
+                <a:effectLst/>
+              </a:rPr>
+              <a:t>have the most promising outlook, with the highest number rated as </a:t>
+            </a:r>
+            <a:r>
+              <a:rPr lang="en-US" sz="2000" dirty="0">
+                <a:solidFill>
+                  <a:srgbClr val="FF0000"/>
+                </a:solidFill>
+                <a:effectLst/>
+              </a:rPr>
+              <a:t>"very good."</a:t>
+            </a:r>
+          </a:p>
+          <a:p>
+            <a:pPr algn="l"/>
             <a:br>
-              <a:rPr lang="en-NP" dirty="0"/>
+              <a:rPr lang="en-US" b="0" i="0" dirty="0">
+                <a:solidFill>
+                  <a:srgbClr val="FFFFFF"/>
+                </a:solidFill>
+                <a:effectLst/>
+                <a:latin typeface="Söhne"/>
+              </a:rPr>
             </a:br>
-            <a:r>
-              <a:rPr lang="en-NP" dirty="0"/>
-              <a:t>computer and information system managers</a:t>
-            </a:r>
-          </a:p>
-          <a:p>
-            <a:r>
-              <a:rPr lang="en-US" dirty="0"/>
-              <a:t>T</a:t>
-            </a:r>
-            <a:r>
-              <a:rPr lang="en-NP" dirty="0"/>
-              <a:t>ops the list follwoed by sofwtare engineers</a:t>
-            </a:r>
-          </a:p>
-          <a:p>
-            <a:r>
-              <a:rPr lang="en-US" dirty="0"/>
-              <a:t>A</a:t>
-            </a:r>
-            <a:r>
-              <a:rPr lang="en-NP" dirty="0"/>
-              <a:t>nd designers</a:t>
-            </a:r>
+            <a:endParaRPr lang="en-US" b="0" i="0" dirty="0">
+              <a:solidFill>
+                <a:srgbClr val="FFFFFF"/>
+              </a:solidFill>
+              <a:effectLst/>
+              <a:latin typeface="Söhne"/>
+            </a:endParaRPr>
+          </a:p>
+          <a:p>
+            <a:endParaRPr lang="en-NP" dirty="0"/>
           </a:p>
         </p:txBody>
       </p:sp>
@@ -5828,7 +5683,7 @@
         </p:blipFill>
         <p:spPr>
           <a:xfrm>
-            <a:off x="2114081" y="367009"/>
+            <a:off x="2281721" y="0"/>
             <a:ext cx="7963838" cy="6371070"/>
           </a:xfrm>
           <a:prstGeom prst="rect">
@@ -5871,6 +5726,74 @@
               <a:t>Objective 5:</a:t>
             </a:r>
             <a:endParaRPr lang="en-NP" sz="1050" dirty="0"/>
+          </a:p>
+        </p:txBody>
+      </p:sp>
+      <p:sp>
+        <p:nvSpPr>
+          <p:cNvPr id="3" name="TextBox 2">
+            <a:extLst>
+              <a:ext uri="{FF2B5EF4-FFF2-40B4-BE49-F238E27FC236}">
+                <a16:creationId xmlns:a16="http://schemas.microsoft.com/office/drawing/2014/main" id="{5FDACF28-BDF5-05F2-E5B2-2D9300A5C44F}"/>
+              </a:ext>
+            </a:extLst>
+          </p:cNvPr>
+          <p:cNvSpPr txBox="1"/>
+          <p:nvPr/>
+        </p:nvSpPr>
+        <p:spPr>
+          <a:xfrm>
+            <a:off x="586740" y="6119336"/>
+            <a:ext cx="11353800" cy="1477328"/>
+          </a:xfrm>
+          <a:prstGeom prst="rect">
+            <a:avLst/>
+          </a:prstGeom>
+          <a:noFill/>
+        </p:spPr>
+        <p:txBody>
+          <a:bodyPr wrap="square">
+            <a:spAutoFit/>
+          </a:bodyPr>
+          <a:lstStyle/>
+          <a:p>
+            <a:r>
+              <a:rPr lang="en-US" dirty="0">
+                <a:effectLst/>
+              </a:rPr>
+              <a:t>In November 09,2023  there were 200 people employed, but by November 10, that number dropped to just 70. In November 16, it went up to 600 but then fell again to 340. The highest it reached </a:t>
+            </a:r>
+            <a:r>
+              <a:rPr lang="en-US" dirty="0">
+                <a:solidFill>
+                  <a:srgbClr val="FF0000"/>
+                </a:solidFill>
+                <a:effectLst/>
+              </a:rPr>
+              <a:t>was 940 in November 24.</a:t>
+            </a:r>
+          </a:p>
+          <a:p>
+            <a:pPr algn="l"/>
+            <a:br>
+              <a:rPr lang="en-US" b="0" i="0" dirty="0">
+                <a:solidFill>
+                  <a:srgbClr val="FFFFFF"/>
+                </a:solidFill>
+                <a:effectLst/>
+                <a:latin typeface="Söhne"/>
+              </a:rPr>
+            </a:br>
+            <a:endParaRPr lang="en-US" b="0" i="0" dirty="0">
+              <a:solidFill>
+                <a:srgbClr val="FFFFFF"/>
+              </a:solidFill>
+              <a:effectLst/>
+              <a:latin typeface="Söhne"/>
+            </a:endParaRPr>
+          </a:p>
+          <a:p>
+            <a:endParaRPr lang="en-US" sz="1800" dirty="0"/>
           </a:p>
         </p:txBody>
       </p:sp>
@@ -5888,101 +5811,6 @@
 </file>
 
 <file path=ppt/slides/slide14.xml><?xml version="1.0" encoding="utf-8"?>
-<p:sld xmlns:a="http://schemas.openxmlformats.org/drawingml/2006/main" xmlns:r="http://schemas.openxmlformats.org/officeDocument/2006/relationships" xmlns:p="http://schemas.openxmlformats.org/presentationml/2006/main">
-  <p:cSld>
-    <p:spTree>
-      <p:nvGrpSpPr>
-        <p:cNvPr id="1" name=""/>
-        <p:cNvGrpSpPr/>
-        <p:nvPr/>
-      </p:nvGrpSpPr>
-      <p:grpSpPr>
-        <a:xfrm>
-          <a:off x="0" y="0"/>
-          <a:ext cx="0" cy="0"/>
-          <a:chOff x="0" y="0"/>
-          <a:chExt cx="0" cy="0"/>
-        </a:xfrm>
-      </p:grpSpPr>
-      <p:sp>
-        <p:nvSpPr>
-          <p:cNvPr id="6" name="TextBox 5">
-            <a:extLst>
-              <a:ext uri="{FF2B5EF4-FFF2-40B4-BE49-F238E27FC236}">
-                <a16:creationId xmlns:a16="http://schemas.microsoft.com/office/drawing/2014/main" id="{7201DBA2-FBBC-CAE0-F960-78E669EB3809}"/>
-              </a:ext>
-            </a:extLst>
-          </p:cNvPr>
-          <p:cNvSpPr txBox="1"/>
-          <p:nvPr/>
-        </p:nvSpPr>
-        <p:spPr>
-          <a:xfrm>
-            <a:off x="7521553" y="6251208"/>
-            <a:ext cx="3793090" cy="369332"/>
-          </a:xfrm>
-          <a:prstGeom prst="rect">
-            <a:avLst/>
-          </a:prstGeom>
-          <a:noFill/>
-        </p:spPr>
-        <p:txBody>
-          <a:bodyPr wrap="none" rtlCol="0">
-            <a:spAutoFit/>
-          </a:bodyPr>
-          <a:lstStyle/>
-          <a:p>
-            <a:r>
-              <a:rPr lang="en-US" dirty="0"/>
-              <a:t>Using SVR (Support Vector Regression)</a:t>
-            </a:r>
-            <a:endParaRPr lang="en-NP" dirty="0"/>
-          </a:p>
-        </p:txBody>
-      </p:sp>
-      <p:pic>
-        <p:nvPicPr>
-          <p:cNvPr id="10" name="Content Placeholder 9">
-            <a:extLst>
-              <a:ext uri="{FF2B5EF4-FFF2-40B4-BE49-F238E27FC236}">
-                <a16:creationId xmlns:a16="http://schemas.microsoft.com/office/drawing/2014/main" id="{7ECB2B4A-C95C-0282-4AFC-C4344E1D0A39}"/>
-              </a:ext>
-            </a:extLst>
-          </p:cNvPr>
-          <p:cNvPicPr>
-            <a:picLocks noGrp="1" noChangeAspect="1"/>
-          </p:cNvPicPr>
-          <p:nvPr>
-            <p:ph idx="1"/>
-          </p:nvPr>
-        </p:nvPicPr>
-        <p:blipFill>
-          <a:blip r:embed="rId3"/>
-          <a:stretch>
-            <a:fillRect/>
-          </a:stretch>
-        </p:blipFill>
-        <p:spPr>
-          <a:xfrm>
-            <a:off x="1891711" y="636927"/>
-            <a:ext cx="7817805" cy="5584146"/>
-          </a:xfrm>
-        </p:spPr>
-      </p:pic>
-    </p:spTree>
-    <p:extLst>
-      <p:ext uri="{BB962C8B-B14F-4D97-AF65-F5344CB8AC3E}">
-        <p14:creationId xmlns:p14="http://schemas.microsoft.com/office/powerpoint/2010/main" val="4274437675"/>
-      </p:ext>
-    </p:extLst>
-  </p:cSld>
-  <p:clrMapOvr>
-    <a:masterClrMapping/>
-  </p:clrMapOvr>
-</p:sld>
-</file>
-
-<file path=ppt/slides/slide15.xml><?xml version="1.0" encoding="utf-8"?>
 <p:sld xmlns:a="http://schemas.openxmlformats.org/drawingml/2006/main" xmlns:r="http://schemas.openxmlformats.org/officeDocument/2006/relationships" xmlns:p="http://schemas.openxmlformats.org/presentationml/2006/main">
   <p:cSld>
     <p:spTree>
@@ -6200,7 +6028,7 @@
 </p:sld>
 </file>
 
-<file path=ppt/slides/slide16.xml><?xml version="1.0" encoding="utf-8"?>
+<file path=ppt/slides/slide15.xml><?xml version="1.0" encoding="utf-8"?>
 <p:sld xmlns:a="http://schemas.openxmlformats.org/drawingml/2006/main" xmlns:r="http://schemas.openxmlformats.org/officeDocument/2006/relationships" xmlns:p="http://schemas.openxmlformats.org/presentationml/2006/main">
   <p:cSld>
     <p:spTree>
@@ -7091,7 +6919,7 @@
 </p:sld>
 </file>
 
-<file path=ppt/slides/slide17.xml><?xml version="1.0" encoding="utf-8"?>
+<file path=ppt/slides/slide16.xml><?xml version="1.0" encoding="utf-8"?>
 <p:sld xmlns:a="http://schemas.openxmlformats.org/drawingml/2006/main" xmlns:r="http://schemas.openxmlformats.org/officeDocument/2006/relationships" xmlns:p="http://schemas.openxmlformats.org/presentationml/2006/main">
   <p:cSld>
     <p:spTree>
@@ -7449,8 +7277,8 @@
         </p:nvSpPr>
         <p:spPr>
           <a:xfrm>
-            <a:off x="553386" y="1397957"/>
-            <a:ext cx="11348803" cy="4351338"/>
+            <a:off x="332719" y="1133439"/>
+            <a:ext cx="11526562" cy="4351338"/>
           </a:xfrm>
         </p:spPr>
         <p:txBody>
@@ -7459,118 +7287,83 @@
           </a:bodyPr>
           <a:lstStyle/>
           <a:p>
+            <a:r>
+              <a:rPr lang="en-US" sz="2200" b="1" dirty="0"/>
+              <a:t>Objective 1: </a:t>
+            </a:r>
+            <a:r>
+              <a:rPr lang="en-US" sz="2200" dirty="0"/>
+              <a:t>Determine the total number of people employed in specific job titles across Canada in May 2023.</a:t>
+            </a:r>
+          </a:p>
+          <a:p>
+            <a:r>
+              <a:rPr lang="en-US" sz="2200" b="1" dirty="0"/>
+              <a:t>Objective 2: </a:t>
+            </a:r>
+            <a:r>
+              <a:rPr lang="en-US" sz="2200" dirty="0"/>
+              <a:t>Compare the number of people working part-time versus full-time in those job titles across Canada in May 2023.</a:t>
+            </a:r>
+          </a:p>
+          <a:p>
+            <a:r>
+              <a:rPr lang="en-US" sz="2200" b="1" dirty="0"/>
+              <a:t>Objective 3: </a:t>
+            </a:r>
+            <a:r>
+              <a:rPr lang="en-US" sz="2200" dirty="0"/>
+              <a:t>Compare the number of male and female workers in those job titles across Canada in May 2023.</a:t>
+            </a:r>
+          </a:p>
+          <a:p>
+            <a:r>
+              <a:rPr lang="en-US" sz="2200" b="1" dirty="0"/>
+              <a:t>Objective 4: </a:t>
+            </a:r>
+            <a:r>
+              <a:rPr lang="en-US" sz="2200" dirty="0"/>
+              <a:t>Count the number of job outlooks (like positive, neutral, or negative) for each specific job title across Canada in May 2023.</a:t>
+            </a:r>
+          </a:p>
+          <a:p>
+            <a:r>
+              <a:rPr lang="en-US" sz="2200" b="1" dirty="0"/>
+              <a:t>Objective 5: </a:t>
+            </a:r>
+            <a:r>
+              <a:rPr lang="en-US" sz="2200" dirty="0"/>
+              <a:t>Create a plot showing the data for November 2023 and the number of software developers employed.</a:t>
+            </a:r>
+          </a:p>
+          <a:p>
             <a:pPr marL="0" indent="0">
               <a:buNone/>
             </a:pPr>
-            <a:r>
-              <a:rPr lang="en-US" sz="2200" b="1" dirty="0">
-                <a:latin typeface=""/>
-              </a:rPr>
-              <a:t>Objective 1: </a:t>
-            </a:r>
-            <a:r>
-              <a:rPr lang="en-US" sz="2200" dirty="0">
-                <a:latin typeface=""/>
-              </a:rPr>
-              <a:t>Number of people employed in these NOC titles all over Canada in May 2023.</a:t>
-            </a:r>
+            <a:endParaRPr lang="en-US" sz="1600" dirty="0">
+              <a:latin typeface=""/>
+            </a:endParaRPr>
           </a:p>
           <a:p>
             <a:pPr marL="0" indent="0">
               <a:buNone/>
             </a:pPr>
-            <a:r>
-              <a:rPr lang="en-US" sz="2200" b="1" dirty="0">
-                <a:latin typeface=""/>
-              </a:rPr>
-              <a:t>Objective 2: Compare </a:t>
-            </a:r>
-            <a:r>
-              <a:rPr lang="en-US" sz="2200" dirty="0">
-                <a:latin typeface=""/>
-              </a:rPr>
-              <a:t>Number of part-time and full time workers in these NOC titles all over Canada in May 2023.</a:t>
-            </a:r>
-          </a:p>
-          <a:p>
-            <a:pPr marL="0" indent="0">
-              <a:buNone/>
-            </a:pPr>
-            <a:r>
-              <a:rPr lang="en-US" sz="2200" b="1" dirty="0">
-                <a:latin typeface=""/>
-              </a:rPr>
-              <a:t>Objective 3: Compare </a:t>
-            </a:r>
-            <a:r>
-              <a:rPr lang="en-US" sz="2200" dirty="0">
-                <a:latin typeface=""/>
-              </a:rPr>
-              <a:t>Number of male and female in these NOC titles all over Canada in May 2023</a:t>
-            </a:r>
-          </a:p>
-          <a:p>
-            <a:pPr marL="0" indent="0">
-              <a:buNone/>
-            </a:pPr>
-            <a:r>
-              <a:rPr lang="en-US" sz="2200" b="1" dirty="0">
-                <a:latin typeface=""/>
-              </a:rPr>
-              <a:t>Objective 4: Count no </a:t>
-            </a:r>
-            <a:r>
-              <a:rPr lang="en-US" sz="2200" dirty="0">
-                <a:latin typeface=""/>
-              </a:rPr>
-              <a:t>of each outlook in these NOC titles all over Canada in May 2023</a:t>
-            </a:r>
-          </a:p>
-          <a:p>
-            <a:pPr marL="0" indent="0">
-              <a:buNone/>
-            </a:pPr>
-            <a:r>
-              <a:rPr lang="en-US" sz="2200" b="1" dirty="0">
-                <a:latin typeface=""/>
-              </a:rPr>
-              <a:t>Objective 5: </a:t>
-            </a:r>
-            <a:r>
-              <a:rPr lang="en-US" sz="2200" dirty="0">
-                <a:latin typeface=""/>
-              </a:rPr>
-              <a:t>Plot the November 2023 data NOC title software developer and predict the next month December 2023 using SVR.   </a:t>
-            </a:r>
-          </a:p>
-          <a:p>
-            <a:pPr marL="0" indent="0">
-              <a:buNone/>
-            </a:pPr>
-            <a:endParaRPr lang="en-US" sz="2000" dirty="0">
+            <a:endParaRPr lang="en-NP" sz="1600" dirty="0">
               <a:latin typeface=""/>
             </a:endParaRPr>
           </a:p>
           <a:p>
-            <a:pPr marL="0" indent="0">
-              <a:buNone/>
-            </a:pPr>
-            <a:endParaRPr lang="en-NP" sz="2000" dirty="0">
+            <a:endParaRPr lang="en-NP" sz="1600" dirty="0">
               <a:latin typeface=""/>
             </a:endParaRPr>
           </a:p>
           <a:p>
-            <a:endParaRPr lang="en-NP" sz="2000" dirty="0">
+            <a:endParaRPr lang="en-NP" sz="1600" dirty="0">
               <a:latin typeface=""/>
             </a:endParaRPr>
           </a:p>
           <a:p>
-            <a:endParaRPr lang="en-NP" sz="2000" dirty="0">
-              <a:latin typeface=""/>
-            </a:endParaRPr>
-          </a:p>
-          <a:p>
-            <a:endParaRPr lang="en-NP" sz="2000" dirty="0">
+            <a:endParaRPr lang="en-NP" sz="1600" dirty="0">
               <a:latin typeface=""/>
             </a:endParaRPr>
           </a:p>
@@ -7598,7 +7391,7 @@
         </p:blipFill>
         <p:spPr>
           <a:xfrm>
-            <a:off x="6743699" y="4416354"/>
+            <a:off x="6789419" y="4416354"/>
             <a:ext cx="4774994" cy="2441646"/>
           </a:xfrm>
           <a:prstGeom prst="rect">
@@ -7914,55 +7707,6 @@
                       </p:childTnLst>
                     </p:cTn>
                   </p:par>
-                  <p:par>
-                    <p:cTn id="27" fill="hold">
-                      <p:stCondLst>
-                        <p:cond delay="indefinite"/>
-                      </p:stCondLst>
-                      <p:childTnLst>
-                        <p:par>
-                          <p:cTn id="28" fill="hold">
-                            <p:stCondLst>
-                              <p:cond delay="0"/>
-                            </p:stCondLst>
-                            <p:childTnLst>
-                              <p:par>
-                                <p:cTn id="29" presetID="1" presetClass="entr" presetSubtype="0" fill="hold" nodeType="clickEffect">
-                                  <p:stCondLst>
-                                    <p:cond delay="0"/>
-                                  </p:stCondLst>
-                                  <p:childTnLst>
-                                    <p:set>
-                                      <p:cBhvr>
-                                        <p:cTn id="30" dur="1" fill="hold">
-                                          <p:stCondLst>
-                                            <p:cond delay="0"/>
-                                          </p:stCondLst>
-                                        </p:cTn>
-                                        <p:tgtEl>
-                                          <p:spTgt spid="3">
-                                            <p:txEl>
-                                              <p:pRg st="0" end="0"/>
-                                            </p:txEl>
-                                          </p:spTgt>
-                                        </p:tgtEl>
-                                        <p:attrNameLst>
-                                          <p:attrName>style.visibility</p:attrName>
-                                        </p:attrNameLst>
-                                      </p:cBhvr>
-                                      <p:to>
-                                        <p:strVal val="visible"/>
-                                      </p:to>
-                                    </p:set>
-                                  </p:childTnLst>
-                                </p:cTn>
-                              </p:par>
-                            </p:childTnLst>
-                          </p:cTn>
-                        </p:par>
-                      </p:childTnLst>
-                    </p:cTn>
-                  </p:par>
                 </p:childTnLst>
               </p:cTn>
               <p:prevCondLst>
@@ -8153,7 +7897,7 @@
               <a:rPr lang="en-NP" b="1" dirty="0">
                 <a:latin typeface=""/>
               </a:rPr>
-              <a:t>Categorical ,numerical textual an</a:t>
+              <a:t>Categorical ,Numerical, Textual an</a:t>
             </a:r>
             <a:r>
               <a:rPr lang="en-US" b="1" dirty="0">
@@ -9004,7 +8748,21 @@
                 <a:latin typeface=""/>
                 <a:cs typeface="Times New Roman" panose="02020603050405020304" pitchFamily="18" charset="0"/>
               </a:rPr>
-              <a:t>Removed unnecessary columns from dataset according to the objectives: ”</a:t>
+              <a:t>Removed unnecessary column from dataset according to the objectives: </a:t>
+            </a:r>
+            <a:r>
+              <a:rPr lang="en-US" dirty="0" err="1">
+                <a:latin typeface=""/>
+                <a:cs typeface="Times New Roman" panose="02020603050405020304" pitchFamily="18" charset="0"/>
+              </a:rPr>
+              <a:t>i.e</a:t>
+            </a:r>
+            <a:r>
+              <a:rPr lang="en-US" dirty="0">
+                <a:latin typeface=""/>
+                <a:cs typeface="Times New Roman" panose="02020603050405020304" pitchFamily="18" charset="0"/>
+              </a:rPr>
+              <a:t> ”</a:t>
             </a:r>
             <a:r>
               <a:rPr lang="en-US" dirty="0">
@@ -10948,7 +10706,7 @@
         </p:blipFill>
         <p:spPr>
           <a:xfrm>
-            <a:off x="1342243" y="899410"/>
+            <a:off x="1372723" y="838450"/>
             <a:ext cx="8671185" cy="5780790"/>
           </a:xfrm>
           <a:prstGeom prst="rect">
@@ -10970,8 +10728,8 @@
         </p:nvSpPr>
         <p:spPr>
           <a:xfrm>
-            <a:off x="7423570" y="5842337"/>
-            <a:ext cx="4520148" cy="1015663"/>
+            <a:off x="7376160" y="5719227"/>
+            <a:ext cx="4815840" cy="1138773"/>
           </a:xfrm>
           <a:prstGeom prst="rect">
             <a:avLst/>
@@ -10979,49 +10737,50 @@
           <a:noFill/>
         </p:spPr>
         <p:txBody>
-          <a:bodyPr wrap="none" rtlCol="0">
+          <a:bodyPr wrap="square" rtlCol="0">
             <a:spAutoFit/>
           </a:bodyPr>
           <a:lstStyle/>
           <a:p>
             <a:r>
-              <a:rPr lang="en-NP" sz="1400" i="1" dirty="0"/>
-              <a:t>Computer network and</a:t>
-            </a:r>
-          </a:p>
-          <a:p>
-            <a:r>
-              <a:rPr lang="en-US" sz="1400" i="1" dirty="0"/>
-              <a:t>T</a:t>
-            </a:r>
-            <a:r>
-              <a:rPr lang="en-NP" sz="1400" i="1" dirty="0"/>
-              <a:t>echnicians has highest</a:t>
-            </a:r>
-          </a:p>
-          <a:p>
-            <a:r>
-              <a:rPr lang="en-US" sz="1400" i="1" dirty="0"/>
-              <a:t>N</a:t>
-            </a:r>
-            <a:r>
-              <a:rPr lang="en-NP" sz="1400" i="1" dirty="0"/>
-              <a:t>umber of people employed</a:t>
-            </a:r>
-          </a:p>
-          <a:p>
-            <a:r>
-              <a:rPr lang="en-US" sz="1400" i="1" dirty="0"/>
-              <a:t>F</a:t>
-            </a:r>
-            <a:r>
-              <a:rPr lang="en-NP" sz="1400" i="1" dirty="0"/>
-              <a:t>ollowed by computer and information systems </a:t>
-            </a:r>
-            <a:r>
-              <a:rPr lang="en-NP" i="1" dirty="0"/>
-              <a:t>manager</a:t>
-            </a:r>
+              <a:rPr lang="en-US" sz="1700" b="0" i="1" dirty="0">
+                <a:effectLst/>
+                <a:latin typeface="Söhne"/>
+              </a:rPr>
+              <a:t>More people work in </a:t>
+            </a:r>
+            <a:r>
+              <a:rPr lang="en-US" sz="1700" b="0" i="1" dirty="0">
+                <a:solidFill>
+                  <a:srgbClr val="FF0000"/>
+                </a:solidFill>
+                <a:effectLst/>
+                <a:latin typeface="Söhne"/>
+              </a:rPr>
+              <a:t>computer networks and as technicians than in any other tech field</a:t>
+            </a:r>
+            <a:r>
+              <a:rPr lang="en-US" sz="1700" b="0" i="1" dirty="0">
+                <a:effectLst/>
+                <a:latin typeface="Söhne"/>
+              </a:rPr>
+              <a:t>. After that, there </a:t>
+            </a:r>
+            <a:r>
+              <a:rPr lang="en-US" sz="1700" b="0" i="1" dirty="0">
+                <a:solidFill>
+                  <a:srgbClr val="FF0000"/>
+                </a:solidFill>
+                <a:effectLst/>
+                <a:latin typeface="Söhne"/>
+              </a:rPr>
+              <a:t>are a lot of individuals employed as computer and information systems managers.</a:t>
+            </a:r>
+            <a:endParaRPr lang="en-NP" sz="1700" i="1" dirty="0">
+              <a:solidFill>
+                <a:srgbClr val="FF0000"/>
+              </a:solidFill>
+            </a:endParaRPr>
           </a:p>
         </p:txBody>
       </p:sp>
